--- a/python/presentations/learning_python/13_ceda-alias.pptx
+++ b/python/presentations/learning_python/13_ceda-alias.pptx
@@ -272,7 +272,7 @@
               <a:pPr>
                 <a:defRPr/>
               </a:pPr>
-              <a:t>09/10/2018</a:t>
+              <a:t>19/11/2019</a:t>
             </a:fld>
             <a:endParaRPr lang="en-GB"/>
           </a:p>
@@ -463,7 +463,7 @@
               <a:pPr>
                 <a:defRPr/>
               </a:pPr>
-              <a:t>09/10/2018</a:t>
+              <a:t>19/11/2019</a:t>
             </a:fld>
             <a:endParaRPr lang="en-GB"/>
           </a:p>
@@ -1856,7 +1856,7 @@
               <a:pPr>
                 <a:defRPr/>
               </a:pPr>
-              <a:t>09/10/2018</a:t>
+              <a:t>19/11/2019</a:t>
             </a:fld>
             <a:endParaRPr lang="en-GB"/>
           </a:p>
@@ -2093,7 +2093,7 @@
               <a:pPr>
                 <a:defRPr/>
               </a:pPr>
-              <a:t>09/10/2018</a:t>
+              <a:t>19/11/2019</a:t>
             </a:fld>
             <a:endParaRPr lang="en-GB"/>
           </a:p>
@@ -2814,7 +2814,7 @@
               <a:pPr>
                 <a:defRPr/>
               </a:pPr>
-              <a:t>09/10/2018</a:t>
+              <a:t>19/11/2019</a:t>
             </a:fld>
             <a:endParaRPr lang="en-GB"/>
           </a:p>
@@ -3931,6 +3931,13 @@
   <p:clrMapOvr>
     <a:masterClrMapping/>
   </p:clrMapOvr>
+  <p:timing>
+    <p:tnLst>
+      <p:par>
+        <p:cTn id="1" dur="indefinite" restart="never" nodeType="tmRoot"/>
+      </p:par>
+    </p:tnLst>
+  </p:timing>
 </p:sld>
 </file>
 
@@ -4466,9 +4473,9 @@
           <a:bodyPr/>
           <a:lstStyle/>
           <a:p>
-            <a:pPr eaLnBrk="1" hangingPunct="1"/>
-            <a:r>
-              <a:rPr lang="en-GB" altLang="en-US" smtClean="0"/>
+            <a:pPr algn="l" eaLnBrk="1" hangingPunct="1"/>
+            <a:r>
+              <a:rPr lang="en-GB" altLang="en-US" dirty="0" smtClean="0"/>
               <a:t>An example? (1)</a:t>
             </a:r>
           </a:p>
@@ -4499,8 +4506,23 @@
               <a:buNone/>
             </a:pPr>
             <a:r>
-              <a:rPr lang="en-GB" altLang="en-US" smtClean="0"/>
-              <a:t>Imagine you have a massive data array of temperatures:</a:t>
+              <a:rPr lang="en-GB" altLang="en-US" dirty="0" smtClean="0"/>
+              <a:t>Imagine you have a </a:t>
+            </a:r>
+            <a:r>
+              <a:rPr lang="en-GB" altLang="en-US" dirty="0" smtClean="0"/>
+              <a:t>massive</a:t>
+            </a:r>
+            <a:br>
+              <a:rPr lang="en-GB" altLang="en-US" dirty="0" smtClean="0"/>
+            </a:br>
+            <a:r>
+              <a:rPr lang="en-GB" altLang="en-US" dirty="0" smtClean="0"/>
+              <a:t> </a:t>
+            </a:r>
+            <a:r>
+              <a:rPr lang="en-GB" altLang="en-US" dirty="0" smtClean="0"/>
+              <a:t>data array of temperatures:</a:t>
             </a:r>
           </a:p>
           <a:p>
@@ -4508,7 +4530,7 @@
               <a:buFont typeface="Arial" panose="020B0604020202020204" pitchFamily="34" charset="0"/>
               <a:buNone/>
             </a:pPr>
-            <a:endParaRPr lang="en-GB" altLang="en-US" sz="1400" smtClean="0"/>
+            <a:endParaRPr lang="en-GB" altLang="en-US" sz="1400" dirty="0" smtClean="0"/>
           </a:p>
           <a:p>
             <a:pPr marL="0" indent="0" eaLnBrk="1" hangingPunct="1">
@@ -4516,14 +4538,14 @@
               <a:buNone/>
             </a:pPr>
             <a:r>
-              <a:rPr lang="fr-FR" altLang="en-US" sz="2400" b="1" smtClean="0">
+              <a:rPr lang="fr-FR" altLang="en-US" sz="2400" b="1" dirty="0" smtClean="0">
                 <a:latin typeface="Courier New" panose="02070309020205020404" pitchFamily="49" charset="0"/>
                 <a:cs typeface="Courier New" panose="02070309020205020404" pitchFamily="49" charset="0"/>
               </a:rPr>
               <a:t>&gt;&gt;&gt;</a:t>
             </a:r>
             <a:r>
-              <a:rPr lang="fr-FR" altLang="en-US" sz="2400" smtClean="0">
+              <a:rPr lang="fr-FR" altLang="en-US" sz="2400" dirty="0" smtClean="0">
                 <a:latin typeface="Courier New" panose="02070309020205020404" pitchFamily="49" charset="0"/>
                 <a:cs typeface="Courier New" panose="02070309020205020404" pitchFamily="49" charset="0"/>
               </a:rPr>
@@ -4535,7 +4557,7 @@
               <a:buFont typeface="Arial" panose="020B0604020202020204" pitchFamily="34" charset="0"/>
               <a:buNone/>
             </a:pPr>
-            <a:endParaRPr lang="fr-FR" altLang="en-US" sz="1200" smtClean="0"/>
+            <a:endParaRPr lang="fr-FR" altLang="en-US" sz="1200" dirty="0" smtClean="0"/>
           </a:p>
           <a:p>
             <a:pPr marL="0" indent="0" eaLnBrk="1" hangingPunct="1">
@@ -4543,8 +4565,44 @@
               <a:buNone/>
             </a:pPr>
             <a:r>
-              <a:rPr lang="fr-FR" altLang="en-US" smtClean="0"/>
-              <a:t>Each sub-list contains temperatures for a given longitude.</a:t>
+              <a:rPr lang="fr-FR" altLang="en-US" dirty="0" err="1" smtClean="0"/>
+              <a:t>Each</a:t>
+            </a:r>
+            <a:r>
+              <a:rPr lang="fr-FR" altLang="en-US" dirty="0" smtClean="0"/>
+              <a:t> </a:t>
+            </a:r>
+            <a:r>
+              <a:rPr lang="fr-FR" altLang="en-US" dirty="0" err="1" smtClean="0"/>
+              <a:t>sub-list</a:t>
+            </a:r>
+            <a:r>
+              <a:rPr lang="fr-FR" altLang="en-US" dirty="0" smtClean="0"/>
+              <a:t> </a:t>
+            </a:r>
+            <a:r>
+              <a:rPr lang="fr-FR" altLang="en-US" dirty="0" err="1" smtClean="0"/>
+              <a:t>contains</a:t>
+            </a:r>
+            <a:r>
+              <a:rPr lang="fr-FR" altLang="en-US" dirty="0" smtClean="0"/>
+              <a:t> </a:t>
+            </a:r>
+            <a:r>
+              <a:rPr lang="fr-FR" altLang="en-US" dirty="0" err="1" smtClean="0"/>
+              <a:t>temperatures</a:t>
+            </a:r>
+            <a:r>
+              <a:rPr lang="fr-FR" altLang="en-US" dirty="0" smtClean="0"/>
+              <a:t> for a </a:t>
+            </a:r>
+            <a:r>
+              <a:rPr lang="fr-FR" altLang="en-US" dirty="0" err="1" smtClean="0"/>
+              <a:t>given</a:t>
+            </a:r>
+            <a:r>
+              <a:rPr lang="fr-FR" altLang="en-US" dirty="0" smtClean="0"/>
+              <a:t> longitude.</a:t>
             </a:r>
           </a:p>
           <a:p>
@@ -4552,7 +4610,7 @@
               <a:buFont typeface="Arial" panose="020B0604020202020204" pitchFamily="34" charset="0"/>
               <a:buNone/>
             </a:pPr>
-            <a:endParaRPr lang="fr-FR" altLang="en-US" sz="1600" smtClean="0"/>
+            <a:endParaRPr lang="fr-FR" altLang="en-US" sz="1600" dirty="0" smtClean="0"/>
           </a:p>
           <a:p>
             <a:pPr marL="0" indent="0" eaLnBrk="1" hangingPunct="1">
@@ -4560,8 +4618,76 @@
               <a:buNone/>
             </a:pPr>
             <a:r>
-              <a:rPr lang="fr-FR" altLang="en-US" smtClean="0"/>
-              <a:t>Let's assign a variable to the first sub-list because we want to process/modify it:</a:t>
+              <a:rPr lang="fr-FR" altLang="en-US" dirty="0" err="1" smtClean="0"/>
+              <a:t>Let's</a:t>
+            </a:r>
+            <a:r>
+              <a:rPr lang="fr-FR" altLang="en-US" dirty="0" smtClean="0"/>
+              <a:t> </a:t>
+            </a:r>
+            <a:r>
+              <a:rPr lang="fr-FR" altLang="en-US" dirty="0" err="1" smtClean="0"/>
+              <a:t>assign</a:t>
+            </a:r>
+            <a:r>
+              <a:rPr lang="fr-FR" altLang="en-US" dirty="0" smtClean="0"/>
+              <a:t> a variable to the first </a:t>
+            </a:r>
+            <a:r>
+              <a:rPr lang="fr-FR" altLang="en-US" dirty="0" err="1" smtClean="0"/>
+              <a:t>sub-list</a:t>
+            </a:r>
+            <a:r>
+              <a:rPr lang="fr-FR" altLang="en-US" dirty="0" smtClean="0"/>
+              <a:t> </a:t>
+            </a:r>
+            <a:r>
+              <a:rPr lang="fr-FR" altLang="en-US" dirty="0" err="1" smtClean="0"/>
+              <a:t>because</a:t>
+            </a:r>
+            <a:r>
+              <a:rPr lang="fr-FR" altLang="en-US" dirty="0" smtClean="0"/>
+              <a:t> </a:t>
+            </a:r>
+            <a:r>
+              <a:rPr lang="fr-FR" altLang="en-US" dirty="0" err="1" smtClean="0"/>
+              <a:t>we</a:t>
+            </a:r>
+            <a:r>
+              <a:rPr lang="fr-FR" altLang="en-US" dirty="0" smtClean="0"/>
+              <a:t> </a:t>
+            </a:r>
+            <a:r>
+              <a:rPr lang="fr-FR" altLang="en-US" dirty="0" err="1" smtClean="0"/>
+              <a:t>want</a:t>
+            </a:r>
+            <a:r>
+              <a:rPr lang="fr-FR" altLang="en-US" dirty="0" smtClean="0"/>
+              <a:t> to </a:t>
+            </a:r>
+            <a:r>
+              <a:rPr lang="fr-FR" altLang="en-US" dirty="0" err="1" smtClean="0"/>
+              <a:t>process</a:t>
+            </a:r>
+            <a:r>
+              <a:rPr lang="fr-FR" altLang="en-US" dirty="0" smtClean="0"/>
+              <a:t>/</a:t>
+            </a:r>
+            <a:r>
+              <a:rPr lang="fr-FR" altLang="en-US" dirty="0" err="1" smtClean="0"/>
+              <a:t>modify</a:t>
+            </a:r>
+            <a:r>
+              <a:rPr lang="fr-FR" altLang="en-US" dirty="0" smtClean="0"/>
+              <a:t> </a:t>
+            </a:r>
+            <a:r>
+              <a:rPr lang="fr-FR" altLang="en-US" dirty="0" err="1" smtClean="0"/>
+              <a:t>it</a:t>
+            </a:r>
+            <a:r>
+              <a:rPr lang="fr-FR" altLang="en-US" dirty="0" smtClean="0"/>
+              <a:t>:</a:t>
             </a:r>
           </a:p>
           <a:p>
@@ -4570,14 +4696,14 @@
               <a:buNone/>
             </a:pPr>
             <a:r>
-              <a:rPr lang="fr-FR" altLang="en-US" sz="2400" b="1" smtClean="0">
+              <a:rPr lang="fr-FR" altLang="en-US" sz="2400" b="1" dirty="0" smtClean="0">
                 <a:latin typeface="Courier New" panose="02070309020205020404" pitchFamily="49" charset="0"/>
                 <a:cs typeface="Courier New" panose="02070309020205020404" pitchFamily="49" charset="0"/>
               </a:rPr>
               <a:t>&gt;&gt;&gt;</a:t>
             </a:r>
             <a:r>
-              <a:rPr lang="fr-FR" altLang="en-US" sz="2400" smtClean="0">
+              <a:rPr lang="fr-FR" altLang="en-US" sz="2400" dirty="0" smtClean="0">
                 <a:latin typeface="Courier New" panose="02070309020205020404" pitchFamily="49" charset="0"/>
                 <a:cs typeface="Courier New" panose="02070309020205020404" pitchFamily="49" charset="0"/>
               </a:rPr>
@@ -4586,6 +4712,772 @@
           </a:p>
         </p:txBody>
       </p:sp>
+      <p:graphicFrame>
+        <p:nvGraphicFramePr>
+          <p:cNvPr id="2" name="Table 1"/>
+          <p:cNvGraphicFramePr>
+            <a:graphicFrameLocks noGrp="1"/>
+          </p:cNvGraphicFramePr>
+          <p:nvPr>
+            <p:extLst>
+              <p:ext uri="{D42A27DB-BD31-4B8C-83A1-F6EECF244321}">
+                <p14:modId xmlns:p14="http://schemas.microsoft.com/office/powerpoint/2010/main" val="4229431052"/>
+              </p:ext>
+            </p:extLst>
+          </p:nvPr>
+        </p:nvGraphicFramePr>
+        <p:xfrm>
+          <a:off x="5076056" y="620688"/>
+          <a:ext cx="3960445" cy="1483360"/>
+        </p:xfrm>
+        <a:graphic>
+          <a:graphicData uri="http://schemas.openxmlformats.org/drawingml/2006/table">
+            <a:tbl>
+              <a:tblPr firstRow="1" firstCol="1" bandRow="1">
+                <a:tableStyleId>{2D5ABB26-0587-4C30-8999-92F81FD0307C}</a:tableStyleId>
+              </a:tblPr>
+              <a:tblGrid>
+                <a:gridCol w="2389924">
+                  <a:extLst>
+                    <a:ext uri="{9D8B030D-6E8A-4147-A177-3AD203B41FA5}">
+                      <a16:colId xmlns:a16="http://schemas.microsoft.com/office/drawing/2014/main" val="2188079224"/>
+                    </a:ext>
+                  </a:extLst>
+                </a:gridCol>
+                <a:gridCol w="819402">
+                  <a:extLst>
+                    <a:ext uri="{9D8B030D-6E8A-4147-A177-3AD203B41FA5}">
+                      <a16:colId xmlns:a16="http://schemas.microsoft.com/office/drawing/2014/main" val="3844447249"/>
+                    </a:ext>
+                  </a:extLst>
+                </a:gridCol>
+                <a:gridCol w="751119">
+                  <a:extLst>
+                    <a:ext uri="{9D8B030D-6E8A-4147-A177-3AD203B41FA5}">
+                      <a16:colId xmlns:a16="http://schemas.microsoft.com/office/drawing/2014/main" val="1843879614"/>
+                    </a:ext>
+                  </a:extLst>
+                </a:gridCol>
+              </a:tblGrid>
+              <a:tr h="370840">
+                <a:tc>
+                  <a:txBody>
+                    <a:bodyPr/>
+                    <a:lstStyle/>
+                    <a:p>
+                      <a:r>
+                        <a:rPr lang="en-GB" b="1" dirty="0" smtClean="0">
+                          <a:latin typeface="Bahnschrift" panose="020B0502040204020203" pitchFamily="34" charset="0"/>
+                        </a:rPr>
+                        <a:t> </a:t>
+                      </a:r>
+                      <a:r>
+                        <a:rPr lang="en-GB" b="1" dirty="0" smtClean="0"/>
+                        <a:t>Latitude</a:t>
+                      </a:r>
+                      <a:r>
+                        <a:rPr lang="en-GB" b="1" baseline="0" dirty="0" smtClean="0"/>
+                        <a:t> \ Longitude </a:t>
+                      </a:r>
+                      <a:endParaRPr lang="en-GB" b="1" dirty="0"/>
+                    </a:p>
+                  </a:txBody>
+                  <a:tcPr>
+                    <a:lnL w="12700" cap="flat" cmpd="sng" algn="ctr">
+                      <a:solidFill>
+                        <a:schemeClr val="tx1"/>
+                      </a:solidFill>
+                      <a:prstDash val="solid"/>
+                      <a:round/>
+                      <a:headEnd type="none" w="med" len="med"/>
+                      <a:tailEnd type="none" w="med" len="med"/>
+                    </a:lnL>
+                    <a:lnR w="12700" cap="flat" cmpd="sng" algn="ctr">
+                      <a:solidFill>
+                        <a:schemeClr val="tx1"/>
+                      </a:solidFill>
+                      <a:prstDash val="solid"/>
+                      <a:round/>
+                      <a:headEnd type="none" w="med" len="med"/>
+                      <a:tailEnd type="none" w="med" len="med"/>
+                    </a:lnR>
+                    <a:lnT w="12700" cap="flat" cmpd="sng" algn="ctr">
+                      <a:solidFill>
+                        <a:schemeClr val="tx1"/>
+                      </a:solidFill>
+                      <a:prstDash val="solid"/>
+                      <a:round/>
+                      <a:headEnd type="none" w="med" len="med"/>
+                      <a:tailEnd type="none" w="med" len="med"/>
+                    </a:lnT>
+                    <a:lnB w="12700" cap="flat" cmpd="sng" algn="ctr">
+                      <a:solidFill>
+                        <a:schemeClr val="tx1"/>
+                      </a:solidFill>
+                      <a:prstDash val="solid"/>
+                      <a:round/>
+                      <a:headEnd type="none" w="med" len="med"/>
+                      <a:tailEnd type="none" w="med" len="med"/>
+                    </a:lnB>
+                  </a:tcPr>
+                </a:tc>
+                <a:tc>
+                  <a:txBody>
+                    <a:bodyPr/>
+                    <a:lstStyle/>
+                    <a:p>
+                      <a:r>
+                        <a:rPr lang="en-GB" b="1" dirty="0" smtClean="0"/>
+                        <a:t>10°E</a:t>
+                      </a:r>
+                      <a:endParaRPr lang="en-GB" b="1" dirty="0"/>
+                    </a:p>
+                  </a:txBody>
+                  <a:tcPr>
+                    <a:lnL w="12700" cap="flat" cmpd="sng" algn="ctr">
+                      <a:solidFill>
+                        <a:schemeClr val="tx1"/>
+                      </a:solidFill>
+                      <a:prstDash val="solid"/>
+                      <a:round/>
+                      <a:headEnd type="none" w="med" len="med"/>
+                      <a:tailEnd type="none" w="med" len="med"/>
+                    </a:lnL>
+                    <a:lnR w="12700" cap="flat" cmpd="sng" algn="ctr">
+                      <a:solidFill>
+                        <a:schemeClr val="tx1"/>
+                      </a:solidFill>
+                      <a:prstDash val="solid"/>
+                      <a:round/>
+                      <a:headEnd type="none" w="med" len="med"/>
+                      <a:tailEnd type="none" w="med" len="med"/>
+                    </a:lnR>
+                    <a:lnT w="12700" cap="flat" cmpd="sng" algn="ctr">
+                      <a:solidFill>
+                        <a:schemeClr val="tx1"/>
+                      </a:solidFill>
+                      <a:prstDash val="solid"/>
+                      <a:round/>
+                      <a:headEnd type="none" w="med" len="med"/>
+                      <a:tailEnd type="none" w="med" len="med"/>
+                    </a:lnT>
+                    <a:lnB w="12700" cap="flat" cmpd="sng" algn="ctr">
+                      <a:solidFill>
+                        <a:schemeClr val="tx1"/>
+                      </a:solidFill>
+                      <a:prstDash val="solid"/>
+                      <a:round/>
+                      <a:headEnd type="none" w="med" len="med"/>
+                      <a:tailEnd type="none" w="med" len="med"/>
+                    </a:lnB>
+                  </a:tcPr>
+                </a:tc>
+                <a:tc>
+                  <a:txBody>
+                    <a:bodyPr/>
+                    <a:lstStyle/>
+                    <a:p>
+                      <a:pPr marL="0" marR="0" lvl="0" indent="0" algn="l" defTabSz="914400" rtl="0" eaLnBrk="1" fontAlgn="auto" latinLnBrk="0" hangingPunct="1">
+                        <a:lnSpc>
+                          <a:spcPct val="100000"/>
+                        </a:lnSpc>
+                        <a:spcBef>
+                          <a:spcPts val="0"/>
+                        </a:spcBef>
+                        <a:spcAft>
+                          <a:spcPts val="0"/>
+                        </a:spcAft>
+                        <a:buClrTx/>
+                        <a:buSzTx/>
+                        <a:buFontTx/>
+                        <a:buNone/>
+                        <a:tabLst/>
+                        <a:defRPr/>
+                      </a:pPr>
+                      <a:r>
+                        <a:rPr lang="en-GB" b="1" dirty="0" smtClean="0"/>
+                        <a:t>20°E</a:t>
+                      </a:r>
+                    </a:p>
+                  </a:txBody>
+                  <a:tcPr>
+                    <a:lnL w="12700" cap="flat" cmpd="sng" algn="ctr">
+                      <a:solidFill>
+                        <a:schemeClr val="tx1"/>
+                      </a:solidFill>
+                      <a:prstDash val="solid"/>
+                      <a:round/>
+                      <a:headEnd type="none" w="med" len="med"/>
+                      <a:tailEnd type="none" w="med" len="med"/>
+                    </a:lnL>
+                    <a:lnR w="12700" cap="flat" cmpd="sng" algn="ctr">
+                      <a:solidFill>
+                        <a:schemeClr val="tx1"/>
+                      </a:solidFill>
+                      <a:prstDash val="solid"/>
+                      <a:round/>
+                      <a:headEnd type="none" w="med" len="med"/>
+                      <a:tailEnd type="none" w="med" len="med"/>
+                    </a:lnR>
+                    <a:lnT w="12700" cap="flat" cmpd="sng" algn="ctr">
+                      <a:solidFill>
+                        <a:schemeClr val="tx1"/>
+                      </a:solidFill>
+                      <a:prstDash val="solid"/>
+                      <a:round/>
+                      <a:headEnd type="none" w="med" len="med"/>
+                      <a:tailEnd type="none" w="med" len="med"/>
+                    </a:lnT>
+                    <a:lnB w="12700" cap="flat" cmpd="sng" algn="ctr">
+                      <a:solidFill>
+                        <a:schemeClr val="tx1"/>
+                      </a:solidFill>
+                      <a:prstDash val="solid"/>
+                      <a:round/>
+                      <a:headEnd type="none" w="med" len="med"/>
+                      <a:tailEnd type="none" w="med" len="med"/>
+                    </a:lnB>
+                  </a:tcPr>
+                </a:tc>
+                <a:extLst>
+                  <a:ext uri="{0D108BD9-81ED-4DB2-BD59-A6C34878D82A}">
+                    <a16:rowId xmlns:a16="http://schemas.microsoft.com/office/drawing/2014/main" val="3577492207"/>
+                  </a:ext>
+                </a:extLst>
+              </a:tr>
+              <a:tr h="370840">
+                <a:tc>
+                  <a:txBody>
+                    <a:bodyPr/>
+                    <a:lstStyle/>
+                    <a:p>
+                      <a:pPr marL="0" marR="0" lvl="0" indent="0" algn="l" defTabSz="914400" rtl="0" eaLnBrk="1" fontAlgn="auto" latinLnBrk="0" hangingPunct="1">
+                        <a:lnSpc>
+                          <a:spcPct val="100000"/>
+                        </a:lnSpc>
+                        <a:spcBef>
+                          <a:spcPts val="0"/>
+                        </a:spcBef>
+                        <a:spcAft>
+                          <a:spcPts val="0"/>
+                        </a:spcAft>
+                        <a:buClrTx/>
+                        <a:buSzTx/>
+                        <a:buFontTx/>
+                        <a:buNone/>
+                        <a:tabLst/>
+                        <a:defRPr/>
+                      </a:pPr>
+                      <a:r>
+                        <a:rPr lang="en-GB" b="1" dirty="0" smtClean="0"/>
+                        <a:t>60°N</a:t>
+                      </a:r>
+                      <a:endParaRPr lang="en-GB" b="1" dirty="0" smtClean="0"/>
+                    </a:p>
+                  </a:txBody>
+                  <a:tcPr>
+                    <a:lnL w="12700" cap="flat" cmpd="sng" algn="ctr">
+                      <a:solidFill>
+                        <a:schemeClr val="tx1"/>
+                      </a:solidFill>
+                      <a:prstDash val="solid"/>
+                      <a:round/>
+                      <a:headEnd type="none" w="med" len="med"/>
+                      <a:tailEnd type="none" w="med" len="med"/>
+                    </a:lnL>
+                    <a:lnR w="12700" cap="flat" cmpd="sng" algn="ctr">
+                      <a:solidFill>
+                        <a:schemeClr val="tx1"/>
+                      </a:solidFill>
+                      <a:prstDash val="solid"/>
+                      <a:round/>
+                      <a:headEnd type="none" w="med" len="med"/>
+                      <a:tailEnd type="none" w="med" len="med"/>
+                    </a:lnR>
+                    <a:lnT w="12700" cap="flat" cmpd="sng" algn="ctr">
+                      <a:solidFill>
+                        <a:schemeClr val="tx1"/>
+                      </a:solidFill>
+                      <a:prstDash val="solid"/>
+                      <a:round/>
+                      <a:headEnd type="none" w="med" len="med"/>
+                      <a:tailEnd type="none" w="med" len="med"/>
+                    </a:lnT>
+                    <a:lnB w="12700" cap="flat" cmpd="sng" algn="ctr">
+                      <a:solidFill>
+                        <a:schemeClr val="tx1"/>
+                      </a:solidFill>
+                      <a:prstDash val="solid"/>
+                      <a:round/>
+                      <a:headEnd type="none" w="med" len="med"/>
+                      <a:tailEnd type="none" w="med" len="med"/>
+                    </a:lnB>
+                  </a:tcPr>
+                </a:tc>
+                <a:tc>
+                  <a:txBody>
+                    <a:bodyPr/>
+                    <a:lstStyle/>
+                    <a:p>
+                      <a:r>
+                        <a:rPr lang="en-GB" dirty="0" smtClean="0"/>
+                        <a:t>14</a:t>
+                      </a:r>
+                      <a:endParaRPr lang="en-GB" dirty="0"/>
+                    </a:p>
+                  </a:txBody>
+                  <a:tcPr>
+                    <a:lnL w="12700" cap="flat" cmpd="sng" algn="ctr">
+                      <a:solidFill>
+                        <a:schemeClr val="tx1"/>
+                      </a:solidFill>
+                      <a:prstDash val="solid"/>
+                      <a:round/>
+                      <a:headEnd type="none" w="med" len="med"/>
+                      <a:tailEnd type="none" w="med" len="med"/>
+                    </a:lnL>
+                    <a:lnR w="12700" cap="flat" cmpd="sng" algn="ctr">
+                      <a:solidFill>
+                        <a:schemeClr val="tx1"/>
+                      </a:solidFill>
+                      <a:prstDash val="solid"/>
+                      <a:round/>
+                      <a:headEnd type="none" w="med" len="med"/>
+                      <a:tailEnd type="none" w="med" len="med"/>
+                    </a:lnR>
+                    <a:lnT w="12700" cap="flat" cmpd="sng" algn="ctr">
+                      <a:solidFill>
+                        <a:schemeClr val="tx1"/>
+                      </a:solidFill>
+                      <a:prstDash val="solid"/>
+                      <a:round/>
+                      <a:headEnd type="none" w="med" len="med"/>
+                      <a:tailEnd type="none" w="med" len="med"/>
+                    </a:lnT>
+                    <a:lnB w="12700" cap="flat" cmpd="sng" algn="ctr">
+                      <a:solidFill>
+                        <a:schemeClr val="tx1"/>
+                      </a:solidFill>
+                      <a:prstDash val="solid"/>
+                      <a:round/>
+                      <a:headEnd type="none" w="med" len="med"/>
+                      <a:tailEnd type="none" w="med" len="med"/>
+                    </a:lnB>
+                  </a:tcPr>
+                </a:tc>
+                <a:tc>
+                  <a:txBody>
+                    <a:bodyPr/>
+                    <a:lstStyle/>
+                    <a:p>
+                      <a:r>
+                        <a:rPr lang="en-GB" dirty="0" smtClean="0"/>
+                        <a:t>13</a:t>
+                      </a:r>
+                      <a:endParaRPr lang="en-GB" dirty="0"/>
+                    </a:p>
+                  </a:txBody>
+                  <a:tcPr>
+                    <a:lnL w="12700" cap="flat" cmpd="sng" algn="ctr">
+                      <a:solidFill>
+                        <a:schemeClr val="tx1"/>
+                      </a:solidFill>
+                      <a:prstDash val="solid"/>
+                      <a:round/>
+                      <a:headEnd type="none" w="med" len="med"/>
+                      <a:tailEnd type="none" w="med" len="med"/>
+                    </a:lnL>
+                    <a:lnR w="12700" cap="flat" cmpd="sng" algn="ctr">
+                      <a:solidFill>
+                        <a:schemeClr val="tx1"/>
+                      </a:solidFill>
+                      <a:prstDash val="solid"/>
+                      <a:round/>
+                      <a:headEnd type="none" w="med" len="med"/>
+                      <a:tailEnd type="none" w="med" len="med"/>
+                    </a:lnR>
+                    <a:lnT w="12700" cap="flat" cmpd="sng" algn="ctr">
+                      <a:solidFill>
+                        <a:schemeClr val="tx1"/>
+                      </a:solidFill>
+                      <a:prstDash val="solid"/>
+                      <a:round/>
+                      <a:headEnd type="none" w="med" len="med"/>
+                      <a:tailEnd type="none" w="med" len="med"/>
+                    </a:lnT>
+                    <a:lnB w="12700" cap="flat" cmpd="sng" algn="ctr">
+                      <a:solidFill>
+                        <a:schemeClr val="tx1"/>
+                      </a:solidFill>
+                      <a:prstDash val="solid"/>
+                      <a:round/>
+                      <a:headEnd type="none" w="med" len="med"/>
+                      <a:tailEnd type="none" w="med" len="med"/>
+                    </a:lnB>
+                  </a:tcPr>
+                </a:tc>
+                <a:extLst>
+                  <a:ext uri="{0D108BD9-81ED-4DB2-BD59-A6C34878D82A}">
+                    <a16:rowId xmlns:a16="http://schemas.microsoft.com/office/drawing/2014/main" val="2911938568"/>
+                  </a:ext>
+                </a:extLst>
+              </a:tr>
+              <a:tr h="370840">
+                <a:tc>
+                  <a:txBody>
+                    <a:bodyPr/>
+                    <a:lstStyle/>
+                    <a:p>
+                      <a:pPr marL="0" marR="0" lvl="0" indent="0" algn="l" defTabSz="914400" rtl="0" eaLnBrk="1" fontAlgn="auto" latinLnBrk="0" hangingPunct="1">
+                        <a:lnSpc>
+                          <a:spcPct val="100000"/>
+                        </a:lnSpc>
+                        <a:spcBef>
+                          <a:spcPts val="0"/>
+                        </a:spcBef>
+                        <a:spcAft>
+                          <a:spcPts val="0"/>
+                        </a:spcAft>
+                        <a:buClrTx/>
+                        <a:buSzTx/>
+                        <a:buFontTx/>
+                        <a:buNone/>
+                        <a:tabLst/>
+                        <a:defRPr/>
+                      </a:pPr>
+                      <a:r>
+                        <a:rPr lang="en-GB" b="1" dirty="0" smtClean="0"/>
+                        <a:t>50°N</a:t>
+                      </a:r>
+                    </a:p>
+                  </a:txBody>
+                  <a:tcPr>
+                    <a:lnL w="12700" cap="flat" cmpd="sng" algn="ctr">
+                      <a:solidFill>
+                        <a:schemeClr val="tx1"/>
+                      </a:solidFill>
+                      <a:prstDash val="solid"/>
+                      <a:round/>
+                      <a:headEnd type="none" w="med" len="med"/>
+                      <a:tailEnd type="none" w="med" len="med"/>
+                    </a:lnL>
+                    <a:lnR w="12700" cap="flat" cmpd="sng" algn="ctr">
+                      <a:solidFill>
+                        <a:schemeClr val="tx1"/>
+                      </a:solidFill>
+                      <a:prstDash val="solid"/>
+                      <a:round/>
+                      <a:headEnd type="none" w="med" len="med"/>
+                      <a:tailEnd type="none" w="med" len="med"/>
+                    </a:lnR>
+                    <a:lnT w="12700" cap="flat" cmpd="sng" algn="ctr">
+                      <a:solidFill>
+                        <a:schemeClr val="tx1"/>
+                      </a:solidFill>
+                      <a:prstDash val="solid"/>
+                      <a:round/>
+                      <a:headEnd type="none" w="med" len="med"/>
+                      <a:tailEnd type="none" w="med" len="med"/>
+                    </a:lnT>
+                    <a:lnB w="12700" cap="flat" cmpd="sng" algn="ctr">
+                      <a:solidFill>
+                        <a:schemeClr val="tx1"/>
+                      </a:solidFill>
+                      <a:prstDash val="solid"/>
+                      <a:round/>
+                      <a:headEnd type="none" w="med" len="med"/>
+                      <a:tailEnd type="none" w="med" len="med"/>
+                    </a:lnB>
+                  </a:tcPr>
+                </a:tc>
+                <a:tc>
+                  <a:txBody>
+                    <a:bodyPr/>
+                    <a:lstStyle/>
+                    <a:p>
+                      <a:r>
+                        <a:rPr lang="en-GB" dirty="0" smtClean="0"/>
+                        <a:t>16</a:t>
+                      </a:r>
+                      <a:endParaRPr lang="en-GB" dirty="0"/>
+                    </a:p>
+                  </a:txBody>
+                  <a:tcPr>
+                    <a:lnL w="12700" cap="flat" cmpd="sng" algn="ctr">
+                      <a:solidFill>
+                        <a:schemeClr val="tx1"/>
+                      </a:solidFill>
+                      <a:prstDash val="solid"/>
+                      <a:round/>
+                      <a:headEnd type="none" w="med" len="med"/>
+                      <a:tailEnd type="none" w="med" len="med"/>
+                    </a:lnL>
+                    <a:lnR w="12700" cap="flat" cmpd="sng" algn="ctr">
+                      <a:solidFill>
+                        <a:schemeClr val="tx1"/>
+                      </a:solidFill>
+                      <a:prstDash val="solid"/>
+                      <a:round/>
+                      <a:headEnd type="none" w="med" len="med"/>
+                      <a:tailEnd type="none" w="med" len="med"/>
+                    </a:lnR>
+                    <a:lnT w="12700" cap="flat" cmpd="sng" algn="ctr">
+                      <a:solidFill>
+                        <a:schemeClr val="tx1"/>
+                      </a:solidFill>
+                      <a:prstDash val="solid"/>
+                      <a:round/>
+                      <a:headEnd type="none" w="med" len="med"/>
+                      <a:tailEnd type="none" w="med" len="med"/>
+                    </a:lnT>
+                    <a:lnB w="12700" cap="flat" cmpd="sng" algn="ctr">
+                      <a:solidFill>
+                        <a:schemeClr val="tx1"/>
+                      </a:solidFill>
+                      <a:prstDash val="solid"/>
+                      <a:round/>
+                      <a:headEnd type="none" w="med" len="med"/>
+                      <a:tailEnd type="none" w="med" len="med"/>
+                    </a:lnB>
+                  </a:tcPr>
+                </a:tc>
+                <a:tc>
+                  <a:txBody>
+                    <a:bodyPr/>
+                    <a:lstStyle/>
+                    <a:p>
+                      <a:r>
+                        <a:rPr lang="en-GB" dirty="0" smtClean="0"/>
+                        <a:t>15</a:t>
+                      </a:r>
+                      <a:endParaRPr lang="en-GB" dirty="0"/>
+                    </a:p>
+                  </a:txBody>
+                  <a:tcPr>
+                    <a:lnL w="12700" cap="flat" cmpd="sng" algn="ctr">
+                      <a:solidFill>
+                        <a:schemeClr val="tx1"/>
+                      </a:solidFill>
+                      <a:prstDash val="solid"/>
+                      <a:round/>
+                      <a:headEnd type="none" w="med" len="med"/>
+                      <a:tailEnd type="none" w="med" len="med"/>
+                    </a:lnL>
+                    <a:lnR w="12700" cap="flat" cmpd="sng" algn="ctr">
+                      <a:solidFill>
+                        <a:schemeClr val="tx1"/>
+                      </a:solidFill>
+                      <a:prstDash val="solid"/>
+                      <a:round/>
+                      <a:headEnd type="none" w="med" len="med"/>
+                      <a:tailEnd type="none" w="med" len="med"/>
+                    </a:lnR>
+                    <a:lnT w="12700" cap="flat" cmpd="sng" algn="ctr">
+                      <a:solidFill>
+                        <a:schemeClr val="tx1"/>
+                      </a:solidFill>
+                      <a:prstDash val="solid"/>
+                      <a:round/>
+                      <a:headEnd type="none" w="med" len="med"/>
+                      <a:tailEnd type="none" w="med" len="med"/>
+                    </a:lnT>
+                    <a:lnB w="12700" cap="flat" cmpd="sng" algn="ctr">
+                      <a:solidFill>
+                        <a:schemeClr val="tx1"/>
+                      </a:solidFill>
+                      <a:prstDash val="solid"/>
+                      <a:round/>
+                      <a:headEnd type="none" w="med" len="med"/>
+                      <a:tailEnd type="none" w="med" len="med"/>
+                    </a:lnB>
+                  </a:tcPr>
+                </a:tc>
+                <a:extLst>
+                  <a:ext uri="{0D108BD9-81ED-4DB2-BD59-A6C34878D82A}">
+                    <a16:rowId xmlns:a16="http://schemas.microsoft.com/office/drawing/2014/main" val="2527965742"/>
+                  </a:ext>
+                </a:extLst>
+              </a:tr>
+              <a:tr h="370840">
+                <a:tc>
+                  <a:txBody>
+                    <a:bodyPr/>
+                    <a:lstStyle/>
+                    <a:p>
+                      <a:pPr marL="0" marR="0" lvl="0" indent="0" algn="l" defTabSz="914400" rtl="0" eaLnBrk="1" fontAlgn="auto" latinLnBrk="0" hangingPunct="1">
+                        <a:lnSpc>
+                          <a:spcPct val="100000"/>
+                        </a:lnSpc>
+                        <a:spcBef>
+                          <a:spcPts val="0"/>
+                        </a:spcBef>
+                        <a:spcAft>
+                          <a:spcPts val="0"/>
+                        </a:spcAft>
+                        <a:buClrTx/>
+                        <a:buSzTx/>
+                        <a:buFontTx/>
+                        <a:buNone/>
+                        <a:tabLst/>
+                        <a:defRPr/>
+                      </a:pPr>
+                      <a:r>
+                        <a:rPr lang="en-GB" b="1" dirty="0" smtClean="0"/>
+                        <a:t>40°N</a:t>
+                      </a:r>
+                    </a:p>
+                  </a:txBody>
+                  <a:tcPr>
+                    <a:lnL w="12700" cap="flat" cmpd="sng" algn="ctr">
+                      <a:solidFill>
+                        <a:schemeClr val="tx1"/>
+                      </a:solidFill>
+                      <a:prstDash val="solid"/>
+                      <a:round/>
+                      <a:headEnd type="none" w="med" len="med"/>
+                      <a:tailEnd type="none" w="med" len="med"/>
+                    </a:lnL>
+                    <a:lnR w="12700" cap="flat" cmpd="sng" algn="ctr">
+                      <a:solidFill>
+                        <a:schemeClr val="tx1"/>
+                      </a:solidFill>
+                      <a:prstDash val="solid"/>
+                      <a:round/>
+                      <a:headEnd type="none" w="med" len="med"/>
+                      <a:tailEnd type="none" w="med" len="med"/>
+                    </a:lnR>
+                    <a:lnT w="12700" cap="flat" cmpd="sng" algn="ctr">
+                      <a:solidFill>
+                        <a:schemeClr val="tx1"/>
+                      </a:solidFill>
+                      <a:prstDash val="solid"/>
+                      <a:round/>
+                      <a:headEnd type="none" w="med" len="med"/>
+                      <a:tailEnd type="none" w="med" len="med"/>
+                    </a:lnT>
+                    <a:lnB w="12700" cap="flat" cmpd="sng" algn="ctr">
+                      <a:solidFill>
+                        <a:schemeClr val="tx1"/>
+                      </a:solidFill>
+                      <a:prstDash val="solid"/>
+                      <a:round/>
+                      <a:headEnd type="none" w="med" len="med"/>
+                      <a:tailEnd type="none" w="med" len="med"/>
+                    </a:lnB>
+                  </a:tcPr>
+                </a:tc>
+                <a:tc>
+                  <a:txBody>
+                    <a:bodyPr/>
+                    <a:lstStyle/>
+                    <a:p>
+                      <a:r>
+                        <a:rPr lang="en-GB" dirty="0" smtClean="0"/>
+                        <a:t>34</a:t>
+                      </a:r>
+                      <a:endParaRPr lang="en-GB" dirty="0"/>
+                    </a:p>
+                  </a:txBody>
+                  <a:tcPr>
+                    <a:lnL w="12700" cap="flat" cmpd="sng" algn="ctr">
+                      <a:solidFill>
+                        <a:schemeClr val="tx1"/>
+                      </a:solidFill>
+                      <a:prstDash val="solid"/>
+                      <a:round/>
+                      <a:headEnd type="none" w="med" len="med"/>
+                      <a:tailEnd type="none" w="med" len="med"/>
+                    </a:lnL>
+                    <a:lnR w="12700" cap="flat" cmpd="sng" algn="ctr">
+                      <a:solidFill>
+                        <a:schemeClr val="tx1"/>
+                      </a:solidFill>
+                      <a:prstDash val="solid"/>
+                      <a:round/>
+                      <a:headEnd type="none" w="med" len="med"/>
+                      <a:tailEnd type="none" w="med" len="med"/>
+                    </a:lnR>
+                    <a:lnT w="12700" cap="flat" cmpd="sng" algn="ctr">
+                      <a:solidFill>
+                        <a:schemeClr val="tx1"/>
+                      </a:solidFill>
+                      <a:prstDash val="solid"/>
+                      <a:round/>
+                      <a:headEnd type="none" w="med" len="med"/>
+                      <a:tailEnd type="none" w="med" len="med"/>
+                    </a:lnT>
+                    <a:lnB w="12700" cap="flat" cmpd="sng" algn="ctr">
+                      <a:solidFill>
+                        <a:schemeClr val="tx1"/>
+                      </a:solidFill>
+                      <a:prstDash val="solid"/>
+                      <a:round/>
+                      <a:headEnd type="none" w="med" len="med"/>
+                      <a:tailEnd type="none" w="med" len="med"/>
+                    </a:lnB>
+                  </a:tcPr>
+                </a:tc>
+                <a:tc>
+                  <a:txBody>
+                    <a:bodyPr/>
+                    <a:lstStyle/>
+                    <a:p>
+                      <a:r>
+                        <a:rPr lang="en-GB" dirty="0" smtClean="0"/>
+                        <a:t>21</a:t>
+                      </a:r>
+                      <a:endParaRPr lang="en-GB" dirty="0"/>
+                    </a:p>
+                  </a:txBody>
+                  <a:tcPr>
+                    <a:lnL w="12700" cap="flat" cmpd="sng" algn="ctr">
+                      <a:solidFill>
+                        <a:schemeClr val="tx1"/>
+                      </a:solidFill>
+                      <a:prstDash val="solid"/>
+                      <a:round/>
+                      <a:headEnd type="none" w="med" len="med"/>
+                      <a:tailEnd type="none" w="med" len="med"/>
+                    </a:lnL>
+                    <a:lnR w="12700" cap="flat" cmpd="sng" algn="ctr">
+                      <a:solidFill>
+                        <a:schemeClr val="tx1"/>
+                      </a:solidFill>
+                      <a:prstDash val="solid"/>
+                      <a:round/>
+                      <a:headEnd type="none" w="med" len="med"/>
+                      <a:tailEnd type="none" w="med" len="med"/>
+                    </a:lnR>
+                    <a:lnT w="12700" cap="flat" cmpd="sng" algn="ctr">
+                      <a:solidFill>
+                        <a:schemeClr val="tx1"/>
+                      </a:solidFill>
+                      <a:prstDash val="solid"/>
+                      <a:round/>
+                      <a:headEnd type="none" w="med" len="med"/>
+                      <a:tailEnd type="none" w="med" len="med"/>
+                    </a:lnT>
+                    <a:lnB w="12700" cap="flat" cmpd="sng" algn="ctr">
+                      <a:solidFill>
+                        <a:schemeClr val="tx1"/>
+                      </a:solidFill>
+                      <a:prstDash val="solid"/>
+                      <a:round/>
+                      <a:headEnd type="none" w="med" len="med"/>
+                      <a:tailEnd type="none" w="med" len="med"/>
+                    </a:lnB>
+                  </a:tcPr>
+                </a:tc>
+                <a:extLst>
+                  <a:ext uri="{0D108BD9-81ED-4DB2-BD59-A6C34878D82A}">
+                    <a16:rowId xmlns:a16="http://schemas.microsoft.com/office/drawing/2014/main" val="59019950"/>
+                  </a:ext>
+                </a:extLst>
+              </a:tr>
+            </a:tbl>
+          </a:graphicData>
+        </a:graphic>
+      </p:graphicFrame>
     </p:spTree>
   </p:cSld>
   <p:clrMapOvr>
@@ -5484,6 +6376,13 @@
   <p:clrMapOvr>
     <a:masterClrMapping/>
   </p:clrMapOvr>
+  <p:timing>
+    <p:tnLst>
+      <p:par>
+        <p:cTn id="1" dur="indefinite" restart="never" nodeType="tmRoot"/>
+      </p:par>
+    </p:tnLst>
+  </p:timing>
 </p:sld>
 </file>
 

--- a/python/presentations/learning_python/13_ceda-alias.pptx
+++ b/python/presentations/learning_python/13_ceda-alias.pptx
@@ -5,18 +5,25 @@
     <p:sldMasterId id="2147483660" r:id="rId1"/>
   </p:sldMasterIdLst>
   <p:notesMasterIdLst>
-    <p:notesMasterId r:id="rId8"/>
+    <p:notesMasterId r:id="rId15"/>
   </p:notesMasterIdLst>
   <p:handoutMasterIdLst>
-    <p:handoutMasterId r:id="rId9"/>
+    <p:handoutMasterId r:id="rId16"/>
   </p:handoutMasterIdLst>
   <p:sldIdLst>
     <p:sldId id="265" r:id="rId2"/>
     <p:sldId id="257" r:id="rId3"/>
-    <p:sldId id="262" r:id="rId4"/>
-    <p:sldId id="260" r:id="rId5"/>
-    <p:sldId id="263" r:id="rId6"/>
-    <p:sldId id="264" r:id="rId7"/>
+    <p:sldId id="266" r:id="rId4"/>
+    <p:sldId id="267" r:id="rId5"/>
+    <p:sldId id="268" r:id="rId6"/>
+    <p:sldId id="269" r:id="rId7"/>
+    <p:sldId id="270" r:id="rId8"/>
+    <p:sldId id="271" r:id="rId9"/>
+    <p:sldId id="262" r:id="rId10"/>
+    <p:sldId id="260" r:id="rId11"/>
+    <p:sldId id="263" r:id="rId12"/>
+    <p:sldId id="264" r:id="rId13"/>
+    <p:sldId id="272" r:id="rId14"/>
   </p:sldIdLst>
   <p:sldSz cx="9144000" cy="6858000" type="screen4x3"/>
   <p:notesSz cx="6858000" cy="9144000"/>
@@ -272,7 +279,7 @@
               <a:pPr>
                 <a:defRPr/>
               </a:pPr>
-              <a:t>19/11/2019</a:t>
+              <a:t>18/10/2021</a:t>
             </a:fld>
             <a:endParaRPr lang="en-GB"/>
           </a:p>
@@ -358,6 +365,11 @@
         </p:txBody>
       </p:sp>
     </p:spTree>
+    <p:extLst>
+      <p:ext uri="{BB962C8B-B14F-4D97-AF65-F5344CB8AC3E}">
+        <p14:creationId xmlns:p14="http://schemas.microsoft.com/office/powerpoint/2010/main" val="1"/>
+      </p:ext>
+    </p:extLst>
   </p:cSld>
   <p:clrMap bg1="lt1" tx1="dk1" bg2="lt2" tx2="dk2" accent1="accent1" accent2="accent2" accent3="accent3" accent4="accent4" accent5="accent5" accent6="accent6" hlink="hlink" folHlink="folHlink"/>
 </p:handoutMaster>
@@ -463,7 +475,7 @@
               <a:pPr>
                 <a:defRPr/>
               </a:pPr>
-              <a:t>19/11/2019</a:t>
+              <a:t>18/10/2021</a:t>
             </a:fld>
             <a:endParaRPr lang="en-GB"/>
           </a:p>
@@ -499,7 +511,7 @@
           <a:lstStyle/>
           <a:p>
             <a:pPr lvl="0"/>
-            <a:endParaRPr lang="en-GB" noProof="0" smtClean="0"/>
+            <a:endParaRPr lang="en-GB" noProof="0"/>
           </a:p>
         </p:txBody>
       </p:sp>
@@ -528,38 +540,38 @@
           <a:p>
             <a:pPr lvl="0"/>
             <a:r>
-              <a:rPr lang="en-US" noProof="0" smtClean="0"/>
+              <a:rPr lang="en-US" noProof="0"/>
               <a:t>Click to edit Master text styles</a:t>
             </a:r>
           </a:p>
           <a:p>
             <a:pPr lvl="1"/>
             <a:r>
-              <a:rPr lang="en-US" noProof="0" smtClean="0"/>
+              <a:rPr lang="en-US" noProof="0"/>
               <a:t>Second level</a:t>
             </a:r>
           </a:p>
           <a:p>
             <a:pPr lvl="2"/>
             <a:r>
-              <a:rPr lang="en-US" noProof="0" smtClean="0"/>
+              <a:rPr lang="en-US" noProof="0"/>
               <a:t>Third level</a:t>
             </a:r>
           </a:p>
           <a:p>
             <a:pPr lvl="3"/>
             <a:r>
-              <a:rPr lang="en-US" noProof="0" smtClean="0"/>
+              <a:rPr lang="en-US" noProof="0"/>
               <a:t>Fourth level</a:t>
             </a:r>
           </a:p>
           <a:p>
             <a:pPr lvl="4"/>
             <a:r>
-              <a:rPr lang="en-US" noProof="0" smtClean="0"/>
+              <a:rPr lang="en-US" noProof="0"/>
               <a:t>Fifth level</a:t>
             </a:r>
-            <a:endParaRPr lang="en-GB" noProof="0" smtClean="0"/>
+            <a:endParaRPr lang="en-GB" noProof="0"/>
           </a:p>
         </p:txBody>
       </p:sp>
@@ -866,10 +878,10 @@
           <a:lstStyle/>
           <a:p>
             <a:r>
-              <a:rPr lang="en-US" altLang="en-US" smtClean="0"/>
+              <a:rPr lang="en-US" altLang="en-US"/>
               <a:t>(This slide is self explanatory).</a:t>
             </a:r>
-            <a:endParaRPr lang="en-GB" altLang="en-US" smtClean="0"/>
+            <a:endParaRPr lang="en-GB" altLang="en-US"/>
           </a:p>
         </p:txBody>
       </p:sp>
@@ -1037,7 +1049,7 @@
               </a:pPr>
               <a:t>2</a:t>
             </a:fld>
-            <a:endParaRPr lang="en-GB" altLang="en-US" smtClean="0">
+            <a:endParaRPr lang="en-GB" altLang="en-US">
               <a:latin typeface="Arial" panose="020B0604020202020204" pitchFamily="34" charset="0"/>
             </a:endParaRPr>
           </a:p>
@@ -1052,6 +1064,1704 @@
 </file>
 
 <file path=ppt/notesSlides/notesSlide2.xml><?xml version="1.0" encoding="utf-8"?>
+<p:notes xmlns:a="http://schemas.openxmlformats.org/drawingml/2006/main" xmlns:r="http://schemas.openxmlformats.org/officeDocument/2006/relationships" xmlns:p="http://schemas.openxmlformats.org/presentationml/2006/main">
+  <p:cSld>
+    <p:spTree>
+      <p:nvGrpSpPr>
+        <p:cNvPr id="1" name=""/>
+        <p:cNvGrpSpPr/>
+        <p:nvPr/>
+      </p:nvGrpSpPr>
+      <p:grpSpPr>
+        <a:xfrm>
+          <a:off x="0" y="0"/>
+          <a:ext cx="0" cy="0"/>
+          <a:chOff x="0" y="0"/>
+          <a:chExt cx="0" cy="0"/>
+        </a:xfrm>
+      </p:grpSpPr>
+      <p:sp>
+        <p:nvSpPr>
+          <p:cNvPr id="13314" name="Slide Image Placeholder 1"/>
+          <p:cNvSpPr>
+            <a:spLocks noGrp="1" noRot="1" noChangeAspect="1" noTextEdit="1"/>
+          </p:cNvSpPr>
+          <p:nvPr>
+            <p:ph type="sldImg"/>
+          </p:nvPr>
+        </p:nvSpPr>
+        <p:spPr bwMode="auto">
+          <a:xfrm>
+            <a:off x="1141413" y="685800"/>
+            <a:ext cx="4568825" cy="3427413"/>
+          </a:xfrm>
+          <a:noFill/>
+          <a:ln>
+            <a:solidFill>
+              <a:srgbClr val="000000"/>
+            </a:solidFill>
+            <a:miter lim="800000"/>
+            <a:headEnd/>
+            <a:tailEnd/>
+          </a:ln>
+          <a:extLst>
+            <a:ext uri="{909E8E84-426E-40DD-AFC4-6F175D3DCCD1}">
+              <a14:hiddenFill xmlns:a14="http://schemas.microsoft.com/office/drawing/2010/main">
+                <a:solidFill>
+                  <a:srgbClr val="FFFFFF"/>
+                </a:solidFill>
+              </a14:hiddenFill>
+            </a:ext>
+          </a:extLst>
+        </p:spPr>
+      </p:sp>
+      <p:sp>
+        <p:nvSpPr>
+          <p:cNvPr id="13315" name="Notes Placeholder 2"/>
+          <p:cNvSpPr>
+            <a:spLocks noGrp="1"/>
+          </p:cNvSpPr>
+          <p:nvPr>
+            <p:ph type="body" idx="1"/>
+          </p:nvPr>
+        </p:nvSpPr>
+        <p:spPr bwMode="auto">
+          <a:noFill/>
+          <a:extLst>
+            <a:ext uri="{909E8E84-426E-40DD-AFC4-6F175D3DCCD1}">
+              <a14:hiddenFill xmlns:a14="http://schemas.microsoft.com/office/drawing/2010/main">
+                <a:solidFill>
+                  <a:srgbClr val="FFFFFF"/>
+                </a:solidFill>
+              </a14:hiddenFill>
+            </a:ext>
+            <a:ext uri="{91240B29-F687-4F45-9708-019B960494DF}">
+              <a14:hiddenLine xmlns:a14="http://schemas.microsoft.com/office/drawing/2010/main" w="9525">
+                <a:solidFill>
+                  <a:srgbClr val="000000"/>
+                </a:solidFill>
+                <a:miter lim="800000"/>
+                <a:headEnd/>
+                <a:tailEnd/>
+              </a14:hiddenLine>
+            </a:ext>
+          </a:extLst>
+        </p:spPr>
+        <p:txBody>
+          <a:bodyPr wrap="square" numCol="1" anchor="t" anchorCtr="0" compatLnSpc="1">
+            <a:prstTxWarp prst="textNoShape">
+              <a:avLst/>
+            </a:prstTxWarp>
+          </a:bodyPr>
+          <a:lstStyle/>
+          <a:p>
+            <a:r>
+              <a:rPr lang="en-US" altLang="en-US"/>
+              <a:t>(This slide is self explanatory).</a:t>
+            </a:r>
+            <a:endParaRPr lang="en-GB" altLang="en-US"/>
+          </a:p>
+        </p:txBody>
+      </p:sp>
+      <p:sp>
+        <p:nvSpPr>
+          <p:cNvPr id="13316" name="Slide Number Placeholder 3"/>
+          <p:cNvSpPr>
+            <a:spLocks noGrp="1"/>
+          </p:cNvSpPr>
+          <p:nvPr>
+            <p:ph type="sldNum" sz="quarter" idx="5"/>
+          </p:nvPr>
+        </p:nvSpPr>
+        <p:spPr bwMode="auto">
+          <a:noFill/>
+          <a:extLst>
+            <a:ext uri="{909E8E84-426E-40DD-AFC4-6F175D3DCCD1}">
+              <a14:hiddenFill xmlns:a14="http://schemas.microsoft.com/office/drawing/2010/main">
+                <a:solidFill>
+                  <a:srgbClr val="FFFFFF"/>
+                </a:solidFill>
+              </a14:hiddenFill>
+            </a:ext>
+            <a:ext uri="{91240B29-F687-4F45-9708-019B960494DF}">
+              <a14:hiddenLine xmlns:a14="http://schemas.microsoft.com/office/drawing/2010/main" w="9525">
+                <a:solidFill>
+                  <a:srgbClr val="000000"/>
+                </a:solidFill>
+                <a:miter lim="800000"/>
+                <a:headEnd/>
+                <a:tailEnd/>
+              </a14:hiddenLine>
+            </a:ext>
+          </a:extLst>
+        </p:spPr>
+        <p:txBody>
+          <a:bodyPr/>
+          <a:lstStyle>
+            <a:lvl1pPr>
+              <a:spcBef>
+                <a:spcPct val="30000"/>
+              </a:spcBef>
+              <a:defRPr sz="1200">
+                <a:solidFill>
+                  <a:schemeClr val="tx1"/>
+                </a:solidFill>
+                <a:latin typeface="Calibri" panose="020F0502020204030204" pitchFamily="34" charset="0"/>
+              </a:defRPr>
+            </a:lvl1pPr>
+            <a:lvl2pPr marL="742950" indent="-285750">
+              <a:spcBef>
+                <a:spcPct val="30000"/>
+              </a:spcBef>
+              <a:defRPr sz="1200">
+                <a:solidFill>
+                  <a:schemeClr val="tx1"/>
+                </a:solidFill>
+                <a:latin typeface="Calibri" panose="020F0502020204030204" pitchFamily="34" charset="0"/>
+              </a:defRPr>
+            </a:lvl2pPr>
+            <a:lvl3pPr marL="1143000" indent="-228600">
+              <a:spcBef>
+                <a:spcPct val="30000"/>
+              </a:spcBef>
+              <a:defRPr sz="1200">
+                <a:solidFill>
+                  <a:schemeClr val="tx1"/>
+                </a:solidFill>
+                <a:latin typeface="Calibri" panose="020F0502020204030204" pitchFamily="34" charset="0"/>
+              </a:defRPr>
+            </a:lvl3pPr>
+            <a:lvl4pPr marL="1600200" indent="-228600">
+              <a:spcBef>
+                <a:spcPct val="30000"/>
+              </a:spcBef>
+              <a:defRPr sz="1200">
+                <a:solidFill>
+                  <a:schemeClr val="tx1"/>
+                </a:solidFill>
+                <a:latin typeface="Calibri" panose="020F0502020204030204" pitchFamily="34" charset="0"/>
+              </a:defRPr>
+            </a:lvl4pPr>
+            <a:lvl5pPr marL="2057400" indent="-228600">
+              <a:spcBef>
+                <a:spcPct val="30000"/>
+              </a:spcBef>
+              <a:defRPr sz="1200">
+                <a:solidFill>
+                  <a:schemeClr val="tx1"/>
+                </a:solidFill>
+                <a:latin typeface="Calibri" panose="020F0502020204030204" pitchFamily="34" charset="0"/>
+              </a:defRPr>
+            </a:lvl5pPr>
+            <a:lvl6pPr marL="2514600" indent="-228600" eaLnBrk="0" fontAlgn="base" hangingPunct="0">
+              <a:spcBef>
+                <a:spcPct val="30000"/>
+              </a:spcBef>
+              <a:spcAft>
+                <a:spcPct val="0"/>
+              </a:spcAft>
+              <a:defRPr sz="1200">
+                <a:solidFill>
+                  <a:schemeClr val="tx1"/>
+                </a:solidFill>
+                <a:latin typeface="Calibri" panose="020F0502020204030204" pitchFamily="34" charset="0"/>
+              </a:defRPr>
+            </a:lvl6pPr>
+            <a:lvl7pPr marL="2971800" indent="-228600" eaLnBrk="0" fontAlgn="base" hangingPunct="0">
+              <a:spcBef>
+                <a:spcPct val="30000"/>
+              </a:spcBef>
+              <a:spcAft>
+                <a:spcPct val="0"/>
+              </a:spcAft>
+              <a:defRPr sz="1200">
+                <a:solidFill>
+                  <a:schemeClr val="tx1"/>
+                </a:solidFill>
+                <a:latin typeface="Calibri" panose="020F0502020204030204" pitchFamily="34" charset="0"/>
+              </a:defRPr>
+            </a:lvl7pPr>
+            <a:lvl8pPr marL="3429000" indent="-228600" eaLnBrk="0" fontAlgn="base" hangingPunct="0">
+              <a:spcBef>
+                <a:spcPct val="30000"/>
+              </a:spcBef>
+              <a:spcAft>
+                <a:spcPct val="0"/>
+              </a:spcAft>
+              <a:defRPr sz="1200">
+                <a:solidFill>
+                  <a:schemeClr val="tx1"/>
+                </a:solidFill>
+                <a:latin typeface="Calibri" panose="020F0502020204030204" pitchFamily="34" charset="0"/>
+              </a:defRPr>
+            </a:lvl8pPr>
+            <a:lvl9pPr marL="3886200" indent="-228600" eaLnBrk="0" fontAlgn="base" hangingPunct="0">
+              <a:spcBef>
+                <a:spcPct val="30000"/>
+              </a:spcBef>
+              <a:spcAft>
+                <a:spcPct val="0"/>
+              </a:spcAft>
+              <a:defRPr sz="1200">
+                <a:solidFill>
+                  <a:schemeClr val="tx1"/>
+                </a:solidFill>
+                <a:latin typeface="Calibri" panose="020F0502020204030204" pitchFamily="34" charset="0"/>
+              </a:defRPr>
+            </a:lvl9pPr>
+          </a:lstStyle>
+          <a:p>
+            <a:pPr>
+              <a:spcBef>
+                <a:spcPct val="0"/>
+              </a:spcBef>
+            </a:pPr>
+            <a:fld id="{6D8A1CA6-8154-412D-8CD6-40E2FDC9497D}" type="slidenum">
+              <a:rPr lang="en-GB" altLang="en-US" smtClean="0">
+                <a:latin typeface="Arial" panose="020B0604020202020204" pitchFamily="34" charset="0"/>
+              </a:rPr>
+              <a:pPr>
+                <a:spcBef>
+                  <a:spcPct val="0"/>
+                </a:spcBef>
+              </a:pPr>
+              <a:t>3</a:t>
+            </a:fld>
+            <a:endParaRPr lang="en-GB" altLang="en-US">
+              <a:latin typeface="Arial" panose="020B0604020202020204" pitchFamily="34" charset="0"/>
+            </a:endParaRPr>
+          </a:p>
+        </p:txBody>
+      </p:sp>
+    </p:spTree>
+    <p:extLst>
+      <p:ext uri="{BB962C8B-B14F-4D97-AF65-F5344CB8AC3E}">
+        <p14:creationId xmlns:p14="http://schemas.microsoft.com/office/powerpoint/2010/main" val="3878506742"/>
+      </p:ext>
+    </p:extLst>
+  </p:cSld>
+  <p:clrMapOvr>
+    <a:masterClrMapping/>
+  </p:clrMapOvr>
+</p:notes>
+</file>
+
+<file path=ppt/notesSlides/notesSlide3.xml><?xml version="1.0" encoding="utf-8"?>
+<p:notes xmlns:a="http://schemas.openxmlformats.org/drawingml/2006/main" xmlns:r="http://schemas.openxmlformats.org/officeDocument/2006/relationships" xmlns:p="http://schemas.openxmlformats.org/presentationml/2006/main">
+  <p:cSld>
+    <p:spTree>
+      <p:nvGrpSpPr>
+        <p:cNvPr id="1" name=""/>
+        <p:cNvGrpSpPr/>
+        <p:nvPr/>
+      </p:nvGrpSpPr>
+      <p:grpSpPr>
+        <a:xfrm>
+          <a:off x="0" y="0"/>
+          <a:ext cx="0" cy="0"/>
+          <a:chOff x="0" y="0"/>
+          <a:chExt cx="0" cy="0"/>
+        </a:xfrm>
+      </p:grpSpPr>
+      <p:sp>
+        <p:nvSpPr>
+          <p:cNvPr id="13314" name="Slide Image Placeholder 1"/>
+          <p:cNvSpPr>
+            <a:spLocks noGrp="1" noRot="1" noChangeAspect="1" noTextEdit="1"/>
+          </p:cNvSpPr>
+          <p:nvPr>
+            <p:ph type="sldImg"/>
+          </p:nvPr>
+        </p:nvSpPr>
+        <p:spPr bwMode="auto">
+          <a:xfrm>
+            <a:off x="1141413" y="685800"/>
+            <a:ext cx="4568825" cy="3427413"/>
+          </a:xfrm>
+          <a:noFill/>
+          <a:ln>
+            <a:solidFill>
+              <a:srgbClr val="000000"/>
+            </a:solidFill>
+            <a:miter lim="800000"/>
+            <a:headEnd/>
+            <a:tailEnd/>
+          </a:ln>
+          <a:extLst>
+            <a:ext uri="{909E8E84-426E-40DD-AFC4-6F175D3DCCD1}">
+              <a14:hiddenFill xmlns:a14="http://schemas.microsoft.com/office/drawing/2010/main">
+                <a:solidFill>
+                  <a:srgbClr val="FFFFFF"/>
+                </a:solidFill>
+              </a14:hiddenFill>
+            </a:ext>
+          </a:extLst>
+        </p:spPr>
+      </p:sp>
+      <p:sp>
+        <p:nvSpPr>
+          <p:cNvPr id="13315" name="Notes Placeholder 2"/>
+          <p:cNvSpPr>
+            <a:spLocks noGrp="1"/>
+          </p:cNvSpPr>
+          <p:nvPr>
+            <p:ph type="body" idx="1"/>
+          </p:nvPr>
+        </p:nvSpPr>
+        <p:spPr bwMode="auto">
+          <a:noFill/>
+          <a:extLst>
+            <a:ext uri="{909E8E84-426E-40DD-AFC4-6F175D3DCCD1}">
+              <a14:hiddenFill xmlns:a14="http://schemas.microsoft.com/office/drawing/2010/main">
+                <a:solidFill>
+                  <a:srgbClr val="FFFFFF"/>
+                </a:solidFill>
+              </a14:hiddenFill>
+            </a:ext>
+            <a:ext uri="{91240B29-F687-4F45-9708-019B960494DF}">
+              <a14:hiddenLine xmlns:a14="http://schemas.microsoft.com/office/drawing/2010/main" w="9525">
+                <a:solidFill>
+                  <a:srgbClr val="000000"/>
+                </a:solidFill>
+                <a:miter lim="800000"/>
+                <a:headEnd/>
+                <a:tailEnd/>
+              </a14:hiddenLine>
+            </a:ext>
+          </a:extLst>
+        </p:spPr>
+        <p:txBody>
+          <a:bodyPr wrap="square" numCol="1" anchor="t" anchorCtr="0" compatLnSpc="1">
+            <a:prstTxWarp prst="textNoShape">
+              <a:avLst/>
+            </a:prstTxWarp>
+          </a:bodyPr>
+          <a:lstStyle/>
+          <a:p>
+            <a:r>
+              <a:rPr lang="en-US" altLang="en-US"/>
+              <a:t>(This slide is self explanatory).</a:t>
+            </a:r>
+            <a:endParaRPr lang="en-GB" altLang="en-US"/>
+          </a:p>
+        </p:txBody>
+      </p:sp>
+      <p:sp>
+        <p:nvSpPr>
+          <p:cNvPr id="13316" name="Slide Number Placeholder 3"/>
+          <p:cNvSpPr>
+            <a:spLocks noGrp="1"/>
+          </p:cNvSpPr>
+          <p:nvPr>
+            <p:ph type="sldNum" sz="quarter" idx="5"/>
+          </p:nvPr>
+        </p:nvSpPr>
+        <p:spPr bwMode="auto">
+          <a:noFill/>
+          <a:extLst>
+            <a:ext uri="{909E8E84-426E-40DD-AFC4-6F175D3DCCD1}">
+              <a14:hiddenFill xmlns:a14="http://schemas.microsoft.com/office/drawing/2010/main">
+                <a:solidFill>
+                  <a:srgbClr val="FFFFFF"/>
+                </a:solidFill>
+              </a14:hiddenFill>
+            </a:ext>
+            <a:ext uri="{91240B29-F687-4F45-9708-019B960494DF}">
+              <a14:hiddenLine xmlns:a14="http://schemas.microsoft.com/office/drawing/2010/main" w="9525">
+                <a:solidFill>
+                  <a:srgbClr val="000000"/>
+                </a:solidFill>
+                <a:miter lim="800000"/>
+                <a:headEnd/>
+                <a:tailEnd/>
+              </a14:hiddenLine>
+            </a:ext>
+          </a:extLst>
+        </p:spPr>
+        <p:txBody>
+          <a:bodyPr/>
+          <a:lstStyle>
+            <a:lvl1pPr>
+              <a:spcBef>
+                <a:spcPct val="30000"/>
+              </a:spcBef>
+              <a:defRPr sz="1200">
+                <a:solidFill>
+                  <a:schemeClr val="tx1"/>
+                </a:solidFill>
+                <a:latin typeface="Calibri" panose="020F0502020204030204" pitchFamily="34" charset="0"/>
+              </a:defRPr>
+            </a:lvl1pPr>
+            <a:lvl2pPr marL="742950" indent="-285750">
+              <a:spcBef>
+                <a:spcPct val="30000"/>
+              </a:spcBef>
+              <a:defRPr sz="1200">
+                <a:solidFill>
+                  <a:schemeClr val="tx1"/>
+                </a:solidFill>
+                <a:latin typeface="Calibri" panose="020F0502020204030204" pitchFamily="34" charset="0"/>
+              </a:defRPr>
+            </a:lvl2pPr>
+            <a:lvl3pPr marL="1143000" indent="-228600">
+              <a:spcBef>
+                <a:spcPct val="30000"/>
+              </a:spcBef>
+              <a:defRPr sz="1200">
+                <a:solidFill>
+                  <a:schemeClr val="tx1"/>
+                </a:solidFill>
+                <a:latin typeface="Calibri" panose="020F0502020204030204" pitchFamily="34" charset="0"/>
+              </a:defRPr>
+            </a:lvl3pPr>
+            <a:lvl4pPr marL="1600200" indent="-228600">
+              <a:spcBef>
+                <a:spcPct val="30000"/>
+              </a:spcBef>
+              <a:defRPr sz="1200">
+                <a:solidFill>
+                  <a:schemeClr val="tx1"/>
+                </a:solidFill>
+                <a:latin typeface="Calibri" panose="020F0502020204030204" pitchFamily="34" charset="0"/>
+              </a:defRPr>
+            </a:lvl4pPr>
+            <a:lvl5pPr marL="2057400" indent="-228600">
+              <a:spcBef>
+                <a:spcPct val="30000"/>
+              </a:spcBef>
+              <a:defRPr sz="1200">
+                <a:solidFill>
+                  <a:schemeClr val="tx1"/>
+                </a:solidFill>
+                <a:latin typeface="Calibri" panose="020F0502020204030204" pitchFamily="34" charset="0"/>
+              </a:defRPr>
+            </a:lvl5pPr>
+            <a:lvl6pPr marL="2514600" indent="-228600" eaLnBrk="0" fontAlgn="base" hangingPunct="0">
+              <a:spcBef>
+                <a:spcPct val="30000"/>
+              </a:spcBef>
+              <a:spcAft>
+                <a:spcPct val="0"/>
+              </a:spcAft>
+              <a:defRPr sz="1200">
+                <a:solidFill>
+                  <a:schemeClr val="tx1"/>
+                </a:solidFill>
+                <a:latin typeface="Calibri" panose="020F0502020204030204" pitchFamily="34" charset="0"/>
+              </a:defRPr>
+            </a:lvl6pPr>
+            <a:lvl7pPr marL="2971800" indent="-228600" eaLnBrk="0" fontAlgn="base" hangingPunct="0">
+              <a:spcBef>
+                <a:spcPct val="30000"/>
+              </a:spcBef>
+              <a:spcAft>
+                <a:spcPct val="0"/>
+              </a:spcAft>
+              <a:defRPr sz="1200">
+                <a:solidFill>
+                  <a:schemeClr val="tx1"/>
+                </a:solidFill>
+                <a:latin typeface="Calibri" panose="020F0502020204030204" pitchFamily="34" charset="0"/>
+              </a:defRPr>
+            </a:lvl7pPr>
+            <a:lvl8pPr marL="3429000" indent="-228600" eaLnBrk="0" fontAlgn="base" hangingPunct="0">
+              <a:spcBef>
+                <a:spcPct val="30000"/>
+              </a:spcBef>
+              <a:spcAft>
+                <a:spcPct val="0"/>
+              </a:spcAft>
+              <a:defRPr sz="1200">
+                <a:solidFill>
+                  <a:schemeClr val="tx1"/>
+                </a:solidFill>
+                <a:latin typeface="Calibri" panose="020F0502020204030204" pitchFamily="34" charset="0"/>
+              </a:defRPr>
+            </a:lvl8pPr>
+            <a:lvl9pPr marL="3886200" indent="-228600" eaLnBrk="0" fontAlgn="base" hangingPunct="0">
+              <a:spcBef>
+                <a:spcPct val="30000"/>
+              </a:spcBef>
+              <a:spcAft>
+                <a:spcPct val="0"/>
+              </a:spcAft>
+              <a:defRPr sz="1200">
+                <a:solidFill>
+                  <a:schemeClr val="tx1"/>
+                </a:solidFill>
+                <a:latin typeface="Calibri" panose="020F0502020204030204" pitchFamily="34" charset="0"/>
+              </a:defRPr>
+            </a:lvl9pPr>
+          </a:lstStyle>
+          <a:p>
+            <a:pPr>
+              <a:spcBef>
+                <a:spcPct val="0"/>
+              </a:spcBef>
+            </a:pPr>
+            <a:fld id="{6D8A1CA6-8154-412D-8CD6-40E2FDC9497D}" type="slidenum">
+              <a:rPr lang="en-GB" altLang="en-US" smtClean="0">
+                <a:latin typeface="Arial" panose="020B0604020202020204" pitchFamily="34" charset="0"/>
+              </a:rPr>
+              <a:pPr>
+                <a:spcBef>
+                  <a:spcPct val="0"/>
+                </a:spcBef>
+              </a:pPr>
+              <a:t>4</a:t>
+            </a:fld>
+            <a:endParaRPr lang="en-GB" altLang="en-US">
+              <a:latin typeface="Arial" panose="020B0604020202020204" pitchFamily="34" charset="0"/>
+            </a:endParaRPr>
+          </a:p>
+        </p:txBody>
+      </p:sp>
+    </p:spTree>
+    <p:extLst>
+      <p:ext uri="{BB962C8B-B14F-4D97-AF65-F5344CB8AC3E}">
+        <p14:creationId xmlns:p14="http://schemas.microsoft.com/office/powerpoint/2010/main" val="2486328038"/>
+      </p:ext>
+    </p:extLst>
+  </p:cSld>
+  <p:clrMapOvr>
+    <a:masterClrMapping/>
+  </p:clrMapOvr>
+</p:notes>
+</file>
+
+<file path=ppt/notesSlides/notesSlide4.xml><?xml version="1.0" encoding="utf-8"?>
+<p:notes xmlns:a="http://schemas.openxmlformats.org/drawingml/2006/main" xmlns:r="http://schemas.openxmlformats.org/officeDocument/2006/relationships" xmlns:p="http://schemas.openxmlformats.org/presentationml/2006/main">
+  <p:cSld>
+    <p:spTree>
+      <p:nvGrpSpPr>
+        <p:cNvPr id="1" name=""/>
+        <p:cNvGrpSpPr/>
+        <p:nvPr/>
+      </p:nvGrpSpPr>
+      <p:grpSpPr>
+        <a:xfrm>
+          <a:off x="0" y="0"/>
+          <a:ext cx="0" cy="0"/>
+          <a:chOff x="0" y="0"/>
+          <a:chExt cx="0" cy="0"/>
+        </a:xfrm>
+      </p:grpSpPr>
+      <p:sp>
+        <p:nvSpPr>
+          <p:cNvPr id="13314" name="Slide Image Placeholder 1"/>
+          <p:cNvSpPr>
+            <a:spLocks noGrp="1" noRot="1" noChangeAspect="1" noTextEdit="1"/>
+          </p:cNvSpPr>
+          <p:nvPr>
+            <p:ph type="sldImg"/>
+          </p:nvPr>
+        </p:nvSpPr>
+        <p:spPr bwMode="auto">
+          <a:xfrm>
+            <a:off x="1141413" y="685800"/>
+            <a:ext cx="4568825" cy="3427413"/>
+          </a:xfrm>
+          <a:noFill/>
+          <a:ln>
+            <a:solidFill>
+              <a:srgbClr val="000000"/>
+            </a:solidFill>
+            <a:miter lim="800000"/>
+            <a:headEnd/>
+            <a:tailEnd/>
+          </a:ln>
+          <a:extLst>
+            <a:ext uri="{909E8E84-426E-40DD-AFC4-6F175D3DCCD1}">
+              <a14:hiddenFill xmlns:a14="http://schemas.microsoft.com/office/drawing/2010/main">
+                <a:solidFill>
+                  <a:srgbClr val="FFFFFF"/>
+                </a:solidFill>
+              </a14:hiddenFill>
+            </a:ext>
+          </a:extLst>
+        </p:spPr>
+      </p:sp>
+      <p:sp>
+        <p:nvSpPr>
+          <p:cNvPr id="13315" name="Notes Placeholder 2"/>
+          <p:cNvSpPr>
+            <a:spLocks noGrp="1"/>
+          </p:cNvSpPr>
+          <p:nvPr>
+            <p:ph type="body" idx="1"/>
+          </p:nvPr>
+        </p:nvSpPr>
+        <p:spPr bwMode="auto">
+          <a:noFill/>
+          <a:extLst>
+            <a:ext uri="{909E8E84-426E-40DD-AFC4-6F175D3DCCD1}">
+              <a14:hiddenFill xmlns:a14="http://schemas.microsoft.com/office/drawing/2010/main">
+                <a:solidFill>
+                  <a:srgbClr val="FFFFFF"/>
+                </a:solidFill>
+              </a14:hiddenFill>
+            </a:ext>
+            <a:ext uri="{91240B29-F687-4F45-9708-019B960494DF}">
+              <a14:hiddenLine xmlns:a14="http://schemas.microsoft.com/office/drawing/2010/main" w="9525">
+                <a:solidFill>
+                  <a:srgbClr val="000000"/>
+                </a:solidFill>
+                <a:miter lim="800000"/>
+                <a:headEnd/>
+                <a:tailEnd/>
+              </a14:hiddenLine>
+            </a:ext>
+          </a:extLst>
+        </p:spPr>
+        <p:txBody>
+          <a:bodyPr wrap="square" numCol="1" anchor="t" anchorCtr="0" compatLnSpc="1">
+            <a:prstTxWarp prst="textNoShape">
+              <a:avLst/>
+            </a:prstTxWarp>
+          </a:bodyPr>
+          <a:lstStyle/>
+          <a:p>
+            <a:r>
+              <a:rPr lang="en-US" altLang="en-US"/>
+              <a:t>(This slide is self explanatory).</a:t>
+            </a:r>
+            <a:endParaRPr lang="en-GB" altLang="en-US"/>
+          </a:p>
+        </p:txBody>
+      </p:sp>
+      <p:sp>
+        <p:nvSpPr>
+          <p:cNvPr id="13316" name="Slide Number Placeholder 3"/>
+          <p:cNvSpPr>
+            <a:spLocks noGrp="1"/>
+          </p:cNvSpPr>
+          <p:nvPr>
+            <p:ph type="sldNum" sz="quarter" idx="5"/>
+          </p:nvPr>
+        </p:nvSpPr>
+        <p:spPr bwMode="auto">
+          <a:noFill/>
+          <a:extLst>
+            <a:ext uri="{909E8E84-426E-40DD-AFC4-6F175D3DCCD1}">
+              <a14:hiddenFill xmlns:a14="http://schemas.microsoft.com/office/drawing/2010/main">
+                <a:solidFill>
+                  <a:srgbClr val="FFFFFF"/>
+                </a:solidFill>
+              </a14:hiddenFill>
+            </a:ext>
+            <a:ext uri="{91240B29-F687-4F45-9708-019B960494DF}">
+              <a14:hiddenLine xmlns:a14="http://schemas.microsoft.com/office/drawing/2010/main" w="9525">
+                <a:solidFill>
+                  <a:srgbClr val="000000"/>
+                </a:solidFill>
+                <a:miter lim="800000"/>
+                <a:headEnd/>
+                <a:tailEnd/>
+              </a14:hiddenLine>
+            </a:ext>
+          </a:extLst>
+        </p:spPr>
+        <p:txBody>
+          <a:bodyPr/>
+          <a:lstStyle>
+            <a:lvl1pPr>
+              <a:spcBef>
+                <a:spcPct val="30000"/>
+              </a:spcBef>
+              <a:defRPr sz="1200">
+                <a:solidFill>
+                  <a:schemeClr val="tx1"/>
+                </a:solidFill>
+                <a:latin typeface="Calibri" panose="020F0502020204030204" pitchFamily="34" charset="0"/>
+              </a:defRPr>
+            </a:lvl1pPr>
+            <a:lvl2pPr marL="742950" indent="-285750">
+              <a:spcBef>
+                <a:spcPct val="30000"/>
+              </a:spcBef>
+              <a:defRPr sz="1200">
+                <a:solidFill>
+                  <a:schemeClr val="tx1"/>
+                </a:solidFill>
+                <a:latin typeface="Calibri" panose="020F0502020204030204" pitchFamily="34" charset="0"/>
+              </a:defRPr>
+            </a:lvl2pPr>
+            <a:lvl3pPr marL="1143000" indent="-228600">
+              <a:spcBef>
+                <a:spcPct val="30000"/>
+              </a:spcBef>
+              <a:defRPr sz="1200">
+                <a:solidFill>
+                  <a:schemeClr val="tx1"/>
+                </a:solidFill>
+                <a:latin typeface="Calibri" panose="020F0502020204030204" pitchFamily="34" charset="0"/>
+              </a:defRPr>
+            </a:lvl3pPr>
+            <a:lvl4pPr marL="1600200" indent="-228600">
+              <a:spcBef>
+                <a:spcPct val="30000"/>
+              </a:spcBef>
+              <a:defRPr sz="1200">
+                <a:solidFill>
+                  <a:schemeClr val="tx1"/>
+                </a:solidFill>
+                <a:latin typeface="Calibri" panose="020F0502020204030204" pitchFamily="34" charset="0"/>
+              </a:defRPr>
+            </a:lvl4pPr>
+            <a:lvl5pPr marL="2057400" indent="-228600">
+              <a:spcBef>
+                <a:spcPct val="30000"/>
+              </a:spcBef>
+              <a:defRPr sz="1200">
+                <a:solidFill>
+                  <a:schemeClr val="tx1"/>
+                </a:solidFill>
+                <a:latin typeface="Calibri" panose="020F0502020204030204" pitchFamily="34" charset="0"/>
+              </a:defRPr>
+            </a:lvl5pPr>
+            <a:lvl6pPr marL="2514600" indent="-228600" eaLnBrk="0" fontAlgn="base" hangingPunct="0">
+              <a:spcBef>
+                <a:spcPct val="30000"/>
+              </a:spcBef>
+              <a:spcAft>
+                <a:spcPct val="0"/>
+              </a:spcAft>
+              <a:defRPr sz="1200">
+                <a:solidFill>
+                  <a:schemeClr val="tx1"/>
+                </a:solidFill>
+                <a:latin typeface="Calibri" panose="020F0502020204030204" pitchFamily="34" charset="0"/>
+              </a:defRPr>
+            </a:lvl6pPr>
+            <a:lvl7pPr marL="2971800" indent="-228600" eaLnBrk="0" fontAlgn="base" hangingPunct="0">
+              <a:spcBef>
+                <a:spcPct val="30000"/>
+              </a:spcBef>
+              <a:spcAft>
+                <a:spcPct val="0"/>
+              </a:spcAft>
+              <a:defRPr sz="1200">
+                <a:solidFill>
+                  <a:schemeClr val="tx1"/>
+                </a:solidFill>
+                <a:latin typeface="Calibri" panose="020F0502020204030204" pitchFamily="34" charset="0"/>
+              </a:defRPr>
+            </a:lvl7pPr>
+            <a:lvl8pPr marL="3429000" indent="-228600" eaLnBrk="0" fontAlgn="base" hangingPunct="0">
+              <a:spcBef>
+                <a:spcPct val="30000"/>
+              </a:spcBef>
+              <a:spcAft>
+                <a:spcPct val="0"/>
+              </a:spcAft>
+              <a:defRPr sz="1200">
+                <a:solidFill>
+                  <a:schemeClr val="tx1"/>
+                </a:solidFill>
+                <a:latin typeface="Calibri" panose="020F0502020204030204" pitchFamily="34" charset="0"/>
+              </a:defRPr>
+            </a:lvl8pPr>
+            <a:lvl9pPr marL="3886200" indent="-228600" eaLnBrk="0" fontAlgn="base" hangingPunct="0">
+              <a:spcBef>
+                <a:spcPct val="30000"/>
+              </a:spcBef>
+              <a:spcAft>
+                <a:spcPct val="0"/>
+              </a:spcAft>
+              <a:defRPr sz="1200">
+                <a:solidFill>
+                  <a:schemeClr val="tx1"/>
+                </a:solidFill>
+                <a:latin typeface="Calibri" panose="020F0502020204030204" pitchFamily="34" charset="0"/>
+              </a:defRPr>
+            </a:lvl9pPr>
+          </a:lstStyle>
+          <a:p>
+            <a:pPr>
+              <a:spcBef>
+                <a:spcPct val="0"/>
+              </a:spcBef>
+            </a:pPr>
+            <a:fld id="{6D8A1CA6-8154-412D-8CD6-40E2FDC9497D}" type="slidenum">
+              <a:rPr lang="en-GB" altLang="en-US" smtClean="0">
+                <a:latin typeface="Arial" panose="020B0604020202020204" pitchFamily="34" charset="0"/>
+              </a:rPr>
+              <a:pPr>
+                <a:spcBef>
+                  <a:spcPct val="0"/>
+                </a:spcBef>
+              </a:pPr>
+              <a:t>5</a:t>
+            </a:fld>
+            <a:endParaRPr lang="en-GB" altLang="en-US">
+              <a:latin typeface="Arial" panose="020B0604020202020204" pitchFamily="34" charset="0"/>
+            </a:endParaRPr>
+          </a:p>
+        </p:txBody>
+      </p:sp>
+    </p:spTree>
+    <p:extLst>
+      <p:ext uri="{BB962C8B-B14F-4D97-AF65-F5344CB8AC3E}">
+        <p14:creationId xmlns:p14="http://schemas.microsoft.com/office/powerpoint/2010/main" val="2003257325"/>
+      </p:ext>
+    </p:extLst>
+  </p:cSld>
+  <p:clrMapOvr>
+    <a:masterClrMapping/>
+  </p:clrMapOvr>
+</p:notes>
+</file>
+
+<file path=ppt/notesSlides/notesSlide5.xml><?xml version="1.0" encoding="utf-8"?>
+<p:notes xmlns:a="http://schemas.openxmlformats.org/drawingml/2006/main" xmlns:r="http://schemas.openxmlformats.org/officeDocument/2006/relationships" xmlns:p="http://schemas.openxmlformats.org/presentationml/2006/main">
+  <p:cSld>
+    <p:spTree>
+      <p:nvGrpSpPr>
+        <p:cNvPr id="1" name=""/>
+        <p:cNvGrpSpPr/>
+        <p:nvPr/>
+      </p:nvGrpSpPr>
+      <p:grpSpPr>
+        <a:xfrm>
+          <a:off x="0" y="0"/>
+          <a:ext cx="0" cy="0"/>
+          <a:chOff x="0" y="0"/>
+          <a:chExt cx="0" cy="0"/>
+        </a:xfrm>
+      </p:grpSpPr>
+      <p:sp>
+        <p:nvSpPr>
+          <p:cNvPr id="13314" name="Slide Image Placeholder 1"/>
+          <p:cNvSpPr>
+            <a:spLocks noGrp="1" noRot="1" noChangeAspect="1" noTextEdit="1"/>
+          </p:cNvSpPr>
+          <p:nvPr>
+            <p:ph type="sldImg"/>
+          </p:nvPr>
+        </p:nvSpPr>
+        <p:spPr bwMode="auto">
+          <a:xfrm>
+            <a:off x="1141413" y="685800"/>
+            <a:ext cx="4568825" cy="3427413"/>
+          </a:xfrm>
+          <a:noFill/>
+          <a:ln>
+            <a:solidFill>
+              <a:srgbClr val="000000"/>
+            </a:solidFill>
+            <a:miter lim="800000"/>
+            <a:headEnd/>
+            <a:tailEnd/>
+          </a:ln>
+          <a:extLst>
+            <a:ext uri="{909E8E84-426E-40DD-AFC4-6F175D3DCCD1}">
+              <a14:hiddenFill xmlns:a14="http://schemas.microsoft.com/office/drawing/2010/main">
+                <a:solidFill>
+                  <a:srgbClr val="FFFFFF"/>
+                </a:solidFill>
+              </a14:hiddenFill>
+            </a:ext>
+          </a:extLst>
+        </p:spPr>
+      </p:sp>
+      <p:sp>
+        <p:nvSpPr>
+          <p:cNvPr id="13315" name="Notes Placeholder 2"/>
+          <p:cNvSpPr>
+            <a:spLocks noGrp="1"/>
+          </p:cNvSpPr>
+          <p:nvPr>
+            <p:ph type="body" idx="1"/>
+          </p:nvPr>
+        </p:nvSpPr>
+        <p:spPr bwMode="auto">
+          <a:noFill/>
+          <a:extLst>
+            <a:ext uri="{909E8E84-426E-40DD-AFC4-6F175D3DCCD1}">
+              <a14:hiddenFill xmlns:a14="http://schemas.microsoft.com/office/drawing/2010/main">
+                <a:solidFill>
+                  <a:srgbClr val="FFFFFF"/>
+                </a:solidFill>
+              </a14:hiddenFill>
+            </a:ext>
+            <a:ext uri="{91240B29-F687-4F45-9708-019B960494DF}">
+              <a14:hiddenLine xmlns:a14="http://schemas.microsoft.com/office/drawing/2010/main" w="9525">
+                <a:solidFill>
+                  <a:srgbClr val="000000"/>
+                </a:solidFill>
+                <a:miter lim="800000"/>
+                <a:headEnd/>
+                <a:tailEnd/>
+              </a14:hiddenLine>
+            </a:ext>
+          </a:extLst>
+        </p:spPr>
+        <p:txBody>
+          <a:bodyPr wrap="square" numCol="1" anchor="t" anchorCtr="0" compatLnSpc="1">
+            <a:prstTxWarp prst="textNoShape">
+              <a:avLst/>
+            </a:prstTxWarp>
+          </a:bodyPr>
+          <a:lstStyle/>
+          <a:p>
+            <a:r>
+              <a:rPr lang="en-US" altLang="en-US"/>
+              <a:t>(This slide is self explanatory).</a:t>
+            </a:r>
+            <a:endParaRPr lang="en-GB" altLang="en-US"/>
+          </a:p>
+        </p:txBody>
+      </p:sp>
+      <p:sp>
+        <p:nvSpPr>
+          <p:cNvPr id="13316" name="Slide Number Placeholder 3"/>
+          <p:cNvSpPr>
+            <a:spLocks noGrp="1"/>
+          </p:cNvSpPr>
+          <p:nvPr>
+            <p:ph type="sldNum" sz="quarter" idx="5"/>
+          </p:nvPr>
+        </p:nvSpPr>
+        <p:spPr bwMode="auto">
+          <a:noFill/>
+          <a:extLst>
+            <a:ext uri="{909E8E84-426E-40DD-AFC4-6F175D3DCCD1}">
+              <a14:hiddenFill xmlns:a14="http://schemas.microsoft.com/office/drawing/2010/main">
+                <a:solidFill>
+                  <a:srgbClr val="FFFFFF"/>
+                </a:solidFill>
+              </a14:hiddenFill>
+            </a:ext>
+            <a:ext uri="{91240B29-F687-4F45-9708-019B960494DF}">
+              <a14:hiddenLine xmlns:a14="http://schemas.microsoft.com/office/drawing/2010/main" w="9525">
+                <a:solidFill>
+                  <a:srgbClr val="000000"/>
+                </a:solidFill>
+                <a:miter lim="800000"/>
+                <a:headEnd/>
+                <a:tailEnd/>
+              </a14:hiddenLine>
+            </a:ext>
+          </a:extLst>
+        </p:spPr>
+        <p:txBody>
+          <a:bodyPr/>
+          <a:lstStyle>
+            <a:lvl1pPr>
+              <a:spcBef>
+                <a:spcPct val="30000"/>
+              </a:spcBef>
+              <a:defRPr sz="1200">
+                <a:solidFill>
+                  <a:schemeClr val="tx1"/>
+                </a:solidFill>
+                <a:latin typeface="Calibri" panose="020F0502020204030204" pitchFamily="34" charset="0"/>
+              </a:defRPr>
+            </a:lvl1pPr>
+            <a:lvl2pPr marL="742950" indent="-285750">
+              <a:spcBef>
+                <a:spcPct val="30000"/>
+              </a:spcBef>
+              <a:defRPr sz="1200">
+                <a:solidFill>
+                  <a:schemeClr val="tx1"/>
+                </a:solidFill>
+                <a:latin typeface="Calibri" panose="020F0502020204030204" pitchFamily="34" charset="0"/>
+              </a:defRPr>
+            </a:lvl2pPr>
+            <a:lvl3pPr marL="1143000" indent="-228600">
+              <a:spcBef>
+                <a:spcPct val="30000"/>
+              </a:spcBef>
+              <a:defRPr sz="1200">
+                <a:solidFill>
+                  <a:schemeClr val="tx1"/>
+                </a:solidFill>
+                <a:latin typeface="Calibri" panose="020F0502020204030204" pitchFamily="34" charset="0"/>
+              </a:defRPr>
+            </a:lvl3pPr>
+            <a:lvl4pPr marL="1600200" indent="-228600">
+              <a:spcBef>
+                <a:spcPct val="30000"/>
+              </a:spcBef>
+              <a:defRPr sz="1200">
+                <a:solidFill>
+                  <a:schemeClr val="tx1"/>
+                </a:solidFill>
+                <a:latin typeface="Calibri" panose="020F0502020204030204" pitchFamily="34" charset="0"/>
+              </a:defRPr>
+            </a:lvl4pPr>
+            <a:lvl5pPr marL="2057400" indent="-228600">
+              <a:spcBef>
+                <a:spcPct val="30000"/>
+              </a:spcBef>
+              <a:defRPr sz="1200">
+                <a:solidFill>
+                  <a:schemeClr val="tx1"/>
+                </a:solidFill>
+                <a:latin typeface="Calibri" panose="020F0502020204030204" pitchFamily="34" charset="0"/>
+              </a:defRPr>
+            </a:lvl5pPr>
+            <a:lvl6pPr marL="2514600" indent="-228600" eaLnBrk="0" fontAlgn="base" hangingPunct="0">
+              <a:spcBef>
+                <a:spcPct val="30000"/>
+              </a:spcBef>
+              <a:spcAft>
+                <a:spcPct val="0"/>
+              </a:spcAft>
+              <a:defRPr sz="1200">
+                <a:solidFill>
+                  <a:schemeClr val="tx1"/>
+                </a:solidFill>
+                <a:latin typeface="Calibri" panose="020F0502020204030204" pitchFamily="34" charset="0"/>
+              </a:defRPr>
+            </a:lvl6pPr>
+            <a:lvl7pPr marL="2971800" indent="-228600" eaLnBrk="0" fontAlgn="base" hangingPunct="0">
+              <a:spcBef>
+                <a:spcPct val="30000"/>
+              </a:spcBef>
+              <a:spcAft>
+                <a:spcPct val="0"/>
+              </a:spcAft>
+              <a:defRPr sz="1200">
+                <a:solidFill>
+                  <a:schemeClr val="tx1"/>
+                </a:solidFill>
+                <a:latin typeface="Calibri" panose="020F0502020204030204" pitchFamily="34" charset="0"/>
+              </a:defRPr>
+            </a:lvl7pPr>
+            <a:lvl8pPr marL="3429000" indent="-228600" eaLnBrk="0" fontAlgn="base" hangingPunct="0">
+              <a:spcBef>
+                <a:spcPct val="30000"/>
+              </a:spcBef>
+              <a:spcAft>
+                <a:spcPct val="0"/>
+              </a:spcAft>
+              <a:defRPr sz="1200">
+                <a:solidFill>
+                  <a:schemeClr val="tx1"/>
+                </a:solidFill>
+                <a:latin typeface="Calibri" panose="020F0502020204030204" pitchFamily="34" charset="0"/>
+              </a:defRPr>
+            </a:lvl8pPr>
+            <a:lvl9pPr marL="3886200" indent="-228600" eaLnBrk="0" fontAlgn="base" hangingPunct="0">
+              <a:spcBef>
+                <a:spcPct val="30000"/>
+              </a:spcBef>
+              <a:spcAft>
+                <a:spcPct val="0"/>
+              </a:spcAft>
+              <a:defRPr sz="1200">
+                <a:solidFill>
+                  <a:schemeClr val="tx1"/>
+                </a:solidFill>
+                <a:latin typeface="Calibri" panose="020F0502020204030204" pitchFamily="34" charset="0"/>
+              </a:defRPr>
+            </a:lvl9pPr>
+          </a:lstStyle>
+          <a:p>
+            <a:pPr>
+              <a:spcBef>
+                <a:spcPct val="0"/>
+              </a:spcBef>
+            </a:pPr>
+            <a:fld id="{6D8A1CA6-8154-412D-8CD6-40E2FDC9497D}" type="slidenum">
+              <a:rPr lang="en-GB" altLang="en-US" smtClean="0">
+                <a:latin typeface="Arial" panose="020B0604020202020204" pitchFamily="34" charset="0"/>
+              </a:rPr>
+              <a:pPr>
+                <a:spcBef>
+                  <a:spcPct val="0"/>
+                </a:spcBef>
+              </a:pPr>
+              <a:t>6</a:t>
+            </a:fld>
+            <a:endParaRPr lang="en-GB" altLang="en-US">
+              <a:latin typeface="Arial" panose="020B0604020202020204" pitchFamily="34" charset="0"/>
+            </a:endParaRPr>
+          </a:p>
+        </p:txBody>
+      </p:sp>
+    </p:spTree>
+    <p:extLst>
+      <p:ext uri="{BB962C8B-B14F-4D97-AF65-F5344CB8AC3E}">
+        <p14:creationId xmlns:p14="http://schemas.microsoft.com/office/powerpoint/2010/main" val="2886195528"/>
+      </p:ext>
+    </p:extLst>
+  </p:cSld>
+  <p:clrMapOvr>
+    <a:masterClrMapping/>
+  </p:clrMapOvr>
+</p:notes>
+</file>
+
+<file path=ppt/notesSlides/notesSlide6.xml><?xml version="1.0" encoding="utf-8"?>
+<p:notes xmlns:a="http://schemas.openxmlformats.org/drawingml/2006/main" xmlns:r="http://schemas.openxmlformats.org/officeDocument/2006/relationships" xmlns:p="http://schemas.openxmlformats.org/presentationml/2006/main">
+  <p:cSld>
+    <p:spTree>
+      <p:nvGrpSpPr>
+        <p:cNvPr id="1" name=""/>
+        <p:cNvGrpSpPr/>
+        <p:nvPr/>
+      </p:nvGrpSpPr>
+      <p:grpSpPr>
+        <a:xfrm>
+          <a:off x="0" y="0"/>
+          <a:ext cx="0" cy="0"/>
+          <a:chOff x="0" y="0"/>
+          <a:chExt cx="0" cy="0"/>
+        </a:xfrm>
+      </p:grpSpPr>
+      <p:sp>
+        <p:nvSpPr>
+          <p:cNvPr id="13314" name="Slide Image Placeholder 1"/>
+          <p:cNvSpPr>
+            <a:spLocks noGrp="1" noRot="1" noChangeAspect="1" noTextEdit="1"/>
+          </p:cNvSpPr>
+          <p:nvPr>
+            <p:ph type="sldImg"/>
+          </p:nvPr>
+        </p:nvSpPr>
+        <p:spPr bwMode="auto">
+          <a:xfrm>
+            <a:off x="1141413" y="685800"/>
+            <a:ext cx="4568825" cy="3427413"/>
+          </a:xfrm>
+          <a:noFill/>
+          <a:ln>
+            <a:solidFill>
+              <a:srgbClr val="000000"/>
+            </a:solidFill>
+            <a:miter lim="800000"/>
+            <a:headEnd/>
+            <a:tailEnd/>
+          </a:ln>
+          <a:extLst>
+            <a:ext uri="{909E8E84-426E-40DD-AFC4-6F175D3DCCD1}">
+              <a14:hiddenFill xmlns:a14="http://schemas.microsoft.com/office/drawing/2010/main">
+                <a:solidFill>
+                  <a:srgbClr val="FFFFFF"/>
+                </a:solidFill>
+              </a14:hiddenFill>
+            </a:ext>
+          </a:extLst>
+        </p:spPr>
+      </p:sp>
+      <p:sp>
+        <p:nvSpPr>
+          <p:cNvPr id="13315" name="Notes Placeholder 2"/>
+          <p:cNvSpPr>
+            <a:spLocks noGrp="1"/>
+          </p:cNvSpPr>
+          <p:nvPr>
+            <p:ph type="body" idx="1"/>
+          </p:nvPr>
+        </p:nvSpPr>
+        <p:spPr bwMode="auto">
+          <a:noFill/>
+          <a:extLst>
+            <a:ext uri="{909E8E84-426E-40DD-AFC4-6F175D3DCCD1}">
+              <a14:hiddenFill xmlns:a14="http://schemas.microsoft.com/office/drawing/2010/main">
+                <a:solidFill>
+                  <a:srgbClr val="FFFFFF"/>
+                </a:solidFill>
+              </a14:hiddenFill>
+            </a:ext>
+            <a:ext uri="{91240B29-F687-4F45-9708-019B960494DF}">
+              <a14:hiddenLine xmlns:a14="http://schemas.microsoft.com/office/drawing/2010/main" w="9525">
+                <a:solidFill>
+                  <a:srgbClr val="000000"/>
+                </a:solidFill>
+                <a:miter lim="800000"/>
+                <a:headEnd/>
+                <a:tailEnd/>
+              </a14:hiddenLine>
+            </a:ext>
+          </a:extLst>
+        </p:spPr>
+        <p:txBody>
+          <a:bodyPr wrap="square" numCol="1" anchor="t" anchorCtr="0" compatLnSpc="1">
+            <a:prstTxWarp prst="textNoShape">
+              <a:avLst/>
+            </a:prstTxWarp>
+          </a:bodyPr>
+          <a:lstStyle/>
+          <a:p>
+            <a:r>
+              <a:rPr lang="en-US" altLang="en-US"/>
+              <a:t>(This slide is self explanatory).</a:t>
+            </a:r>
+            <a:endParaRPr lang="en-GB" altLang="en-US"/>
+          </a:p>
+        </p:txBody>
+      </p:sp>
+      <p:sp>
+        <p:nvSpPr>
+          <p:cNvPr id="13316" name="Slide Number Placeholder 3"/>
+          <p:cNvSpPr>
+            <a:spLocks noGrp="1"/>
+          </p:cNvSpPr>
+          <p:nvPr>
+            <p:ph type="sldNum" sz="quarter" idx="5"/>
+          </p:nvPr>
+        </p:nvSpPr>
+        <p:spPr bwMode="auto">
+          <a:noFill/>
+          <a:extLst>
+            <a:ext uri="{909E8E84-426E-40DD-AFC4-6F175D3DCCD1}">
+              <a14:hiddenFill xmlns:a14="http://schemas.microsoft.com/office/drawing/2010/main">
+                <a:solidFill>
+                  <a:srgbClr val="FFFFFF"/>
+                </a:solidFill>
+              </a14:hiddenFill>
+            </a:ext>
+            <a:ext uri="{91240B29-F687-4F45-9708-019B960494DF}">
+              <a14:hiddenLine xmlns:a14="http://schemas.microsoft.com/office/drawing/2010/main" w="9525">
+                <a:solidFill>
+                  <a:srgbClr val="000000"/>
+                </a:solidFill>
+                <a:miter lim="800000"/>
+                <a:headEnd/>
+                <a:tailEnd/>
+              </a14:hiddenLine>
+            </a:ext>
+          </a:extLst>
+        </p:spPr>
+        <p:txBody>
+          <a:bodyPr/>
+          <a:lstStyle>
+            <a:lvl1pPr>
+              <a:spcBef>
+                <a:spcPct val="30000"/>
+              </a:spcBef>
+              <a:defRPr sz="1200">
+                <a:solidFill>
+                  <a:schemeClr val="tx1"/>
+                </a:solidFill>
+                <a:latin typeface="Calibri" panose="020F0502020204030204" pitchFamily="34" charset="0"/>
+              </a:defRPr>
+            </a:lvl1pPr>
+            <a:lvl2pPr marL="742950" indent="-285750">
+              <a:spcBef>
+                <a:spcPct val="30000"/>
+              </a:spcBef>
+              <a:defRPr sz="1200">
+                <a:solidFill>
+                  <a:schemeClr val="tx1"/>
+                </a:solidFill>
+                <a:latin typeface="Calibri" panose="020F0502020204030204" pitchFamily="34" charset="0"/>
+              </a:defRPr>
+            </a:lvl2pPr>
+            <a:lvl3pPr marL="1143000" indent="-228600">
+              <a:spcBef>
+                <a:spcPct val="30000"/>
+              </a:spcBef>
+              <a:defRPr sz="1200">
+                <a:solidFill>
+                  <a:schemeClr val="tx1"/>
+                </a:solidFill>
+                <a:latin typeface="Calibri" panose="020F0502020204030204" pitchFamily="34" charset="0"/>
+              </a:defRPr>
+            </a:lvl3pPr>
+            <a:lvl4pPr marL="1600200" indent="-228600">
+              <a:spcBef>
+                <a:spcPct val="30000"/>
+              </a:spcBef>
+              <a:defRPr sz="1200">
+                <a:solidFill>
+                  <a:schemeClr val="tx1"/>
+                </a:solidFill>
+                <a:latin typeface="Calibri" panose="020F0502020204030204" pitchFamily="34" charset="0"/>
+              </a:defRPr>
+            </a:lvl4pPr>
+            <a:lvl5pPr marL="2057400" indent="-228600">
+              <a:spcBef>
+                <a:spcPct val="30000"/>
+              </a:spcBef>
+              <a:defRPr sz="1200">
+                <a:solidFill>
+                  <a:schemeClr val="tx1"/>
+                </a:solidFill>
+                <a:latin typeface="Calibri" panose="020F0502020204030204" pitchFamily="34" charset="0"/>
+              </a:defRPr>
+            </a:lvl5pPr>
+            <a:lvl6pPr marL="2514600" indent="-228600" eaLnBrk="0" fontAlgn="base" hangingPunct="0">
+              <a:spcBef>
+                <a:spcPct val="30000"/>
+              </a:spcBef>
+              <a:spcAft>
+                <a:spcPct val="0"/>
+              </a:spcAft>
+              <a:defRPr sz="1200">
+                <a:solidFill>
+                  <a:schemeClr val="tx1"/>
+                </a:solidFill>
+                <a:latin typeface="Calibri" panose="020F0502020204030204" pitchFamily="34" charset="0"/>
+              </a:defRPr>
+            </a:lvl6pPr>
+            <a:lvl7pPr marL="2971800" indent="-228600" eaLnBrk="0" fontAlgn="base" hangingPunct="0">
+              <a:spcBef>
+                <a:spcPct val="30000"/>
+              </a:spcBef>
+              <a:spcAft>
+                <a:spcPct val="0"/>
+              </a:spcAft>
+              <a:defRPr sz="1200">
+                <a:solidFill>
+                  <a:schemeClr val="tx1"/>
+                </a:solidFill>
+                <a:latin typeface="Calibri" panose="020F0502020204030204" pitchFamily="34" charset="0"/>
+              </a:defRPr>
+            </a:lvl7pPr>
+            <a:lvl8pPr marL="3429000" indent="-228600" eaLnBrk="0" fontAlgn="base" hangingPunct="0">
+              <a:spcBef>
+                <a:spcPct val="30000"/>
+              </a:spcBef>
+              <a:spcAft>
+                <a:spcPct val="0"/>
+              </a:spcAft>
+              <a:defRPr sz="1200">
+                <a:solidFill>
+                  <a:schemeClr val="tx1"/>
+                </a:solidFill>
+                <a:latin typeface="Calibri" panose="020F0502020204030204" pitchFamily="34" charset="0"/>
+              </a:defRPr>
+            </a:lvl8pPr>
+            <a:lvl9pPr marL="3886200" indent="-228600" eaLnBrk="0" fontAlgn="base" hangingPunct="0">
+              <a:spcBef>
+                <a:spcPct val="30000"/>
+              </a:spcBef>
+              <a:spcAft>
+                <a:spcPct val="0"/>
+              </a:spcAft>
+              <a:defRPr sz="1200">
+                <a:solidFill>
+                  <a:schemeClr val="tx1"/>
+                </a:solidFill>
+                <a:latin typeface="Calibri" panose="020F0502020204030204" pitchFamily="34" charset="0"/>
+              </a:defRPr>
+            </a:lvl9pPr>
+          </a:lstStyle>
+          <a:p>
+            <a:pPr>
+              <a:spcBef>
+                <a:spcPct val="0"/>
+              </a:spcBef>
+            </a:pPr>
+            <a:fld id="{6D8A1CA6-8154-412D-8CD6-40E2FDC9497D}" type="slidenum">
+              <a:rPr lang="en-GB" altLang="en-US" smtClean="0">
+                <a:latin typeface="Arial" panose="020B0604020202020204" pitchFamily="34" charset="0"/>
+              </a:rPr>
+              <a:pPr>
+                <a:spcBef>
+                  <a:spcPct val="0"/>
+                </a:spcBef>
+              </a:pPr>
+              <a:t>7</a:t>
+            </a:fld>
+            <a:endParaRPr lang="en-GB" altLang="en-US">
+              <a:latin typeface="Arial" panose="020B0604020202020204" pitchFamily="34" charset="0"/>
+            </a:endParaRPr>
+          </a:p>
+        </p:txBody>
+      </p:sp>
+    </p:spTree>
+    <p:extLst>
+      <p:ext uri="{BB962C8B-B14F-4D97-AF65-F5344CB8AC3E}">
+        <p14:creationId xmlns:p14="http://schemas.microsoft.com/office/powerpoint/2010/main" val="2862505525"/>
+      </p:ext>
+    </p:extLst>
+  </p:cSld>
+  <p:clrMapOvr>
+    <a:masterClrMapping/>
+  </p:clrMapOvr>
+</p:notes>
+</file>
+
+<file path=ppt/notesSlides/notesSlide7.xml><?xml version="1.0" encoding="utf-8"?>
+<p:notes xmlns:a="http://schemas.openxmlformats.org/drawingml/2006/main" xmlns:r="http://schemas.openxmlformats.org/officeDocument/2006/relationships" xmlns:p="http://schemas.openxmlformats.org/presentationml/2006/main">
+  <p:cSld>
+    <p:spTree>
+      <p:nvGrpSpPr>
+        <p:cNvPr id="1" name=""/>
+        <p:cNvGrpSpPr/>
+        <p:nvPr/>
+      </p:nvGrpSpPr>
+      <p:grpSpPr>
+        <a:xfrm>
+          <a:off x="0" y="0"/>
+          <a:ext cx="0" cy="0"/>
+          <a:chOff x="0" y="0"/>
+          <a:chExt cx="0" cy="0"/>
+        </a:xfrm>
+      </p:grpSpPr>
+      <p:sp>
+        <p:nvSpPr>
+          <p:cNvPr id="13314" name="Slide Image Placeholder 1"/>
+          <p:cNvSpPr>
+            <a:spLocks noGrp="1" noRot="1" noChangeAspect="1" noTextEdit="1"/>
+          </p:cNvSpPr>
+          <p:nvPr>
+            <p:ph type="sldImg"/>
+          </p:nvPr>
+        </p:nvSpPr>
+        <p:spPr bwMode="auto">
+          <a:xfrm>
+            <a:off x="1141413" y="685800"/>
+            <a:ext cx="4568825" cy="3427413"/>
+          </a:xfrm>
+          <a:noFill/>
+          <a:ln>
+            <a:solidFill>
+              <a:srgbClr val="000000"/>
+            </a:solidFill>
+            <a:miter lim="800000"/>
+            <a:headEnd/>
+            <a:tailEnd/>
+          </a:ln>
+          <a:extLst>
+            <a:ext uri="{909E8E84-426E-40DD-AFC4-6F175D3DCCD1}">
+              <a14:hiddenFill xmlns:a14="http://schemas.microsoft.com/office/drawing/2010/main">
+                <a:solidFill>
+                  <a:srgbClr val="FFFFFF"/>
+                </a:solidFill>
+              </a14:hiddenFill>
+            </a:ext>
+          </a:extLst>
+        </p:spPr>
+      </p:sp>
+      <p:sp>
+        <p:nvSpPr>
+          <p:cNvPr id="13315" name="Notes Placeholder 2"/>
+          <p:cNvSpPr>
+            <a:spLocks noGrp="1"/>
+          </p:cNvSpPr>
+          <p:nvPr>
+            <p:ph type="body" idx="1"/>
+          </p:nvPr>
+        </p:nvSpPr>
+        <p:spPr bwMode="auto">
+          <a:noFill/>
+          <a:extLst>
+            <a:ext uri="{909E8E84-426E-40DD-AFC4-6F175D3DCCD1}">
+              <a14:hiddenFill xmlns:a14="http://schemas.microsoft.com/office/drawing/2010/main">
+                <a:solidFill>
+                  <a:srgbClr val="FFFFFF"/>
+                </a:solidFill>
+              </a14:hiddenFill>
+            </a:ext>
+            <a:ext uri="{91240B29-F687-4F45-9708-019B960494DF}">
+              <a14:hiddenLine xmlns:a14="http://schemas.microsoft.com/office/drawing/2010/main" w="9525">
+                <a:solidFill>
+                  <a:srgbClr val="000000"/>
+                </a:solidFill>
+                <a:miter lim="800000"/>
+                <a:headEnd/>
+                <a:tailEnd/>
+              </a14:hiddenLine>
+            </a:ext>
+          </a:extLst>
+        </p:spPr>
+        <p:txBody>
+          <a:bodyPr wrap="square" numCol="1" anchor="t" anchorCtr="0" compatLnSpc="1">
+            <a:prstTxWarp prst="textNoShape">
+              <a:avLst/>
+            </a:prstTxWarp>
+          </a:bodyPr>
+          <a:lstStyle/>
+          <a:p>
+            <a:r>
+              <a:rPr lang="en-US" altLang="en-US"/>
+              <a:t>(This slide is self explanatory).</a:t>
+            </a:r>
+            <a:endParaRPr lang="en-GB" altLang="en-US"/>
+          </a:p>
+        </p:txBody>
+      </p:sp>
+      <p:sp>
+        <p:nvSpPr>
+          <p:cNvPr id="13316" name="Slide Number Placeholder 3"/>
+          <p:cNvSpPr>
+            <a:spLocks noGrp="1"/>
+          </p:cNvSpPr>
+          <p:nvPr>
+            <p:ph type="sldNum" sz="quarter" idx="5"/>
+          </p:nvPr>
+        </p:nvSpPr>
+        <p:spPr bwMode="auto">
+          <a:noFill/>
+          <a:extLst>
+            <a:ext uri="{909E8E84-426E-40DD-AFC4-6F175D3DCCD1}">
+              <a14:hiddenFill xmlns:a14="http://schemas.microsoft.com/office/drawing/2010/main">
+                <a:solidFill>
+                  <a:srgbClr val="FFFFFF"/>
+                </a:solidFill>
+              </a14:hiddenFill>
+            </a:ext>
+            <a:ext uri="{91240B29-F687-4F45-9708-019B960494DF}">
+              <a14:hiddenLine xmlns:a14="http://schemas.microsoft.com/office/drawing/2010/main" w="9525">
+                <a:solidFill>
+                  <a:srgbClr val="000000"/>
+                </a:solidFill>
+                <a:miter lim="800000"/>
+                <a:headEnd/>
+                <a:tailEnd/>
+              </a14:hiddenLine>
+            </a:ext>
+          </a:extLst>
+        </p:spPr>
+        <p:txBody>
+          <a:bodyPr/>
+          <a:lstStyle>
+            <a:lvl1pPr>
+              <a:spcBef>
+                <a:spcPct val="30000"/>
+              </a:spcBef>
+              <a:defRPr sz="1200">
+                <a:solidFill>
+                  <a:schemeClr val="tx1"/>
+                </a:solidFill>
+                <a:latin typeface="Calibri" panose="020F0502020204030204" pitchFamily="34" charset="0"/>
+              </a:defRPr>
+            </a:lvl1pPr>
+            <a:lvl2pPr marL="742950" indent="-285750">
+              <a:spcBef>
+                <a:spcPct val="30000"/>
+              </a:spcBef>
+              <a:defRPr sz="1200">
+                <a:solidFill>
+                  <a:schemeClr val="tx1"/>
+                </a:solidFill>
+                <a:latin typeface="Calibri" panose="020F0502020204030204" pitchFamily="34" charset="0"/>
+              </a:defRPr>
+            </a:lvl2pPr>
+            <a:lvl3pPr marL="1143000" indent="-228600">
+              <a:spcBef>
+                <a:spcPct val="30000"/>
+              </a:spcBef>
+              <a:defRPr sz="1200">
+                <a:solidFill>
+                  <a:schemeClr val="tx1"/>
+                </a:solidFill>
+                <a:latin typeface="Calibri" panose="020F0502020204030204" pitchFamily="34" charset="0"/>
+              </a:defRPr>
+            </a:lvl3pPr>
+            <a:lvl4pPr marL="1600200" indent="-228600">
+              <a:spcBef>
+                <a:spcPct val="30000"/>
+              </a:spcBef>
+              <a:defRPr sz="1200">
+                <a:solidFill>
+                  <a:schemeClr val="tx1"/>
+                </a:solidFill>
+                <a:latin typeface="Calibri" panose="020F0502020204030204" pitchFamily="34" charset="0"/>
+              </a:defRPr>
+            </a:lvl4pPr>
+            <a:lvl5pPr marL="2057400" indent="-228600">
+              <a:spcBef>
+                <a:spcPct val="30000"/>
+              </a:spcBef>
+              <a:defRPr sz="1200">
+                <a:solidFill>
+                  <a:schemeClr val="tx1"/>
+                </a:solidFill>
+                <a:latin typeface="Calibri" panose="020F0502020204030204" pitchFamily="34" charset="0"/>
+              </a:defRPr>
+            </a:lvl5pPr>
+            <a:lvl6pPr marL="2514600" indent="-228600" eaLnBrk="0" fontAlgn="base" hangingPunct="0">
+              <a:spcBef>
+                <a:spcPct val="30000"/>
+              </a:spcBef>
+              <a:spcAft>
+                <a:spcPct val="0"/>
+              </a:spcAft>
+              <a:defRPr sz="1200">
+                <a:solidFill>
+                  <a:schemeClr val="tx1"/>
+                </a:solidFill>
+                <a:latin typeface="Calibri" panose="020F0502020204030204" pitchFamily="34" charset="0"/>
+              </a:defRPr>
+            </a:lvl6pPr>
+            <a:lvl7pPr marL="2971800" indent="-228600" eaLnBrk="0" fontAlgn="base" hangingPunct="0">
+              <a:spcBef>
+                <a:spcPct val="30000"/>
+              </a:spcBef>
+              <a:spcAft>
+                <a:spcPct val="0"/>
+              </a:spcAft>
+              <a:defRPr sz="1200">
+                <a:solidFill>
+                  <a:schemeClr val="tx1"/>
+                </a:solidFill>
+                <a:latin typeface="Calibri" panose="020F0502020204030204" pitchFamily="34" charset="0"/>
+              </a:defRPr>
+            </a:lvl7pPr>
+            <a:lvl8pPr marL="3429000" indent="-228600" eaLnBrk="0" fontAlgn="base" hangingPunct="0">
+              <a:spcBef>
+                <a:spcPct val="30000"/>
+              </a:spcBef>
+              <a:spcAft>
+                <a:spcPct val="0"/>
+              </a:spcAft>
+              <a:defRPr sz="1200">
+                <a:solidFill>
+                  <a:schemeClr val="tx1"/>
+                </a:solidFill>
+                <a:latin typeface="Calibri" panose="020F0502020204030204" pitchFamily="34" charset="0"/>
+              </a:defRPr>
+            </a:lvl8pPr>
+            <a:lvl9pPr marL="3886200" indent="-228600" eaLnBrk="0" fontAlgn="base" hangingPunct="0">
+              <a:spcBef>
+                <a:spcPct val="30000"/>
+              </a:spcBef>
+              <a:spcAft>
+                <a:spcPct val="0"/>
+              </a:spcAft>
+              <a:defRPr sz="1200">
+                <a:solidFill>
+                  <a:schemeClr val="tx1"/>
+                </a:solidFill>
+                <a:latin typeface="Calibri" panose="020F0502020204030204" pitchFamily="34" charset="0"/>
+              </a:defRPr>
+            </a:lvl9pPr>
+          </a:lstStyle>
+          <a:p>
+            <a:pPr>
+              <a:spcBef>
+                <a:spcPct val="0"/>
+              </a:spcBef>
+            </a:pPr>
+            <a:fld id="{6D8A1CA6-8154-412D-8CD6-40E2FDC9497D}" type="slidenum">
+              <a:rPr lang="en-GB" altLang="en-US" smtClean="0">
+                <a:latin typeface="Arial" panose="020B0604020202020204" pitchFamily="34" charset="0"/>
+              </a:rPr>
+              <a:pPr>
+                <a:spcBef>
+                  <a:spcPct val="0"/>
+                </a:spcBef>
+              </a:pPr>
+              <a:t>8</a:t>
+            </a:fld>
+            <a:endParaRPr lang="en-GB" altLang="en-US">
+              <a:latin typeface="Arial" panose="020B0604020202020204" pitchFamily="34" charset="0"/>
+            </a:endParaRPr>
+          </a:p>
+        </p:txBody>
+      </p:sp>
+    </p:spTree>
+    <p:extLst>
+      <p:ext uri="{BB962C8B-B14F-4D97-AF65-F5344CB8AC3E}">
+        <p14:creationId xmlns:p14="http://schemas.microsoft.com/office/powerpoint/2010/main" val="1858426579"/>
+      </p:ext>
+    </p:extLst>
+  </p:cSld>
+  <p:clrMapOvr>
+    <a:masterClrMapping/>
+  </p:clrMapOvr>
+</p:notes>
+</file>
+
+<file path=ppt/notesSlides/notesSlide8.xml><?xml version="1.0" encoding="utf-8"?>
 <p:notes xmlns:a="http://schemas.openxmlformats.org/drawingml/2006/main" xmlns:r="http://schemas.openxmlformats.org/officeDocument/2006/relationships" xmlns:p="http://schemas.openxmlformats.org/presentationml/2006/main">
   <p:cSld>
     <p:spTree>
@@ -1144,10 +2854,10 @@
           <a:lstStyle/>
           <a:p>
             <a:r>
-              <a:rPr lang="en-US" altLang="en-US" smtClean="0"/>
+              <a:rPr lang="en-US" altLang="en-US"/>
               <a:t>(This slide is self explanatory).</a:t>
             </a:r>
-            <a:endParaRPr lang="en-GB" altLang="en-US" smtClean="0"/>
+            <a:endParaRPr lang="en-GB" altLang="en-US"/>
           </a:p>
         </p:txBody>
       </p:sp>
@@ -1313,9 +3023,9 @@
                   <a:spcPct val="0"/>
                 </a:spcBef>
               </a:pPr>
-              <a:t>3</a:t>
+              <a:t>9</a:t>
             </a:fld>
-            <a:endParaRPr lang="en-GB" altLang="en-US" smtClean="0">
+            <a:endParaRPr lang="en-GB" altLang="en-US">
               <a:latin typeface="Arial" panose="020B0604020202020204" pitchFamily="34" charset="0"/>
             </a:endParaRPr>
           </a:p>
@@ -1542,7 +3252,7 @@
           </a:lstStyle>
           <a:p>
             <a:r>
-              <a:rPr lang="en-US" smtClean="0"/>
+              <a:rPr lang="en-US"/>
               <a:t>Click to edit Master title style</a:t>
             </a:r>
             <a:endParaRPr lang="en-US" dirty="0"/>
@@ -1618,7 +3328,7 @@
           </a:lstStyle>
           <a:p>
             <a:r>
-              <a:rPr lang="en-US" smtClean="0"/>
+              <a:rPr lang="en-US"/>
               <a:t>Click to edit Master subtitle style</a:t>
             </a:r>
             <a:endParaRPr lang="en-US" dirty="0"/>
@@ -1687,7 +3397,7 @@
           </a:lstStyle>
           <a:p>
             <a:r>
-              <a:rPr lang="en-US" smtClean="0"/>
+              <a:rPr lang="en-US"/>
               <a:t>Click to edit Master title style</a:t>
             </a:r>
             <a:endParaRPr lang="en-US" dirty="0"/>
@@ -1761,7 +3471,7 @@
           </a:lstStyle>
           <a:p>
             <a:r>
-              <a:rPr lang="en-US" smtClean="0"/>
+              <a:rPr lang="en-US"/>
               <a:t>Click to edit Master subtitle style</a:t>
             </a:r>
             <a:endParaRPr lang="en-US" dirty="0"/>
@@ -1808,7 +3518,7 @@
           <a:p>
             <a:pPr lvl="0"/>
             <a:r>
-              <a:rPr lang="en-US" noProof="0" smtClean="0"/>
+              <a:rPr lang="en-US" noProof="0"/>
               <a:t>Click icon to add picture</a:t>
             </a:r>
             <a:endParaRPr lang="en-GB" noProof="0" dirty="0"/>
@@ -1856,7 +3566,7 @@
               <a:pPr>
                 <a:defRPr/>
               </a:pPr>
-              <a:t>19/11/2019</a:t>
+              <a:t>18/10/2021</a:t>
             </a:fld>
             <a:endParaRPr lang="en-GB"/>
           </a:p>
@@ -1924,7 +3634,7 @@
           </a:lstStyle>
           <a:p>
             <a:r>
-              <a:rPr lang="en-US" smtClean="0"/>
+              <a:rPr lang="en-US"/>
               <a:t>Click to edit Master title style</a:t>
             </a:r>
             <a:endParaRPr lang="en-US" dirty="0"/>
@@ -1998,7 +3708,7 @@
           </a:lstStyle>
           <a:p>
             <a:r>
-              <a:rPr lang="en-US" smtClean="0"/>
+              <a:rPr lang="en-US"/>
               <a:t>Click to edit Master subtitle style</a:t>
             </a:r>
             <a:endParaRPr lang="en-US" dirty="0"/>
@@ -2045,7 +3755,7 @@
           <a:p>
             <a:pPr lvl="0"/>
             <a:r>
-              <a:rPr lang="en-US" noProof="0" smtClean="0"/>
+              <a:rPr lang="en-US" noProof="0"/>
               <a:t>Click icon to add picture</a:t>
             </a:r>
             <a:endParaRPr lang="en-GB" noProof="0" dirty="0"/>
@@ -2093,7 +3803,7 @@
               <a:pPr>
                 <a:defRPr/>
               </a:pPr>
-              <a:t>19/11/2019</a:t>
+              <a:t>18/10/2021</a:t>
             </a:fld>
             <a:endParaRPr lang="en-GB"/>
           </a:p>
@@ -2196,7 +3906,7 @@
           </a:lstStyle>
           <a:p>
             <a:r>
-              <a:rPr lang="en-US" smtClean="0"/>
+              <a:rPr lang="en-US"/>
               <a:t>Click to edit Master title style</a:t>
             </a:r>
             <a:endParaRPr lang="en-US" dirty="0"/>
@@ -2243,7 +3953,7 @@
           <a:p>
             <a:pPr lvl="0"/>
             <a:r>
-              <a:rPr lang="en-US" noProof="0" smtClean="0"/>
+              <a:rPr lang="en-US" noProof="0"/>
               <a:t>Click icon to add picture</a:t>
             </a:r>
             <a:endParaRPr lang="en-GB" noProof="0" dirty="0"/>
@@ -2299,35 +4009,35 @@
           <a:p>
             <a:pPr lvl="0"/>
             <a:r>
-              <a:rPr lang="en-US" smtClean="0"/>
+              <a:rPr lang="en-US"/>
               <a:t>Edit Master text styles</a:t>
             </a:r>
           </a:p>
           <a:p>
             <a:pPr lvl="1"/>
             <a:r>
-              <a:rPr lang="en-US" smtClean="0"/>
+              <a:rPr lang="en-US"/>
               <a:t>Second level</a:t>
             </a:r>
           </a:p>
           <a:p>
             <a:pPr lvl="2"/>
             <a:r>
-              <a:rPr lang="en-US" smtClean="0"/>
+              <a:rPr lang="en-US"/>
               <a:t>Third level</a:t>
             </a:r>
           </a:p>
           <a:p>
             <a:pPr lvl="3"/>
             <a:r>
-              <a:rPr lang="en-US" smtClean="0"/>
+              <a:rPr lang="en-US"/>
               <a:t>Fourth level</a:t>
             </a:r>
           </a:p>
           <a:p>
             <a:pPr lvl="4"/>
             <a:r>
-              <a:rPr lang="en-US" smtClean="0"/>
+              <a:rPr lang="en-US"/>
               <a:t>Fifth level</a:t>
             </a:r>
             <a:endParaRPr lang="en-US" dirty="0"/>
@@ -2431,7 +4141,7 @@
           </a:lstStyle>
           <a:p>
             <a:r>
-              <a:rPr lang="en-US" smtClean="0"/>
+              <a:rPr lang="en-US"/>
               <a:t>Click to edit Master title style</a:t>
             </a:r>
             <a:endParaRPr lang="en-US" dirty="0"/>
@@ -2487,35 +4197,35 @@
           <a:p>
             <a:pPr lvl="0"/>
             <a:r>
-              <a:rPr lang="en-US" smtClean="0"/>
+              <a:rPr lang="en-US"/>
               <a:t>Edit Master text styles</a:t>
             </a:r>
           </a:p>
           <a:p>
             <a:pPr lvl="1"/>
             <a:r>
-              <a:rPr lang="en-US" smtClean="0"/>
+              <a:rPr lang="en-US"/>
               <a:t>Second level</a:t>
             </a:r>
           </a:p>
           <a:p>
             <a:pPr lvl="2"/>
             <a:r>
-              <a:rPr lang="en-US" smtClean="0"/>
+              <a:rPr lang="en-US"/>
               <a:t>Third level</a:t>
             </a:r>
           </a:p>
           <a:p>
             <a:pPr lvl="3"/>
             <a:r>
-              <a:rPr lang="en-US" smtClean="0"/>
+              <a:rPr lang="en-US"/>
               <a:t>Fourth level</a:t>
             </a:r>
           </a:p>
           <a:p>
             <a:pPr lvl="4"/>
             <a:r>
-              <a:rPr lang="en-US" smtClean="0"/>
+              <a:rPr lang="en-US"/>
               <a:t>Fifth level</a:t>
             </a:r>
             <a:endParaRPr lang="en-US" dirty="0"/>
@@ -2596,7 +4306,7 @@
           </a:lstStyle>
           <a:p>
             <a:r>
-              <a:rPr lang="en-US" smtClean="0"/>
+              <a:rPr lang="en-US"/>
               <a:t>Click to edit Master title style</a:t>
             </a:r>
             <a:endParaRPr lang="en-US" dirty="0"/>
@@ -2670,7 +4380,7 @@
           </a:lstStyle>
           <a:p>
             <a:r>
-              <a:rPr lang="en-US" smtClean="0"/>
+              <a:rPr lang="en-US"/>
               <a:t>Click to edit Master subtitle style</a:t>
             </a:r>
             <a:endParaRPr lang="en-US" dirty="0"/>
@@ -2723,7 +4433,7 @@
           <a:lstStyle/>
           <a:p>
             <a:r>
-              <a:rPr lang="en-US" smtClean="0"/>
+              <a:rPr lang="en-US"/>
               <a:t>Click to edit Master title style</a:t>
             </a:r>
             <a:endParaRPr lang="en-GB"/>
@@ -2747,35 +4457,35 @@
           <a:p>
             <a:pPr lvl="0"/>
             <a:r>
-              <a:rPr lang="en-US" smtClean="0"/>
+              <a:rPr lang="en-US"/>
               <a:t>Click to edit Master text styles</a:t>
             </a:r>
           </a:p>
           <a:p>
             <a:pPr lvl="1"/>
             <a:r>
-              <a:rPr lang="en-US" smtClean="0"/>
+              <a:rPr lang="en-US"/>
               <a:t>Second level</a:t>
             </a:r>
           </a:p>
           <a:p>
             <a:pPr lvl="2"/>
             <a:r>
-              <a:rPr lang="en-US" smtClean="0"/>
+              <a:rPr lang="en-US"/>
               <a:t>Third level</a:t>
             </a:r>
           </a:p>
           <a:p>
             <a:pPr lvl="3"/>
             <a:r>
-              <a:rPr lang="en-US" smtClean="0"/>
+              <a:rPr lang="en-US"/>
               <a:t>Fourth level</a:t>
             </a:r>
           </a:p>
           <a:p>
             <a:pPr lvl="4"/>
             <a:r>
-              <a:rPr lang="en-US" smtClean="0"/>
+              <a:rPr lang="en-US"/>
               <a:t>Fifth level</a:t>
             </a:r>
             <a:endParaRPr lang="en-GB"/>
@@ -2814,7 +4524,7 @@
               <a:pPr>
                 <a:defRPr/>
               </a:pPr>
-              <a:t>19/11/2019</a:t>
+              <a:t>18/10/2021</a:t>
             </a:fld>
             <a:endParaRPr lang="en-GB"/>
           </a:p>
@@ -3145,35 +4855,35 @@
           <a:p>
             <a:pPr lvl="0"/>
             <a:r>
-              <a:rPr lang="en-US" altLang="en-US" smtClean="0"/>
+              <a:rPr lang="en-US" altLang="en-US"/>
               <a:t>Edit Master text styles</a:t>
             </a:r>
           </a:p>
           <a:p>
             <a:pPr lvl="1"/>
             <a:r>
-              <a:rPr lang="en-US" altLang="en-US" smtClean="0"/>
+              <a:rPr lang="en-US" altLang="en-US"/>
               <a:t>Second level</a:t>
             </a:r>
           </a:p>
           <a:p>
             <a:pPr lvl="2"/>
             <a:r>
-              <a:rPr lang="en-US" altLang="en-US" smtClean="0"/>
+              <a:rPr lang="en-US" altLang="en-US"/>
               <a:t>Third level</a:t>
             </a:r>
           </a:p>
           <a:p>
             <a:pPr lvl="3"/>
             <a:r>
-              <a:rPr lang="en-US" altLang="en-US" smtClean="0"/>
+              <a:rPr lang="en-US" altLang="en-US"/>
               <a:t>Fourth level</a:t>
             </a:r>
           </a:p>
           <a:p>
             <a:pPr lvl="4"/>
             <a:r>
-              <a:rPr lang="en-US" altLang="en-US" smtClean="0"/>
+              <a:rPr lang="en-US" altLang="en-US"/>
               <a:t>Fifth level</a:t>
             </a:r>
           </a:p>
@@ -3334,7 +5044,7 @@
             <a:pPr eaLnBrk="1" hangingPunct="1">
               <a:defRPr/>
             </a:pPr>
-            <a:endParaRPr lang="en-US" altLang="en-US" smtClean="0"/>
+            <a:endParaRPr lang="en-US" altLang="en-US"/>
           </a:p>
         </p:txBody>
       </p:sp>
@@ -3390,10 +5100,10 @@
           <a:p>
             <a:pPr lvl="0"/>
             <a:r>
-              <a:rPr lang="en-US" altLang="en-US" smtClean="0"/>
+              <a:rPr lang="en-US" altLang="en-US"/>
               <a:t>Click to edit Master title style</a:t>
             </a:r>
-            <a:endParaRPr lang="en-GB" altLang="en-US" smtClean="0"/>
+            <a:endParaRPr lang="en-GB" altLang="en-US"/>
           </a:p>
         </p:txBody>
       </p:sp>
@@ -3892,7 +5602,7 @@
           <a:p>
             <a:pPr eaLnBrk="1" hangingPunct="1"/>
             <a:r>
-              <a:rPr lang="en-GB" altLang="en-US" smtClean="0"/>
+              <a:rPr lang="en-GB" altLang="en-US"/>
               <a:t>Python</a:t>
             </a:r>
           </a:p>
@@ -3920,7 +5630,7 @@
           <a:p>
             <a:pPr eaLnBrk="1" hangingPunct="1"/>
             <a:r>
-              <a:rPr lang="en-GB" altLang="en-US" smtClean="0"/>
+              <a:rPr lang="en-GB" altLang="en-US"/>
               <a:t>Aliasing in Python</a:t>
             </a:r>
           </a:p>
@@ -3931,512 +5641,10 @@
   <p:clrMapOvr>
     <a:masterClrMapping/>
   </p:clrMapOvr>
-  <p:timing>
-    <p:tnLst>
-      <p:par>
-        <p:cTn id="1" dur="indefinite" restart="never" nodeType="tmRoot"/>
-      </p:par>
-    </p:tnLst>
-  </p:timing>
 </p:sld>
 </file>
 
-<file path=ppt/slides/slide2.xml><?xml version="1.0" encoding="utf-8"?>
-<p:sld xmlns:a="http://schemas.openxmlformats.org/drawingml/2006/main" xmlns:r="http://schemas.openxmlformats.org/officeDocument/2006/relationships" xmlns:p="http://schemas.openxmlformats.org/presentationml/2006/main">
-  <p:cSld>
-    <p:spTree>
-      <p:nvGrpSpPr>
-        <p:cNvPr id="1" name=""/>
-        <p:cNvGrpSpPr/>
-        <p:nvPr/>
-      </p:nvGrpSpPr>
-      <p:grpSpPr>
-        <a:xfrm>
-          <a:off x="0" y="0"/>
-          <a:ext cx="0" cy="0"/>
-          <a:chOff x="0" y="0"/>
-          <a:chExt cx="0" cy="0"/>
-        </a:xfrm>
-      </p:grpSpPr>
-      <p:sp>
-        <p:nvSpPr>
-          <p:cNvPr id="12290" name="Title 1"/>
-          <p:cNvSpPr>
-            <a:spLocks noGrp="1"/>
-          </p:cNvSpPr>
-          <p:nvPr>
-            <p:ph type="title"/>
-          </p:nvPr>
-        </p:nvSpPr>
-        <p:spPr>
-          <a:xfrm>
-            <a:off x="395288" y="-171450"/>
-            <a:ext cx="8451850" cy="1431925"/>
-          </a:xfrm>
-        </p:spPr>
-        <p:txBody>
-          <a:bodyPr/>
-          <a:lstStyle/>
-          <a:p>
-            <a:pPr eaLnBrk="1" hangingPunct="1"/>
-            <a:r>
-              <a:rPr lang="en-US" altLang="en-US" smtClean="0"/>
-              <a:t>Mutable objects and aliasing</a:t>
-            </a:r>
-            <a:endParaRPr lang="en-GB" altLang="en-US" smtClean="0"/>
-          </a:p>
-        </p:txBody>
-      </p:sp>
-      <p:sp>
-        <p:nvSpPr>
-          <p:cNvPr id="12291" name="Content Placeholder 2"/>
-          <p:cNvSpPr>
-            <a:spLocks noGrp="1"/>
-          </p:cNvSpPr>
-          <p:nvPr>
-            <p:ph idx="1"/>
-          </p:nvPr>
-        </p:nvSpPr>
-        <p:spPr>
-          <a:xfrm>
-            <a:off x="539750" y="981075"/>
-            <a:ext cx="8064500" cy="5543550"/>
-          </a:xfrm>
-        </p:spPr>
-        <p:txBody>
-          <a:bodyPr/>
-          <a:lstStyle/>
-          <a:p>
-            <a:pPr marL="0" indent="0" eaLnBrk="1" hangingPunct="1">
-              <a:buFont typeface="Arial" panose="020B0604020202020204" pitchFamily="34" charset="0"/>
-              <a:buNone/>
-            </a:pPr>
-            <a:r>
-              <a:rPr lang="en-GB" altLang="en-US" sz="2000" smtClean="0"/>
-              <a:t>Mutable objects in Python can be subject to </a:t>
-            </a:r>
-            <a:r>
-              <a:rPr lang="en-GB" altLang="en-US" sz="2000" i="1" smtClean="0"/>
-              <a:t>aliasing.</a:t>
-            </a:r>
-          </a:p>
-          <a:p>
-            <a:pPr marL="0" indent="0" eaLnBrk="1" hangingPunct="1">
-              <a:buFont typeface="Arial" panose="020B0604020202020204" pitchFamily="34" charset="0"/>
-              <a:buNone/>
-            </a:pPr>
-            <a:r>
-              <a:rPr lang="en-GB" altLang="en-US" sz="2000" b="1" smtClean="0">
-                <a:latin typeface="Courier New" panose="02070309020205020404" pitchFamily="49" charset="0"/>
-                <a:cs typeface="Courier New" panose="02070309020205020404" pitchFamily="49" charset="0"/>
-              </a:rPr>
-              <a:t>&gt;&gt;&gt;</a:t>
-            </a:r>
-            <a:r>
-              <a:rPr lang="en-GB" altLang="en-US" sz="2000" smtClean="0">
-                <a:latin typeface="Courier New" panose="02070309020205020404" pitchFamily="49" charset="0"/>
-                <a:cs typeface="Courier New" panose="02070309020205020404" pitchFamily="49" charset="0"/>
-              </a:rPr>
-              <a:t> a = [[0, 1, 2], [0, 1, 2]]</a:t>
-            </a:r>
-          </a:p>
-          <a:p>
-            <a:pPr marL="0" indent="0" eaLnBrk="1" hangingPunct="1">
-              <a:buFont typeface="Arial" panose="020B0604020202020204" pitchFamily="34" charset="0"/>
-              <a:buNone/>
-            </a:pPr>
-            <a:r>
-              <a:rPr lang="en-GB" altLang="en-US" sz="2000" b="1" smtClean="0">
-                <a:latin typeface="Courier New" panose="02070309020205020404" pitchFamily="49" charset="0"/>
-                <a:cs typeface="Courier New" panose="02070309020205020404" pitchFamily="49" charset="0"/>
-              </a:rPr>
-              <a:t>&gt;&gt;&gt;</a:t>
-            </a:r>
-            <a:r>
-              <a:rPr lang="en-GB" altLang="en-US" sz="2000" smtClean="0">
-                <a:latin typeface="Courier New" panose="02070309020205020404" pitchFamily="49" charset="0"/>
-                <a:cs typeface="Courier New" panose="02070309020205020404" pitchFamily="49" charset="0"/>
-              </a:rPr>
-              <a:t> </a:t>
-            </a:r>
-            <a:r>
-              <a:rPr lang="en-GB" altLang="en-US" sz="2000" b="1" smtClean="0">
-                <a:latin typeface="Courier New" panose="02070309020205020404" pitchFamily="49" charset="0"/>
-                <a:cs typeface="Courier New" panose="02070309020205020404" pitchFamily="49" charset="0"/>
-              </a:rPr>
-              <a:t>print</a:t>
-            </a:r>
-            <a:r>
-              <a:rPr lang="en-GB" altLang="en-US" sz="2000" smtClean="0">
-                <a:latin typeface="Courier New" panose="02070309020205020404" pitchFamily="49" charset="0"/>
-                <a:cs typeface="Courier New" panose="02070309020205020404" pitchFamily="49" charset="0"/>
-              </a:rPr>
-              <a:t>(a)</a:t>
-            </a:r>
-          </a:p>
-          <a:p>
-            <a:pPr marL="0" indent="0" eaLnBrk="1" hangingPunct="1">
-              <a:buFont typeface="Arial" panose="020B0604020202020204" pitchFamily="34" charset="0"/>
-              <a:buNone/>
-            </a:pPr>
-            <a:r>
-              <a:rPr lang="en-GB" altLang="en-US" sz="2000" i="1" smtClean="0">
-                <a:solidFill>
-                  <a:srgbClr val="008000"/>
-                </a:solidFill>
-                <a:latin typeface="Courier New" panose="02070309020205020404" pitchFamily="49" charset="0"/>
-                <a:cs typeface="Courier New" panose="02070309020205020404" pitchFamily="49" charset="0"/>
-              </a:rPr>
-              <a:t>[[0, 1, 2], [0, 1, 2]]</a:t>
-            </a:r>
-          </a:p>
-          <a:p>
-            <a:pPr marL="0" indent="0" eaLnBrk="1" hangingPunct="1">
-              <a:buFont typeface="Arial" panose="020B0604020202020204" pitchFamily="34" charset="0"/>
-              <a:buNone/>
-            </a:pPr>
-            <a:r>
-              <a:rPr lang="en-GB" altLang="en-US" sz="2000" b="1" smtClean="0">
-                <a:latin typeface="Courier New" panose="02070309020205020404" pitchFamily="49" charset="0"/>
-                <a:cs typeface="Courier New" panose="02070309020205020404" pitchFamily="49" charset="0"/>
-              </a:rPr>
-              <a:t>&gt;&gt;&gt;</a:t>
-            </a:r>
-            <a:r>
-              <a:rPr lang="en-GB" altLang="en-US" sz="2000" smtClean="0">
-                <a:latin typeface="Courier New" panose="02070309020205020404" pitchFamily="49" charset="0"/>
-                <a:cs typeface="Courier New" panose="02070309020205020404" pitchFamily="49" charset="0"/>
-              </a:rPr>
-              <a:t> b = a[1]</a:t>
-            </a:r>
-          </a:p>
-          <a:p>
-            <a:pPr marL="0" indent="0" eaLnBrk="1" hangingPunct="1">
-              <a:buFont typeface="Arial" panose="020B0604020202020204" pitchFamily="34" charset="0"/>
-              <a:buNone/>
-            </a:pPr>
-            <a:r>
-              <a:rPr lang="en-GB" altLang="en-US" sz="2000" b="1" smtClean="0">
-                <a:latin typeface="Courier New" panose="02070309020205020404" pitchFamily="49" charset="0"/>
-                <a:cs typeface="Courier New" panose="02070309020205020404" pitchFamily="49" charset="0"/>
-              </a:rPr>
-              <a:t>&gt;&gt;&gt;</a:t>
-            </a:r>
-            <a:r>
-              <a:rPr lang="en-GB" altLang="en-US" sz="2000" smtClean="0">
-                <a:latin typeface="Courier New" panose="02070309020205020404" pitchFamily="49" charset="0"/>
-                <a:cs typeface="Courier New" panose="02070309020205020404" pitchFamily="49" charset="0"/>
-              </a:rPr>
-              <a:t> </a:t>
-            </a:r>
-            <a:r>
-              <a:rPr lang="en-GB" altLang="en-US" sz="2000" b="1" smtClean="0">
-                <a:latin typeface="Courier New" panose="02070309020205020404" pitchFamily="49" charset="0"/>
-                <a:cs typeface="Courier New" panose="02070309020205020404" pitchFamily="49" charset="0"/>
-              </a:rPr>
-              <a:t>print</a:t>
-            </a:r>
-            <a:r>
-              <a:rPr lang="en-GB" altLang="en-US" sz="2000" smtClean="0">
-                <a:latin typeface="Courier New" panose="02070309020205020404" pitchFamily="49" charset="0"/>
-                <a:cs typeface="Courier New" panose="02070309020205020404" pitchFamily="49" charset="0"/>
-              </a:rPr>
-              <a:t>(b)</a:t>
-            </a:r>
-          </a:p>
-          <a:p>
-            <a:pPr marL="0" indent="0" eaLnBrk="1" hangingPunct="1">
-              <a:buFont typeface="Arial" panose="020B0604020202020204" pitchFamily="34" charset="0"/>
-              <a:buNone/>
-            </a:pPr>
-            <a:r>
-              <a:rPr lang="en-GB" altLang="en-US" sz="2000" i="1" smtClean="0">
-                <a:solidFill>
-                  <a:srgbClr val="008000"/>
-                </a:solidFill>
-                <a:latin typeface="Courier New" panose="02070309020205020404" pitchFamily="49" charset="0"/>
-                <a:cs typeface="Courier New" panose="02070309020205020404" pitchFamily="49" charset="0"/>
-              </a:rPr>
-              <a:t>[0, 1, 2]</a:t>
-            </a:r>
-          </a:p>
-          <a:p>
-            <a:pPr marL="0" indent="0" eaLnBrk="1" hangingPunct="1">
-              <a:buFont typeface="Arial" panose="020B0604020202020204" pitchFamily="34" charset="0"/>
-              <a:buNone/>
-            </a:pPr>
-            <a:r>
-              <a:rPr lang="en-GB" altLang="en-US" sz="2000" b="1" smtClean="0">
-                <a:latin typeface="Courier New" panose="02070309020205020404" pitchFamily="49" charset="0"/>
-                <a:cs typeface="Courier New" panose="02070309020205020404" pitchFamily="49" charset="0"/>
-              </a:rPr>
-              <a:t>&gt;&gt;&gt;</a:t>
-            </a:r>
-            <a:r>
-              <a:rPr lang="en-GB" altLang="en-US" sz="2000" smtClean="0">
-                <a:latin typeface="Courier New" panose="02070309020205020404" pitchFamily="49" charset="0"/>
-                <a:cs typeface="Courier New" panose="02070309020205020404" pitchFamily="49" charset="0"/>
-              </a:rPr>
-              <a:t> b[1] = 'hello'</a:t>
-            </a:r>
-          </a:p>
-          <a:p>
-            <a:pPr marL="0" indent="0" eaLnBrk="1" hangingPunct="1">
-              <a:buFont typeface="Arial" panose="020B0604020202020204" pitchFamily="34" charset="0"/>
-              <a:buNone/>
-            </a:pPr>
-            <a:r>
-              <a:rPr lang="en-GB" altLang="en-US" sz="2000" b="1" smtClean="0">
-                <a:latin typeface="Courier New" panose="02070309020205020404" pitchFamily="49" charset="0"/>
-                <a:cs typeface="Courier New" panose="02070309020205020404" pitchFamily="49" charset="0"/>
-              </a:rPr>
-              <a:t>&gt;&gt;&gt;</a:t>
-            </a:r>
-            <a:r>
-              <a:rPr lang="en-GB" altLang="en-US" sz="2000" smtClean="0">
-                <a:latin typeface="Courier New" panose="02070309020205020404" pitchFamily="49" charset="0"/>
-                <a:cs typeface="Courier New" panose="02070309020205020404" pitchFamily="49" charset="0"/>
-              </a:rPr>
-              <a:t> </a:t>
-            </a:r>
-            <a:r>
-              <a:rPr lang="en-GB" altLang="en-US" sz="2000" b="1" smtClean="0">
-                <a:latin typeface="Courier New" panose="02070309020205020404" pitchFamily="49" charset="0"/>
-                <a:cs typeface="Courier New" panose="02070309020205020404" pitchFamily="49" charset="0"/>
-              </a:rPr>
-              <a:t>print</a:t>
-            </a:r>
-            <a:r>
-              <a:rPr lang="en-GB" altLang="en-US" sz="2000" smtClean="0">
-                <a:latin typeface="Courier New" panose="02070309020205020404" pitchFamily="49" charset="0"/>
-                <a:cs typeface="Courier New" panose="02070309020205020404" pitchFamily="49" charset="0"/>
-              </a:rPr>
-              <a:t>(b)</a:t>
-            </a:r>
-          </a:p>
-          <a:p>
-            <a:pPr marL="0" indent="0" eaLnBrk="1" hangingPunct="1">
-              <a:buFont typeface="Arial" panose="020B0604020202020204" pitchFamily="34" charset="0"/>
-              <a:buNone/>
-            </a:pPr>
-            <a:r>
-              <a:rPr lang="en-GB" altLang="en-US" sz="2000" i="1" smtClean="0">
-                <a:solidFill>
-                  <a:srgbClr val="008000"/>
-                </a:solidFill>
-                <a:latin typeface="Courier New" panose="02070309020205020404" pitchFamily="49" charset="0"/>
-                <a:cs typeface="Courier New" panose="02070309020205020404" pitchFamily="49" charset="0"/>
-              </a:rPr>
-              <a:t>[0, 'hello', 2]</a:t>
-            </a:r>
-          </a:p>
-          <a:p>
-            <a:pPr marL="0" indent="0" eaLnBrk="1" hangingPunct="1">
-              <a:buFont typeface="Arial" panose="020B0604020202020204" pitchFamily="34" charset="0"/>
-              <a:buNone/>
-            </a:pPr>
-            <a:r>
-              <a:rPr lang="en-GB" altLang="en-US" sz="2000" b="1" smtClean="0">
-                <a:latin typeface="Courier New" panose="02070309020205020404" pitchFamily="49" charset="0"/>
-                <a:cs typeface="Courier New" panose="02070309020205020404" pitchFamily="49" charset="0"/>
-              </a:rPr>
-              <a:t>&gt;&gt;&gt;</a:t>
-            </a:r>
-            <a:r>
-              <a:rPr lang="en-GB" altLang="en-US" sz="2000" smtClean="0">
-                <a:latin typeface="Courier New" panose="02070309020205020404" pitchFamily="49" charset="0"/>
-                <a:cs typeface="Courier New" panose="02070309020205020404" pitchFamily="49" charset="0"/>
-              </a:rPr>
-              <a:t> </a:t>
-            </a:r>
-            <a:r>
-              <a:rPr lang="en-GB" altLang="en-US" sz="2000" b="1" smtClean="0">
-                <a:latin typeface="Courier New" panose="02070309020205020404" pitchFamily="49" charset="0"/>
-                <a:cs typeface="Courier New" panose="02070309020205020404" pitchFamily="49" charset="0"/>
-              </a:rPr>
-              <a:t>print</a:t>
-            </a:r>
-            <a:r>
-              <a:rPr lang="en-GB" altLang="en-US" sz="2000" smtClean="0">
-                <a:latin typeface="Courier New" panose="02070309020205020404" pitchFamily="49" charset="0"/>
-                <a:cs typeface="Courier New" panose="02070309020205020404" pitchFamily="49" charset="0"/>
-              </a:rPr>
-              <a:t>(a)</a:t>
-            </a:r>
-          </a:p>
-          <a:p>
-            <a:pPr marL="0" indent="0" eaLnBrk="1" hangingPunct="1">
-              <a:buFont typeface="Arial" panose="020B0604020202020204" pitchFamily="34" charset="0"/>
-              <a:buNone/>
-            </a:pPr>
-            <a:r>
-              <a:rPr lang="en-GB" altLang="en-US" sz="2000" i="1" smtClean="0">
-                <a:solidFill>
-                  <a:srgbClr val="008000"/>
-                </a:solidFill>
-                <a:latin typeface="Courier New" panose="02070309020205020404" pitchFamily="49" charset="0"/>
-                <a:cs typeface="Courier New" panose="02070309020205020404" pitchFamily="49" charset="0"/>
-              </a:rPr>
-              <a:t>[[0, 1, 2], [0, 'hello', 2]]</a:t>
-            </a:r>
-          </a:p>
-        </p:txBody>
-      </p:sp>
-    </p:spTree>
-  </p:cSld>
-  <p:clrMapOvr>
-    <a:masterClrMapping/>
-  </p:clrMapOvr>
-  <p:timing>
-    <p:tnLst>
-      <p:par>
-        <p:cTn id="1" dur="indefinite" restart="never" nodeType="tmRoot"/>
-      </p:par>
-    </p:tnLst>
-  </p:timing>
-</p:sld>
-</file>
-
-<file path=ppt/slides/slide3.xml><?xml version="1.0" encoding="utf-8"?>
-<p:sld xmlns:a="http://schemas.openxmlformats.org/drawingml/2006/main" xmlns:r="http://schemas.openxmlformats.org/officeDocument/2006/relationships" xmlns:p="http://schemas.openxmlformats.org/presentationml/2006/main">
-  <p:cSld>
-    <p:spTree>
-      <p:nvGrpSpPr>
-        <p:cNvPr id="1" name=""/>
-        <p:cNvGrpSpPr/>
-        <p:nvPr/>
-      </p:nvGrpSpPr>
-      <p:grpSpPr>
-        <a:xfrm>
-          <a:off x="0" y="0"/>
-          <a:ext cx="0" cy="0"/>
-          <a:chOff x="0" y="0"/>
-          <a:chExt cx="0" cy="0"/>
-        </a:xfrm>
-      </p:grpSpPr>
-      <p:sp>
-        <p:nvSpPr>
-          <p:cNvPr id="14338" name="Title 1"/>
-          <p:cNvSpPr>
-            <a:spLocks noGrp="1"/>
-          </p:cNvSpPr>
-          <p:nvPr>
-            <p:ph type="title"/>
-          </p:nvPr>
-        </p:nvSpPr>
-        <p:spPr>
-          <a:xfrm>
-            <a:off x="257175" y="-100013"/>
-            <a:ext cx="8451850" cy="1431926"/>
-          </a:xfrm>
-        </p:spPr>
-        <p:txBody>
-          <a:bodyPr/>
-          <a:lstStyle/>
-          <a:p>
-            <a:pPr eaLnBrk="1" hangingPunct="1"/>
-            <a:r>
-              <a:rPr lang="en-US" altLang="en-US" smtClean="0"/>
-              <a:t>Aliasing - why?</a:t>
-            </a:r>
-            <a:endParaRPr lang="en-GB" altLang="en-US" smtClean="0"/>
-          </a:p>
-        </p:txBody>
-      </p:sp>
-      <p:sp>
-        <p:nvSpPr>
-          <p:cNvPr id="4099" name="Content Placeholder 2"/>
-          <p:cNvSpPr>
-            <a:spLocks noGrp="1"/>
-          </p:cNvSpPr>
-          <p:nvPr>
-            <p:ph idx="1"/>
-          </p:nvPr>
-        </p:nvSpPr>
-        <p:spPr>
-          <a:xfrm>
-            <a:off x="468313" y="1125538"/>
-            <a:ext cx="8207375" cy="4679950"/>
-          </a:xfrm>
-        </p:spPr>
-        <p:txBody>
-          <a:bodyPr rtlCol="0">
-            <a:normAutofit/>
-          </a:bodyPr>
-          <a:lstStyle/>
-          <a:p>
-            <a:pPr marL="0" indent="0" eaLnBrk="1" fontAlgn="auto" hangingPunct="1">
-              <a:spcAft>
-                <a:spcPts val="0"/>
-              </a:spcAft>
-              <a:buFont typeface="Arial" panose="020B0604020202020204" pitchFamily="34" charset="0"/>
-              <a:buNone/>
-              <a:defRPr/>
-            </a:pPr>
-            <a:r>
-              <a:rPr lang="en-GB" dirty="0" smtClean="0"/>
-              <a:t>Why would aliasing be useful in a programming language?</a:t>
-            </a:r>
-          </a:p>
-          <a:p>
-            <a:pPr eaLnBrk="1" fontAlgn="auto" hangingPunct="1">
-              <a:spcAft>
-                <a:spcPts val="0"/>
-              </a:spcAft>
-              <a:defRPr/>
-            </a:pPr>
-            <a:r>
-              <a:rPr lang="en-GB" dirty="0" smtClean="0"/>
-              <a:t>Efficiency - especially with "big" arrays</a:t>
-            </a:r>
-          </a:p>
-          <a:p>
-            <a:pPr eaLnBrk="1" fontAlgn="auto" hangingPunct="1">
-              <a:spcAft>
-                <a:spcPts val="0"/>
-              </a:spcAft>
-              <a:defRPr/>
-            </a:pPr>
-            <a:r>
-              <a:rPr lang="en-GB" dirty="0" smtClean="0"/>
-              <a:t>Sometimes you want to be able to assign a variable to a sub-component of another variable (such as a list, array, dictionary or more complex object) - and to </a:t>
-            </a:r>
-            <a:r>
-              <a:rPr lang="en-GB" i="1" dirty="0" smtClean="0"/>
-              <a:t>change</a:t>
-            </a:r>
-            <a:r>
-              <a:rPr lang="en-GB" dirty="0" smtClean="0"/>
-              <a:t> it.</a:t>
-            </a:r>
-          </a:p>
-          <a:p>
-            <a:pPr eaLnBrk="1" fontAlgn="auto" hangingPunct="1">
-              <a:spcAft>
-                <a:spcPts val="0"/>
-              </a:spcAft>
-              <a:defRPr/>
-            </a:pPr>
-            <a:endParaRPr lang="en-GB" dirty="0" smtClean="0"/>
-          </a:p>
-        </p:txBody>
-      </p:sp>
-    </p:spTree>
-  </p:cSld>
-  <p:clrMapOvr>
-    <a:masterClrMapping/>
-  </p:clrMapOvr>
-  <p:timing>
-    <p:tnLst>
-      <p:par>
-        <p:cTn id="1" dur="indefinite" restart="never" nodeType="tmRoot"/>
-      </p:par>
-    </p:tnLst>
-  </p:timing>
-</p:sld>
-</file>
-
-<file path=ppt/slides/slide4.xml><?xml version="1.0" encoding="utf-8"?>
+<file path=ppt/slides/slide10.xml><?xml version="1.0" encoding="utf-8"?>
 <p:sld xmlns:a="http://schemas.openxmlformats.org/drawingml/2006/main" xmlns:r="http://schemas.openxmlformats.org/officeDocument/2006/relationships" xmlns:p="http://schemas.openxmlformats.org/presentationml/2006/main">
   <p:cSld>
     <p:spTree>
@@ -4475,7 +5683,7 @@
           <a:p>
             <a:pPr algn="l" eaLnBrk="1" hangingPunct="1"/>
             <a:r>
-              <a:rPr lang="en-GB" altLang="en-US" dirty="0" smtClean="0"/>
+              <a:rPr lang="en-GB" altLang="en-US" dirty="0"/>
               <a:t>An example? (1)</a:t>
             </a:r>
           </a:p>
@@ -4506,23 +5714,15 @@
               <a:buNone/>
             </a:pPr>
             <a:r>
-              <a:rPr lang="en-GB" altLang="en-US" dirty="0" smtClean="0"/>
-              <a:t>Imagine you have a </a:t>
-            </a:r>
-            <a:r>
-              <a:rPr lang="en-GB" altLang="en-US" dirty="0" smtClean="0"/>
-              <a:t>massive</a:t>
+              <a:rPr lang="en-GB" altLang="en-US" dirty="0"/>
+              <a:t>Imagine you have a massive</a:t>
             </a:r>
             <a:br>
-              <a:rPr lang="en-GB" altLang="en-US" dirty="0" smtClean="0"/>
+              <a:rPr lang="en-GB" altLang="en-US" dirty="0"/>
             </a:br>
             <a:r>
-              <a:rPr lang="en-GB" altLang="en-US" dirty="0" smtClean="0"/>
-              <a:t> </a:t>
-            </a:r>
-            <a:r>
-              <a:rPr lang="en-GB" altLang="en-US" dirty="0" smtClean="0"/>
-              <a:t>data array of temperatures:</a:t>
+              <a:rPr lang="en-GB" altLang="en-US" dirty="0"/>
+              <a:t> data array of temperatures:</a:t>
             </a:r>
           </a:p>
           <a:p>
@@ -4530,7 +5730,7 @@
               <a:buFont typeface="Arial" panose="020B0604020202020204" pitchFamily="34" charset="0"/>
               <a:buNone/>
             </a:pPr>
-            <a:endParaRPr lang="en-GB" altLang="en-US" sz="1400" dirty="0" smtClean="0"/>
+            <a:endParaRPr lang="en-GB" altLang="en-US" sz="1400" dirty="0"/>
           </a:p>
           <a:p>
             <a:pPr marL="0" indent="0" eaLnBrk="1" hangingPunct="1">
@@ -4538,14 +5738,14 @@
               <a:buNone/>
             </a:pPr>
             <a:r>
-              <a:rPr lang="fr-FR" altLang="en-US" sz="2400" b="1" dirty="0" smtClean="0">
+              <a:rPr lang="fr-FR" altLang="en-US" sz="2400" b="1" dirty="0">
                 <a:latin typeface="Courier New" panose="02070309020205020404" pitchFamily="49" charset="0"/>
                 <a:cs typeface="Courier New" panose="02070309020205020404" pitchFamily="49" charset="0"/>
               </a:rPr>
               <a:t>&gt;&gt;&gt;</a:t>
             </a:r>
             <a:r>
-              <a:rPr lang="fr-FR" altLang="en-US" sz="2400" dirty="0" smtClean="0">
+              <a:rPr lang="fr-FR" altLang="en-US" sz="2400" dirty="0">
                 <a:latin typeface="Courier New" panose="02070309020205020404" pitchFamily="49" charset="0"/>
                 <a:cs typeface="Courier New" panose="02070309020205020404" pitchFamily="49" charset="0"/>
               </a:rPr>
@@ -4557,7 +5757,7 @@
               <a:buFont typeface="Arial" panose="020B0604020202020204" pitchFamily="34" charset="0"/>
               <a:buNone/>
             </a:pPr>
-            <a:endParaRPr lang="fr-FR" altLang="en-US" sz="1200" dirty="0" smtClean="0"/>
+            <a:endParaRPr lang="fr-FR" altLang="en-US" sz="1200" dirty="0"/>
           </a:p>
           <a:p>
             <a:pPr marL="0" indent="0" eaLnBrk="1" hangingPunct="1">
@@ -4565,43 +5765,43 @@
               <a:buNone/>
             </a:pPr>
             <a:r>
-              <a:rPr lang="fr-FR" altLang="en-US" dirty="0" err="1" smtClean="0"/>
+              <a:rPr lang="fr-FR" altLang="en-US" dirty="0" err="1"/>
               <a:t>Each</a:t>
             </a:r>
             <a:r>
-              <a:rPr lang="fr-FR" altLang="en-US" dirty="0" smtClean="0"/>
+              <a:rPr lang="fr-FR" altLang="en-US" dirty="0"/>
               <a:t> </a:t>
             </a:r>
             <a:r>
-              <a:rPr lang="fr-FR" altLang="en-US" dirty="0" err="1" smtClean="0"/>
+              <a:rPr lang="fr-FR" altLang="en-US" dirty="0" err="1"/>
               <a:t>sub-list</a:t>
             </a:r>
             <a:r>
-              <a:rPr lang="fr-FR" altLang="en-US" dirty="0" smtClean="0"/>
+              <a:rPr lang="fr-FR" altLang="en-US" dirty="0"/>
               <a:t> </a:t>
             </a:r>
             <a:r>
-              <a:rPr lang="fr-FR" altLang="en-US" dirty="0" err="1" smtClean="0"/>
+              <a:rPr lang="fr-FR" altLang="en-US" dirty="0" err="1"/>
               <a:t>contains</a:t>
             </a:r>
             <a:r>
-              <a:rPr lang="fr-FR" altLang="en-US" dirty="0" smtClean="0"/>
+              <a:rPr lang="fr-FR" altLang="en-US" dirty="0"/>
               <a:t> </a:t>
             </a:r>
             <a:r>
-              <a:rPr lang="fr-FR" altLang="en-US" dirty="0" err="1" smtClean="0"/>
+              <a:rPr lang="fr-FR" altLang="en-US" dirty="0" err="1"/>
               <a:t>temperatures</a:t>
             </a:r>
             <a:r>
-              <a:rPr lang="fr-FR" altLang="en-US" dirty="0" smtClean="0"/>
+              <a:rPr lang="fr-FR" altLang="en-US" dirty="0"/>
               <a:t> for a </a:t>
             </a:r>
             <a:r>
-              <a:rPr lang="fr-FR" altLang="en-US" dirty="0" err="1" smtClean="0"/>
+              <a:rPr lang="fr-FR" altLang="en-US" dirty="0" err="1"/>
               <a:t>given</a:t>
             </a:r>
             <a:r>
-              <a:rPr lang="fr-FR" altLang="en-US" dirty="0" smtClean="0"/>
+              <a:rPr lang="fr-FR" altLang="en-US" dirty="0"/>
               <a:t> longitude.</a:t>
             </a:r>
           </a:p>
@@ -4610,7 +5810,7 @@
               <a:buFont typeface="Arial" panose="020B0604020202020204" pitchFamily="34" charset="0"/>
               <a:buNone/>
             </a:pPr>
-            <a:endParaRPr lang="fr-FR" altLang="en-US" sz="1600" dirty="0" smtClean="0"/>
+            <a:endParaRPr lang="fr-FR" altLang="en-US" sz="1600" dirty="0"/>
           </a:p>
           <a:p>
             <a:pPr marL="0" indent="0" eaLnBrk="1" hangingPunct="1">
@@ -4618,75 +5818,75 @@
               <a:buNone/>
             </a:pPr>
             <a:r>
-              <a:rPr lang="fr-FR" altLang="en-US" dirty="0" err="1" smtClean="0"/>
+              <a:rPr lang="fr-FR" altLang="en-US" dirty="0" err="1"/>
               <a:t>Let's</a:t>
             </a:r>
             <a:r>
-              <a:rPr lang="fr-FR" altLang="en-US" dirty="0" smtClean="0"/>
+              <a:rPr lang="fr-FR" altLang="en-US" dirty="0"/>
               <a:t> </a:t>
             </a:r>
             <a:r>
-              <a:rPr lang="fr-FR" altLang="en-US" dirty="0" err="1" smtClean="0"/>
+              <a:rPr lang="fr-FR" altLang="en-US" dirty="0" err="1"/>
               <a:t>assign</a:t>
             </a:r>
             <a:r>
-              <a:rPr lang="fr-FR" altLang="en-US" dirty="0" smtClean="0"/>
+              <a:rPr lang="fr-FR" altLang="en-US" dirty="0"/>
               <a:t> a variable to the first </a:t>
             </a:r>
             <a:r>
-              <a:rPr lang="fr-FR" altLang="en-US" dirty="0" err="1" smtClean="0"/>
+              <a:rPr lang="fr-FR" altLang="en-US" dirty="0" err="1"/>
               <a:t>sub-list</a:t>
             </a:r>
             <a:r>
-              <a:rPr lang="fr-FR" altLang="en-US" dirty="0" smtClean="0"/>
+              <a:rPr lang="fr-FR" altLang="en-US" dirty="0"/>
               <a:t> </a:t>
             </a:r>
             <a:r>
-              <a:rPr lang="fr-FR" altLang="en-US" dirty="0" err="1" smtClean="0"/>
+              <a:rPr lang="fr-FR" altLang="en-US" dirty="0" err="1"/>
               <a:t>because</a:t>
             </a:r>
             <a:r>
-              <a:rPr lang="fr-FR" altLang="en-US" dirty="0" smtClean="0"/>
+              <a:rPr lang="fr-FR" altLang="en-US" dirty="0"/>
               <a:t> </a:t>
             </a:r>
             <a:r>
-              <a:rPr lang="fr-FR" altLang="en-US" dirty="0" err="1" smtClean="0"/>
+              <a:rPr lang="fr-FR" altLang="en-US" dirty="0" err="1"/>
               <a:t>we</a:t>
             </a:r>
             <a:r>
-              <a:rPr lang="fr-FR" altLang="en-US" dirty="0" smtClean="0"/>
+              <a:rPr lang="fr-FR" altLang="en-US" dirty="0"/>
               <a:t> </a:t>
             </a:r>
             <a:r>
-              <a:rPr lang="fr-FR" altLang="en-US" dirty="0" err="1" smtClean="0"/>
+              <a:rPr lang="fr-FR" altLang="en-US" dirty="0" err="1"/>
               <a:t>want</a:t>
             </a:r>
             <a:r>
-              <a:rPr lang="fr-FR" altLang="en-US" dirty="0" smtClean="0"/>
+              <a:rPr lang="fr-FR" altLang="en-US" dirty="0"/>
               <a:t> to </a:t>
             </a:r>
             <a:r>
-              <a:rPr lang="fr-FR" altLang="en-US" dirty="0" err="1" smtClean="0"/>
+              <a:rPr lang="fr-FR" altLang="en-US" dirty="0" err="1"/>
               <a:t>process</a:t>
             </a:r>
             <a:r>
-              <a:rPr lang="fr-FR" altLang="en-US" dirty="0" smtClean="0"/>
+              <a:rPr lang="fr-FR" altLang="en-US" dirty="0"/>
               <a:t>/</a:t>
             </a:r>
             <a:r>
-              <a:rPr lang="fr-FR" altLang="en-US" dirty="0" err="1" smtClean="0"/>
+              <a:rPr lang="fr-FR" altLang="en-US" dirty="0" err="1"/>
               <a:t>modify</a:t>
             </a:r>
             <a:r>
-              <a:rPr lang="fr-FR" altLang="en-US" dirty="0" smtClean="0"/>
+              <a:rPr lang="fr-FR" altLang="en-US" dirty="0"/>
               <a:t> </a:t>
             </a:r>
             <a:r>
-              <a:rPr lang="fr-FR" altLang="en-US" dirty="0" err="1" smtClean="0"/>
+              <a:rPr lang="fr-FR" altLang="en-US" dirty="0" err="1"/>
               <a:t>it</a:t>
             </a:r>
             <a:r>
-              <a:rPr lang="fr-FR" altLang="en-US" dirty="0" smtClean="0"/>
+              <a:rPr lang="fr-FR" altLang="en-US" dirty="0"/>
               <a:t>:</a:t>
             </a:r>
           </a:p>
@@ -4696,14 +5896,14 @@
               <a:buNone/>
             </a:pPr>
             <a:r>
-              <a:rPr lang="fr-FR" altLang="en-US" sz="2400" b="1" dirty="0" smtClean="0">
+              <a:rPr lang="fr-FR" altLang="en-US" sz="2400" b="1" dirty="0">
                 <a:latin typeface="Courier New" panose="02070309020205020404" pitchFamily="49" charset="0"/>
                 <a:cs typeface="Courier New" panose="02070309020205020404" pitchFamily="49" charset="0"/>
               </a:rPr>
               <a:t>&gt;&gt;&gt;</a:t>
             </a:r>
             <a:r>
-              <a:rPr lang="fr-FR" altLang="en-US" sz="2400" dirty="0" smtClean="0">
+              <a:rPr lang="fr-FR" altLang="en-US" sz="2400" dirty="0">
                 <a:latin typeface="Courier New" panose="02070309020205020404" pitchFamily="49" charset="0"/>
                 <a:cs typeface="Courier New" panose="02070309020205020404" pitchFamily="49" charset="0"/>
               </a:rPr>
@@ -4766,17 +5966,17 @@
                     <a:lstStyle/>
                     <a:p>
                       <a:r>
-                        <a:rPr lang="en-GB" b="1" dirty="0" smtClean="0">
+                        <a:rPr lang="en-GB" b="1" dirty="0">
                           <a:latin typeface="Bahnschrift" panose="020B0502040204020203" pitchFamily="34" charset="0"/>
                         </a:rPr>
                         <a:t> </a:t>
                       </a:r>
                       <a:r>
-                        <a:rPr lang="en-GB" b="1" dirty="0" smtClean="0"/>
+                        <a:rPr lang="en-GB" b="1" dirty="0"/>
                         <a:t>Latitude</a:t>
                       </a:r>
                       <a:r>
-                        <a:rPr lang="en-GB" b="1" baseline="0" dirty="0" smtClean="0"/>
+                        <a:rPr lang="en-GB" b="1" baseline="0" dirty="0"/>
                         <a:t> \ Longitude </a:t>
                       </a:r>
                       <a:endParaRPr lang="en-GB" b="1" dirty="0"/>
@@ -4827,10 +6027,9 @@
                     <a:lstStyle/>
                     <a:p>
                       <a:r>
-                        <a:rPr lang="en-GB" b="1" dirty="0" smtClean="0"/>
+                        <a:rPr lang="en-GB" b="1" dirty="0"/>
                         <a:t>10°E</a:t>
                       </a:r>
-                      <a:endParaRPr lang="en-GB" b="1" dirty="0"/>
                     </a:p>
                   </a:txBody>
                   <a:tcPr>
@@ -4895,7 +6094,7 @@
                         <a:defRPr/>
                       </a:pPr>
                       <a:r>
-                        <a:rPr lang="en-GB" b="1" dirty="0" smtClean="0"/>
+                        <a:rPr lang="en-GB" b="1" dirty="0"/>
                         <a:t>20°E</a:t>
                       </a:r>
                     </a:p>
@@ -4969,10 +6168,9 @@
                         <a:defRPr/>
                       </a:pPr>
                       <a:r>
-                        <a:rPr lang="en-GB" b="1" dirty="0" smtClean="0"/>
+                        <a:rPr lang="en-GB" b="1" dirty="0"/>
                         <a:t>60°N</a:t>
                       </a:r>
-                      <a:endParaRPr lang="en-GB" b="1" dirty="0" smtClean="0"/>
                     </a:p>
                   </a:txBody>
                   <a:tcPr>
@@ -5020,10 +6218,9 @@
                     <a:lstStyle/>
                     <a:p>
                       <a:r>
-                        <a:rPr lang="en-GB" dirty="0" smtClean="0"/>
+                        <a:rPr lang="en-GB" dirty="0"/>
                         <a:t>14</a:t>
                       </a:r>
-                      <a:endParaRPr lang="en-GB" dirty="0"/>
                     </a:p>
                   </a:txBody>
                   <a:tcPr>
@@ -5071,10 +6268,9 @@
                     <a:lstStyle/>
                     <a:p>
                       <a:r>
-                        <a:rPr lang="en-GB" dirty="0" smtClean="0"/>
+                        <a:rPr lang="en-GB" dirty="0"/>
                         <a:t>13</a:t>
                       </a:r>
-                      <a:endParaRPr lang="en-GB" dirty="0"/>
                     </a:p>
                   </a:txBody>
                   <a:tcPr>
@@ -5146,7 +6342,7 @@
                         <a:defRPr/>
                       </a:pPr>
                       <a:r>
-                        <a:rPr lang="en-GB" b="1" dirty="0" smtClean="0"/>
+                        <a:rPr lang="en-GB" b="1" dirty="0"/>
                         <a:t>50°N</a:t>
                       </a:r>
                     </a:p>
@@ -5196,10 +6392,9 @@
                     <a:lstStyle/>
                     <a:p>
                       <a:r>
-                        <a:rPr lang="en-GB" dirty="0" smtClean="0"/>
+                        <a:rPr lang="en-GB" dirty="0"/>
                         <a:t>16</a:t>
                       </a:r>
-                      <a:endParaRPr lang="en-GB" dirty="0"/>
                     </a:p>
                   </a:txBody>
                   <a:tcPr>
@@ -5247,10 +6442,9 @@
                     <a:lstStyle/>
                     <a:p>
                       <a:r>
-                        <a:rPr lang="en-GB" dirty="0" smtClean="0"/>
+                        <a:rPr lang="en-GB" dirty="0"/>
                         <a:t>15</a:t>
                       </a:r>
-                      <a:endParaRPr lang="en-GB" dirty="0"/>
                     </a:p>
                   </a:txBody>
                   <a:tcPr>
@@ -5322,7 +6516,7 @@
                         <a:defRPr/>
                       </a:pPr>
                       <a:r>
-                        <a:rPr lang="en-GB" b="1" dirty="0" smtClean="0"/>
+                        <a:rPr lang="en-GB" b="1" dirty="0"/>
                         <a:t>40°N</a:t>
                       </a:r>
                     </a:p>
@@ -5372,10 +6566,9 @@
                     <a:lstStyle/>
                     <a:p>
                       <a:r>
-                        <a:rPr lang="en-GB" dirty="0" smtClean="0"/>
+                        <a:rPr lang="en-GB" dirty="0"/>
                         <a:t>34</a:t>
                       </a:r>
-                      <a:endParaRPr lang="en-GB" dirty="0"/>
                     </a:p>
                   </a:txBody>
                   <a:tcPr>
@@ -5423,10 +6616,9 @@
                     <a:lstStyle/>
                     <a:p>
                       <a:r>
-                        <a:rPr lang="en-GB" dirty="0" smtClean="0"/>
+                        <a:rPr lang="en-GB" dirty="0"/>
                         <a:t>21</a:t>
                       </a:r>
-                      <a:endParaRPr lang="en-GB" dirty="0"/>
                     </a:p>
                   </a:txBody>
                   <a:tcPr>
@@ -5483,17 +6675,10 @@
   <p:clrMapOvr>
     <a:masterClrMapping/>
   </p:clrMapOvr>
-  <p:timing>
-    <p:tnLst>
-      <p:par>
-        <p:cTn id="1" dur="indefinite" restart="never" nodeType="tmRoot"/>
-      </p:par>
-    </p:tnLst>
-  </p:timing>
 </p:sld>
 </file>
 
-<file path=ppt/slides/slide5.xml><?xml version="1.0" encoding="utf-8"?>
+<file path=ppt/slides/slide11.xml><?xml version="1.0" encoding="utf-8"?>
 <p:sld xmlns:a="http://schemas.openxmlformats.org/drawingml/2006/main" xmlns:r="http://schemas.openxmlformats.org/officeDocument/2006/relationships" xmlns:p="http://schemas.openxmlformats.org/presentationml/2006/main">
   <p:cSld>
     <p:spTree>
@@ -5532,7 +6717,7 @@
           <a:p>
             <a:pPr eaLnBrk="1" hangingPunct="1"/>
             <a:r>
-              <a:rPr lang="en-GB" altLang="en-US" smtClean="0"/>
+              <a:rPr lang="en-GB" altLang="en-US"/>
               <a:t>An example? (2)</a:t>
             </a:r>
           </a:p>
@@ -5563,14 +6748,14 @@
               <a:buNone/>
             </a:pPr>
             <a:r>
-              <a:rPr lang="fr-FR" altLang="en-US" sz="2400" b="1" smtClean="0">
+              <a:rPr lang="fr-FR" altLang="en-US" sz="2400" b="1">
                 <a:latin typeface="Courier New" panose="02070309020205020404" pitchFamily="49" charset="0"/>
                 <a:cs typeface="Courier New" panose="02070309020205020404" pitchFamily="49" charset="0"/>
               </a:rPr>
               <a:t>&gt;&gt;&gt; print</a:t>
             </a:r>
             <a:r>
-              <a:rPr lang="fr-FR" altLang="en-US" sz="2400" smtClean="0">
+              <a:rPr lang="fr-FR" altLang="en-US" sz="2400">
                 <a:latin typeface="Courier New" panose="02070309020205020404" pitchFamily="49" charset="0"/>
                 <a:cs typeface="Courier New" panose="02070309020205020404" pitchFamily="49" charset="0"/>
               </a:rPr>
@@ -5583,7 +6768,7 @@
               <a:buNone/>
             </a:pPr>
             <a:r>
-              <a:rPr lang="fr-FR" altLang="en-US" sz="2400" i="1" smtClean="0">
+              <a:rPr lang="fr-FR" altLang="en-US" sz="2400" i="1">
                 <a:solidFill>
                   <a:srgbClr val="008000"/>
                 </a:solidFill>
@@ -5598,7 +6783,7 @@
               <a:buFont typeface="Arial" panose="020B0604020202020204" pitchFamily="34" charset="0"/>
               <a:buNone/>
             </a:pPr>
-            <a:endParaRPr lang="fr-FR" altLang="en-US" sz="1200" smtClean="0"/>
+            <a:endParaRPr lang="fr-FR" altLang="en-US" sz="1200"/>
           </a:p>
           <a:p>
             <a:pPr marL="0" indent="0" eaLnBrk="1" hangingPunct="1">
@@ -5606,15 +6791,15 @@
               <a:buNone/>
             </a:pPr>
             <a:r>
-              <a:rPr lang="fr-FR" altLang="en-US" smtClean="0"/>
+              <a:rPr lang="fr-FR" altLang="en-US"/>
               <a:t>Let's change some values and see the effect on the overall variable </a:t>
             </a:r>
             <a:r>
-              <a:rPr lang="fr-FR" altLang="en-US" i="1" smtClean="0"/>
+              <a:rPr lang="fr-FR" altLang="en-US" i="1"/>
               <a:t>temps</a:t>
             </a:r>
             <a:r>
-              <a:rPr lang="fr-FR" altLang="en-US" smtClean="0"/>
+              <a:rPr lang="fr-FR" altLang="en-US"/>
               <a:t>.</a:t>
             </a:r>
           </a:p>
@@ -5623,7 +6808,7 @@
               <a:buFont typeface="Arial" panose="020B0604020202020204" pitchFamily="34" charset="0"/>
               <a:buNone/>
             </a:pPr>
-            <a:endParaRPr lang="fr-FR" altLang="en-US" sz="1200" smtClean="0"/>
+            <a:endParaRPr lang="fr-FR" altLang="en-US" sz="1200"/>
           </a:p>
           <a:p>
             <a:pPr marL="0" indent="0" eaLnBrk="1" hangingPunct="1">
@@ -5631,21 +6816,21 @@
               <a:buNone/>
             </a:pPr>
             <a:r>
-              <a:rPr lang="fr-FR" altLang="en-US" sz="2400" b="1" smtClean="0">
+              <a:rPr lang="fr-FR" altLang="en-US" sz="2400" b="1">
                 <a:latin typeface="Courier New" panose="02070309020205020404" pitchFamily="49" charset="0"/>
                 <a:cs typeface="Courier New" panose="02070309020205020404" pitchFamily="49" charset="0"/>
               </a:rPr>
               <a:t>&gt;&gt;&gt;</a:t>
             </a:r>
             <a:r>
-              <a:rPr lang="fr-FR" altLang="en-US" sz="2400" smtClean="0">
+              <a:rPr lang="fr-FR" altLang="en-US" sz="2400">
                 <a:latin typeface="Courier New" panose="02070309020205020404" pitchFamily="49" charset="0"/>
                 <a:cs typeface="Courier New" panose="02070309020205020404" pitchFamily="49" charset="0"/>
               </a:rPr>
               <a:t> temp_lon_1[:2] = [</a:t>
             </a:r>
             <a:r>
-              <a:rPr lang="fr-FR" altLang="en-US" sz="2400" b="1" smtClean="0">
+              <a:rPr lang="fr-FR" altLang="en-US" sz="2400" b="1">
                 <a:solidFill>
                   <a:srgbClr val="FF0000"/>
                 </a:solidFill>
@@ -5655,7 +6840,7 @@
               <a:t>15, 17</a:t>
             </a:r>
             <a:r>
-              <a:rPr lang="fr-FR" altLang="en-US" sz="2400" smtClean="0">
+              <a:rPr lang="fr-FR" altLang="en-US" sz="2400">
                 <a:latin typeface="Courier New" panose="02070309020205020404" pitchFamily="49" charset="0"/>
                 <a:cs typeface="Courier New" panose="02070309020205020404" pitchFamily="49" charset="0"/>
               </a:rPr>
@@ -5668,14 +6853,14 @@
               <a:buNone/>
             </a:pPr>
             <a:r>
-              <a:rPr lang="fr-FR" altLang="en-US" sz="2400" b="1" smtClean="0">
+              <a:rPr lang="fr-FR" altLang="en-US" sz="2400" b="1">
                 <a:latin typeface="Courier New" panose="02070309020205020404" pitchFamily="49" charset="0"/>
                 <a:cs typeface="Courier New" panose="02070309020205020404" pitchFamily="49" charset="0"/>
               </a:rPr>
               <a:t>&gt;&gt;&gt; print</a:t>
             </a:r>
             <a:r>
-              <a:rPr lang="fr-FR" altLang="en-US" sz="2400" smtClean="0">
+              <a:rPr lang="fr-FR" altLang="en-US" sz="2400">
                 <a:latin typeface="Courier New" panose="02070309020205020404" pitchFamily="49" charset="0"/>
                 <a:cs typeface="Courier New" panose="02070309020205020404" pitchFamily="49" charset="0"/>
               </a:rPr>
@@ -5688,7 +6873,7 @@
               <a:buNone/>
             </a:pPr>
             <a:r>
-              <a:rPr lang="fr-FR" altLang="en-US" sz="2400" i="1" smtClean="0">
+              <a:rPr lang="fr-FR" altLang="en-US" sz="2400" i="1">
                 <a:solidFill>
                   <a:srgbClr val="008000"/>
                 </a:solidFill>
@@ -5698,7 +6883,7 @@
               <a:t>[</a:t>
             </a:r>
             <a:r>
-              <a:rPr lang="fr-FR" altLang="en-US" sz="2400" i="1" smtClean="0">
+              <a:rPr lang="fr-FR" altLang="en-US" sz="2400" i="1">
                 <a:solidFill>
                   <a:srgbClr val="FF0000"/>
                 </a:solidFill>
@@ -5708,7 +6893,7 @@
               <a:t>15, 17</a:t>
             </a:r>
             <a:r>
-              <a:rPr lang="fr-FR" altLang="en-US" sz="2400" i="1" smtClean="0">
+              <a:rPr lang="fr-FR" altLang="en-US" sz="2400" i="1">
                 <a:solidFill>
                   <a:srgbClr val="008000"/>
                 </a:solidFill>
@@ -5723,7 +6908,7 @@
               <a:buFont typeface="Arial" panose="020B0604020202020204" pitchFamily="34" charset="0"/>
               <a:buNone/>
             </a:pPr>
-            <a:endParaRPr lang="fr-FR" altLang="en-US" sz="1600" b="1" smtClean="0">
+            <a:endParaRPr lang="fr-FR" altLang="en-US" sz="1600" b="1">
               <a:solidFill>
                 <a:srgbClr val="00B050"/>
               </a:solidFill>
@@ -5735,14 +6920,14 @@
               <a:buNone/>
             </a:pPr>
             <a:r>
-              <a:rPr lang="fr-FR" altLang="en-US" sz="2400" b="1" smtClean="0">
+              <a:rPr lang="fr-FR" altLang="en-US" sz="2400" b="1">
                 <a:latin typeface="Courier New" panose="02070309020205020404" pitchFamily="49" charset="0"/>
                 <a:cs typeface="Courier New" panose="02070309020205020404" pitchFamily="49" charset="0"/>
               </a:rPr>
               <a:t>&gt;&gt;&gt; print</a:t>
             </a:r>
             <a:r>
-              <a:rPr lang="fr-FR" altLang="en-US" sz="2400" smtClean="0">
+              <a:rPr lang="fr-FR" altLang="en-US" sz="2400">
                 <a:latin typeface="Courier New" panose="02070309020205020404" pitchFamily="49" charset="0"/>
                 <a:cs typeface="Courier New" panose="02070309020205020404" pitchFamily="49" charset="0"/>
               </a:rPr>
@@ -5755,7 +6940,7 @@
               <a:buNone/>
             </a:pPr>
             <a:r>
-              <a:rPr lang="fr-FR" altLang="en-US" sz="2400" i="1" smtClean="0">
+              <a:rPr lang="fr-FR" altLang="en-US" sz="2400" i="1">
                 <a:solidFill>
                   <a:srgbClr val="008000"/>
                 </a:solidFill>
@@ -5765,7 +6950,7 @@
               <a:t>[[</a:t>
             </a:r>
             <a:r>
-              <a:rPr lang="fr-FR" altLang="en-US" sz="2400" i="1" smtClean="0">
+              <a:rPr lang="fr-FR" altLang="en-US" sz="2400" i="1">
                 <a:solidFill>
                   <a:srgbClr val="FF0000"/>
                 </a:solidFill>
@@ -5775,7 +6960,7 @@
               <a:t>15, 17</a:t>
             </a:r>
             <a:r>
-              <a:rPr lang="fr-FR" altLang="en-US" sz="2400" i="1" smtClean="0">
+              <a:rPr lang="fr-FR" altLang="en-US" sz="2400" i="1">
                 <a:solidFill>
                   <a:srgbClr val="008000"/>
                 </a:solidFill>
@@ -5784,7 +6969,7 @@
               </a:rPr>
               <a:t>, 34], [13, 15, 21]]</a:t>
             </a:r>
-            <a:endParaRPr lang="en-GB" altLang="en-US" sz="2400" i="1" smtClean="0">
+            <a:endParaRPr lang="en-GB" altLang="en-US" sz="2400" i="1">
               <a:solidFill>
                 <a:srgbClr val="008000"/>
               </a:solidFill>
@@ -5799,17 +6984,10 @@
   <p:clrMapOvr>
     <a:masterClrMapping/>
   </p:clrMapOvr>
-  <p:timing>
-    <p:tnLst>
-      <p:par>
-        <p:cTn id="1" dur="indefinite" restart="never" nodeType="tmRoot"/>
-      </p:par>
-    </p:tnLst>
-  </p:timing>
 </p:sld>
 </file>
 
-<file path=ppt/slides/slide6.xml><?xml version="1.0" encoding="utf-8"?>
+<file path=ppt/slides/slide12.xml><?xml version="1.0" encoding="utf-8"?>
 <p:sld xmlns:a="http://schemas.openxmlformats.org/drawingml/2006/main" xmlns:r="http://schemas.openxmlformats.org/officeDocument/2006/relationships" xmlns:p="http://schemas.openxmlformats.org/presentationml/2006/main">
   <p:cSld>
     <p:spTree>
@@ -5843,7 +7021,274 @@
           <a:p>
             <a:pPr eaLnBrk="1" hangingPunct="1"/>
             <a:r>
-              <a:rPr lang="en-GB" altLang="en-US" smtClean="0"/>
+              <a:rPr lang="en-GB" altLang="en-US"/>
+              <a:t>Avoiding aliasing</a:t>
+            </a:r>
+          </a:p>
+        </p:txBody>
+      </p:sp>
+      <p:sp>
+        <p:nvSpPr>
+          <p:cNvPr id="4" name="Text Box 4"/>
+          <p:cNvSpPr txBox="1">
+            <a:spLocks noChangeArrowheads="1"/>
+          </p:cNvSpPr>
+          <p:nvPr/>
+        </p:nvSpPr>
+        <p:spPr bwMode="auto">
+          <a:xfrm>
+            <a:off x="468313" y="1341438"/>
+            <a:ext cx="8424862" cy="966290"/>
+          </a:xfrm>
+          <a:prstGeom prst="rect">
+            <a:avLst/>
+          </a:prstGeom>
+          <a:noFill/>
+          <a:ln>
+            <a:noFill/>
+          </a:ln>
+          <a:extLst>
+            <a:ext uri="{909E8E84-426E-40DD-AFC4-6F175D3DCCD1}">
+              <a14:hiddenFill xmlns:a14="http://schemas.microsoft.com/office/drawing/2010/main">
+                <a:solidFill>
+                  <a:srgbClr val="FFFFFF"/>
+                </a:solidFill>
+              </a14:hiddenFill>
+            </a:ext>
+            <a:ext uri="{91240B29-F687-4F45-9708-019B960494DF}">
+              <a14:hiddenLine xmlns:a14="http://schemas.microsoft.com/office/drawing/2010/main" w="9525">
+                <a:solidFill>
+                  <a:srgbClr val="000000"/>
+                </a:solidFill>
+                <a:miter lim="800000"/>
+                <a:headEnd/>
+                <a:tailEnd/>
+              </a14:hiddenLine>
+            </a:ext>
+          </a:extLst>
+        </p:spPr>
+        <p:txBody>
+          <a:bodyPr>
+            <a:spAutoFit/>
+          </a:bodyPr>
+          <a:lstStyle>
+            <a:lvl1pPr marL="457200" indent="-457200" eaLnBrk="0">
+              <a:defRPr>
+                <a:solidFill>
+                  <a:schemeClr val="tx1"/>
+                </a:solidFill>
+                <a:latin typeface="Arial" pitchFamily="34" charset="0"/>
+                <a:ea typeface="Arial Unicode MS" pitchFamily="34" charset="-128"/>
+                <a:cs typeface="Arial Unicode MS" pitchFamily="34" charset="-128"/>
+              </a:defRPr>
+            </a:lvl1pPr>
+            <a:lvl2pPr marL="37931725" indent="-37474525" eaLnBrk="0">
+              <a:defRPr>
+                <a:solidFill>
+                  <a:schemeClr val="tx1"/>
+                </a:solidFill>
+                <a:latin typeface="Arial" pitchFamily="34" charset="0"/>
+                <a:ea typeface="Arial Unicode MS" pitchFamily="34" charset="-128"/>
+                <a:cs typeface="Arial Unicode MS" pitchFamily="34" charset="-128"/>
+              </a:defRPr>
+            </a:lvl2pPr>
+            <a:lvl3pPr eaLnBrk="0">
+              <a:defRPr>
+                <a:solidFill>
+                  <a:schemeClr val="tx1"/>
+                </a:solidFill>
+                <a:latin typeface="Arial" pitchFamily="34" charset="0"/>
+                <a:ea typeface="Arial Unicode MS" pitchFamily="34" charset="-128"/>
+                <a:cs typeface="Arial Unicode MS" pitchFamily="34" charset="-128"/>
+              </a:defRPr>
+            </a:lvl3pPr>
+            <a:lvl4pPr eaLnBrk="0">
+              <a:defRPr>
+                <a:solidFill>
+                  <a:schemeClr val="tx1"/>
+                </a:solidFill>
+                <a:latin typeface="Arial" pitchFamily="34" charset="0"/>
+                <a:ea typeface="Arial Unicode MS" pitchFamily="34" charset="-128"/>
+                <a:cs typeface="Arial Unicode MS" pitchFamily="34" charset="-128"/>
+              </a:defRPr>
+            </a:lvl4pPr>
+            <a:lvl5pPr eaLnBrk="0">
+              <a:defRPr>
+                <a:solidFill>
+                  <a:schemeClr val="tx1"/>
+                </a:solidFill>
+                <a:latin typeface="Arial" pitchFamily="34" charset="0"/>
+                <a:ea typeface="Arial Unicode MS" pitchFamily="34" charset="-128"/>
+                <a:cs typeface="Arial Unicode MS" pitchFamily="34" charset="-128"/>
+              </a:defRPr>
+            </a:lvl5pPr>
+            <a:lvl6pPr marL="2514600" indent="-228600" defTabSz="457200" eaLnBrk="0" fontAlgn="base" hangingPunct="0">
+              <a:lnSpc>
+                <a:spcPct val="93000"/>
+              </a:lnSpc>
+              <a:spcBef>
+                <a:spcPct val="0"/>
+              </a:spcBef>
+              <a:spcAft>
+                <a:spcPct val="0"/>
+              </a:spcAft>
+              <a:buClr>
+                <a:srgbClr val="000000"/>
+              </a:buClr>
+              <a:buSzPct val="100000"/>
+              <a:buFont typeface="Times New Roman" pitchFamily="18" charset="0"/>
+              <a:defRPr>
+                <a:solidFill>
+                  <a:schemeClr val="tx1"/>
+                </a:solidFill>
+                <a:latin typeface="Arial" pitchFamily="34" charset="0"/>
+                <a:ea typeface="Arial Unicode MS" pitchFamily="34" charset="-128"/>
+                <a:cs typeface="Arial Unicode MS" pitchFamily="34" charset="-128"/>
+              </a:defRPr>
+            </a:lvl6pPr>
+            <a:lvl7pPr marL="2971800" indent="-228600" defTabSz="457200" eaLnBrk="0" fontAlgn="base" hangingPunct="0">
+              <a:lnSpc>
+                <a:spcPct val="93000"/>
+              </a:lnSpc>
+              <a:spcBef>
+                <a:spcPct val="0"/>
+              </a:spcBef>
+              <a:spcAft>
+                <a:spcPct val="0"/>
+              </a:spcAft>
+              <a:buClr>
+                <a:srgbClr val="000000"/>
+              </a:buClr>
+              <a:buSzPct val="100000"/>
+              <a:buFont typeface="Times New Roman" pitchFamily="18" charset="0"/>
+              <a:defRPr>
+                <a:solidFill>
+                  <a:schemeClr val="tx1"/>
+                </a:solidFill>
+                <a:latin typeface="Arial" pitchFamily="34" charset="0"/>
+                <a:ea typeface="Arial Unicode MS" pitchFamily="34" charset="-128"/>
+                <a:cs typeface="Arial Unicode MS" pitchFamily="34" charset="-128"/>
+              </a:defRPr>
+            </a:lvl7pPr>
+            <a:lvl8pPr marL="3429000" indent="-228600" defTabSz="457200" eaLnBrk="0" fontAlgn="base" hangingPunct="0">
+              <a:lnSpc>
+                <a:spcPct val="93000"/>
+              </a:lnSpc>
+              <a:spcBef>
+                <a:spcPct val="0"/>
+              </a:spcBef>
+              <a:spcAft>
+                <a:spcPct val="0"/>
+              </a:spcAft>
+              <a:buClr>
+                <a:srgbClr val="000000"/>
+              </a:buClr>
+              <a:buSzPct val="100000"/>
+              <a:buFont typeface="Times New Roman" pitchFamily="18" charset="0"/>
+              <a:defRPr>
+                <a:solidFill>
+                  <a:schemeClr val="tx1"/>
+                </a:solidFill>
+                <a:latin typeface="Arial" pitchFamily="34" charset="0"/>
+                <a:ea typeface="Arial Unicode MS" pitchFamily="34" charset="-128"/>
+                <a:cs typeface="Arial Unicode MS" pitchFamily="34" charset="-128"/>
+              </a:defRPr>
+            </a:lvl8pPr>
+            <a:lvl9pPr marL="3886200" indent="-228600" defTabSz="457200" eaLnBrk="0" fontAlgn="base" hangingPunct="0">
+              <a:lnSpc>
+                <a:spcPct val="93000"/>
+              </a:lnSpc>
+              <a:spcBef>
+                <a:spcPct val="0"/>
+              </a:spcBef>
+              <a:spcAft>
+                <a:spcPct val="0"/>
+              </a:spcAft>
+              <a:buClr>
+                <a:srgbClr val="000000"/>
+              </a:buClr>
+              <a:buSzPct val="100000"/>
+              <a:buFont typeface="Times New Roman" pitchFamily="18" charset="0"/>
+              <a:defRPr>
+                <a:solidFill>
+                  <a:schemeClr val="tx1"/>
+                </a:solidFill>
+                <a:latin typeface="Arial" pitchFamily="34" charset="0"/>
+                <a:ea typeface="Arial Unicode MS" pitchFamily="34" charset="-128"/>
+                <a:cs typeface="Arial Unicode MS" pitchFamily="34" charset="-128"/>
+              </a:defRPr>
+            </a:lvl9pPr>
+          </a:lstStyle>
+          <a:p>
+            <a:pPr marL="0" indent="0" eaLnBrk="1" hangingPunct="1">
+              <a:lnSpc>
+                <a:spcPct val="150000"/>
+              </a:lnSpc>
+              <a:defRPr/>
+            </a:pPr>
+            <a:r>
+              <a:rPr lang="en-US" altLang="en-US" sz="2800" dirty="0">
+                <a:latin typeface="+mn-lt"/>
+              </a:rPr>
+              <a:t>If I know I don't want to create an alias what can I do?</a:t>
+            </a:r>
+          </a:p>
+          <a:p>
+            <a:pPr eaLnBrk="1" hangingPunct="1">
+              <a:lnSpc>
+                <a:spcPct val="150000"/>
+              </a:lnSpc>
+              <a:defRPr/>
+            </a:pPr>
+            <a:endParaRPr lang="en-US" altLang="en-US" sz="1100" dirty="0">
+              <a:latin typeface="+mn-lt"/>
+            </a:endParaRPr>
+          </a:p>
+        </p:txBody>
+      </p:sp>
+    </p:spTree>
+  </p:cSld>
+  <p:clrMapOvr>
+    <a:masterClrMapping/>
+  </p:clrMapOvr>
+</p:sld>
+</file>
+
+<file path=ppt/slides/slide13.xml><?xml version="1.0" encoding="utf-8"?>
+<p:sld xmlns:a="http://schemas.openxmlformats.org/drawingml/2006/main" xmlns:r="http://schemas.openxmlformats.org/officeDocument/2006/relationships" xmlns:p="http://schemas.openxmlformats.org/presentationml/2006/main">
+  <p:cSld>
+    <p:spTree>
+      <p:nvGrpSpPr>
+        <p:cNvPr id="1" name=""/>
+        <p:cNvGrpSpPr/>
+        <p:nvPr/>
+      </p:nvGrpSpPr>
+      <p:grpSpPr>
+        <a:xfrm>
+          <a:off x="0" y="0"/>
+          <a:ext cx="0" cy="0"/>
+          <a:chOff x="0" y="0"/>
+          <a:chExt cx="0" cy="0"/>
+        </a:xfrm>
+      </p:grpSpPr>
+      <p:sp>
+        <p:nvSpPr>
+          <p:cNvPr id="18434" name="Title 1"/>
+          <p:cNvSpPr>
+            <a:spLocks noGrp="1"/>
+          </p:cNvSpPr>
+          <p:nvPr>
+            <p:ph type="title"/>
+          </p:nvPr>
+        </p:nvSpPr>
+        <p:spPr/>
+        <p:txBody>
+          <a:bodyPr/>
+          <a:lstStyle/>
+          <a:p>
+            <a:pPr eaLnBrk="1" hangingPunct="1"/>
+            <a:r>
+              <a:rPr lang="en-GB" altLang="en-US"/>
               <a:t>Avoiding aliasing</a:t>
             </a:r>
           </a:p>
@@ -6049,7 +7494,7 @@
               <a:defRPr/>
             </a:pPr>
             <a:r>
-              <a:rPr lang="en-US" altLang="en-US" sz="2800" dirty="0" smtClean="0">
+              <a:rPr lang="en-US" altLang="en-US" sz="2800" dirty="0">
                 <a:latin typeface="+mn-lt"/>
               </a:rPr>
               <a:t>If I know I don't want to create an alias what can I do?</a:t>
@@ -6062,7 +7507,7 @@
               </a:lnSpc>
               <a:defRPr/>
             </a:pPr>
-            <a:endParaRPr lang="en-US" altLang="en-US" sz="1100" dirty="0" smtClean="0">
+            <a:endParaRPr lang="en-US" altLang="en-US" sz="1100" dirty="0">
               <a:latin typeface="+mn-lt"/>
             </a:endParaRPr>
           </a:p>
@@ -6074,20 +7519,20 @@
               <a:defRPr/>
             </a:pPr>
             <a:r>
-              <a:rPr lang="en-US" altLang="en-US" sz="2800" dirty="0" smtClean="0">
+              <a:rPr lang="en-US" altLang="en-US" sz="2800" dirty="0">
                 <a:latin typeface="+mn-lt"/>
               </a:rPr>
               <a:t>Python's </a:t>
             </a:r>
             <a:r>
-              <a:rPr lang="en-US" altLang="en-US" sz="2800" b="1" dirty="0" err="1" smtClean="0">
+              <a:rPr lang="en-US" altLang="en-US" sz="2800" b="1" dirty="0" err="1">
                 <a:latin typeface="Courier New" panose="02070309020205020404" pitchFamily="49" charset="0"/>
                 <a:cs typeface="Courier New" panose="02070309020205020404" pitchFamily="49" charset="0"/>
               </a:rPr>
               <a:t>copy.deepcopy</a:t>
             </a:r>
             <a:r>
-              <a:rPr lang="en-US" altLang="en-US" sz="2800" dirty="0" smtClean="0">
+              <a:rPr lang="en-US" altLang="en-US" sz="2800" dirty="0">
                 <a:latin typeface="+mn-lt"/>
               </a:rPr>
               <a:t> function will make a full copy of an object to want to replicate.</a:t>
@@ -6372,17 +7817,1884 @@
         </p:txBody>
       </p:sp>
     </p:spTree>
+    <p:extLst>
+      <p:ext uri="{BB962C8B-B14F-4D97-AF65-F5344CB8AC3E}">
+        <p14:creationId xmlns:p14="http://schemas.microsoft.com/office/powerpoint/2010/main" val="2683574792"/>
+      </p:ext>
+    </p:extLst>
   </p:cSld>
   <p:clrMapOvr>
     <a:masterClrMapping/>
   </p:clrMapOvr>
-  <p:timing>
-    <p:tnLst>
-      <p:par>
-        <p:cTn id="1" dur="indefinite" restart="never" nodeType="tmRoot"/>
-      </p:par>
-    </p:tnLst>
-  </p:timing>
+</p:sld>
+</file>
+
+<file path=ppt/slides/slide2.xml><?xml version="1.0" encoding="utf-8"?>
+<p:sld xmlns:a="http://schemas.openxmlformats.org/drawingml/2006/main" xmlns:r="http://schemas.openxmlformats.org/officeDocument/2006/relationships" xmlns:p="http://schemas.openxmlformats.org/presentationml/2006/main">
+  <p:cSld>
+    <p:spTree>
+      <p:nvGrpSpPr>
+        <p:cNvPr id="1" name=""/>
+        <p:cNvGrpSpPr/>
+        <p:nvPr/>
+      </p:nvGrpSpPr>
+      <p:grpSpPr>
+        <a:xfrm>
+          <a:off x="0" y="0"/>
+          <a:ext cx="0" cy="0"/>
+          <a:chOff x="0" y="0"/>
+          <a:chExt cx="0" cy="0"/>
+        </a:xfrm>
+      </p:grpSpPr>
+      <p:sp>
+        <p:nvSpPr>
+          <p:cNvPr id="12290" name="Title 1"/>
+          <p:cNvSpPr>
+            <a:spLocks noGrp="1"/>
+          </p:cNvSpPr>
+          <p:nvPr>
+            <p:ph type="title"/>
+          </p:nvPr>
+        </p:nvSpPr>
+        <p:spPr>
+          <a:xfrm>
+            <a:off x="395288" y="-171450"/>
+            <a:ext cx="8451850" cy="1431925"/>
+          </a:xfrm>
+        </p:spPr>
+        <p:txBody>
+          <a:bodyPr/>
+          <a:lstStyle/>
+          <a:p>
+            <a:pPr eaLnBrk="1" hangingPunct="1"/>
+            <a:r>
+              <a:rPr lang="en-US" altLang="en-US"/>
+              <a:t>Mutable objects and aliasing</a:t>
+            </a:r>
+            <a:endParaRPr lang="en-GB" altLang="en-US"/>
+          </a:p>
+        </p:txBody>
+      </p:sp>
+      <p:sp>
+        <p:nvSpPr>
+          <p:cNvPr id="12291" name="Content Placeholder 2"/>
+          <p:cNvSpPr>
+            <a:spLocks noGrp="1"/>
+          </p:cNvSpPr>
+          <p:nvPr>
+            <p:ph idx="1"/>
+          </p:nvPr>
+        </p:nvSpPr>
+        <p:spPr>
+          <a:xfrm>
+            <a:off x="539750" y="981075"/>
+            <a:ext cx="8064500" cy="5543550"/>
+          </a:xfrm>
+        </p:spPr>
+        <p:txBody>
+          <a:bodyPr/>
+          <a:lstStyle/>
+          <a:p>
+            <a:pPr marL="0" indent="0" eaLnBrk="1" hangingPunct="1">
+              <a:buFont typeface="Arial" panose="020B0604020202020204" pitchFamily="34" charset="0"/>
+              <a:buNone/>
+            </a:pPr>
+            <a:r>
+              <a:rPr lang="en-GB" altLang="en-US" sz="2000" dirty="0"/>
+              <a:t>Mutable objects in Python can be subject to </a:t>
+            </a:r>
+            <a:r>
+              <a:rPr lang="en-GB" altLang="en-US" sz="2000" i="1" dirty="0"/>
+              <a:t>aliasing.</a:t>
+            </a:r>
+          </a:p>
+        </p:txBody>
+      </p:sp>
+    </p:spTree>
+  </p:cSld>
+  <p:clrMapOvr>
+    <a:masterClrMapping/>
+  </p:clrMapOvr>
+</p:sld>
+</file>
+
+<file path=ppt/slides/slide3.xml><?xml version="1.0" encoding="utf-8"?>
+<p:sld xmlns:a="http://schemas.openxmlformats.org/drawingml/2006/main" xmlns:r="http://schemas.openxmlformats.org/officeDocument/2006/relationships" xmlns:p="http://schemas.openxmlformats.org/presentationml/2006/main">
+  <p:cSld>
+    <p:spTree>
+      <p:nvGrpSpPr>
+        <p:cNvPr id="1" name=""/>
+        <p:cNvGrpSpPr/>
+        <p:nvPr/>
+      </p:nvGrpSpPr>
+      <p:grpSpPr>
+        <a:xfrm>
+          <a:off x="0" y="0"/>
+          <a:ext cx="0" cy="0"/>
+          <a:chOff x="0" y="0"/>
+          <a:chExt cx="0" cy="0"/>
+        </a:xfrm>
+      </p:grpSpPr>
+      <p:sp>
+        <p:nvSpPr>
+          <p:cNvPr id="12290" name="Title 1"/>
+          <p:cNvSpPr>
+            <a:spLocks noGrp="1"/>
+          </p:cNvSpPr>
+          <p:nvPr>
+            <p:ph type="title"/>
+          </p:nvPr>
+        </p:nvSpPr>
+        <p:spPr>
+          <a:xfrm>
+            <a:off x="395288" y="-171450"/>
+            <a:ext cx="8451850" cy="1431925"/>
+          </a:xfrm>
+        </p:spPr>
+        <p:txBody>
+          <a:bodyPr/>
+          <a:lstStyle/>
+          <a:p>
+            <a:pPr eaLnBrk="1" hangingPunct="1"/>
+            <a:r>
+              <a:rPr lang="en-US" altLang="en-US"/>
+              <a:t>Mutable objects and aliasing</a:t>
+            </a:r>
+            <a:endParaRPr lang="en-GB" altLang="en-US"/>
+          </a:p>
+        </p:txBody>
+      </p:sp>
+      <p:sp>
+        <p:nvSpPr>
+          <p:cNvPr id="12291" name="Content Placeholder 2"/>
+          <p:cNvSpPr>
+            <a:spLocks noGrp="1"/>
+          </p:cNvSpPr>
+          <p:nvPr>
+            <p:ph idx="1"/>
+          </p:nvPr>
+        </p:nvSpPr>
+        <p:spPr>
+          <a:xfrm>
+            <a:off x="539750" y="981075"/>
+            <a:ext cx="8064500" cy="5543550"/>
+          </a:xfrm>
+        </p:spPr>
+        <p:txBody>
+          <a:bodyPr/>
+          <a:lstStyle/>
+          <a:p>
+            <a:pPr marL="0" indent="0" eaLnBrk="1" hangingPunct="1">
+              <a:buFont typeface="Arial" panose="020B0604020202020204" pitchFamily="34" charset="0"/>
+              <a:buNone/>
+            </a:pPr>
+            <a:r>
+              <a:rPr lang="en-GB" altLang="en-US" sz="2000" dirty="0"/>
+              <a:t>Mutable objects in Python can be subject to </a:t>
+            </a:r>
+            <a:r>
+              <a:rPr lang="en-GB" altLang="en-US" sz="2000" i="1" dirty="0"/>
+              <a:t>aliasing.</a:t>
+            </a:r>
+          </a:p>
+          <a:p>
+            <a:pPr marL="0" indent="0" eaLnBrk="1" hangingPunct="1">
+              <a:buFont typeface="Arial" panose="020B0604020202020204" pitchFamily="34" charset="0"/>
+              <a:buNone/>
+            </a:pPr>
+            <a:r>
+              <a:rPr lang="en-GB" altLang="en-US" sz="2000" b="1" dirty="0">
+                <a:latin typeface="Courier New" panose="02070309020205020404" pitchFamily="49" charset="0"/>
+                <a:cs typeface="Courier New" panose="02070309020205020404" pitchFamily="49" charset="0"/>
+              </a:rPr>
+              <a:t>&gt;&gt;&gt;</a:t>
+            </a:r>
+            <a:r>
+              <a:rPr lang="en-GB" altLang="en-US" sz="2000" dirty="0">
+                <a:latin typeface="Courier New" panose="02070309020205020404" pitchFamily="49" charset="0"/>
+                <a:cs typeface="Courier New" panose="02070309020205020404" pitchFamily="49" charset="0"/>
+              </a:rPr>
+              <a:t> a = [[0, 1, 2], [0, 1, 2]]</a:t>
+            </a:r>
+          </a:p>
+          <a:p>
+            <a:pPr marL="0" indent="0" eaLnBrk="1" hangingPunct="1">
+              <a:buFont typeface="Arial" panose="020B0604020202020204" pitchFamily="34" charset="0"/>
+              <a:buNone/>
+            </a:pPr>
+            <a:r>
+              <a:rPr lang="en-GB" altLang="en-US" sz="2000" b="1" dirty="0">
+                <a:latin typeface="Courier New" panose="02070309020205020404" pitchFamily="49" charset="0"/>
+                <a:cs typeface="Courier New" panose="02070309020205020404" pitchFamily="49" charset="0"/>
+              </a:rPr>
+              <a:t>&gt;&gt;&gt;</a:t>
+            </a:r>
+            <a:r>
+              <a:rPr lang="en-GB" altLang="en-US" sz="2000" dirty="0">
+                <a:latin typeface="Courier New" panose="02070309020205020404" pitchFamily="49" charset="0"/>
+                <a:cs typeface="Courier New" panose="02070309020205020404" pitchFamily="49" charset="0"/>
+              </a:rPr>
+              <a:t> </a:t>
+            </a:r>
+            <a:r>
+              <a:rPr lang="en-GB" altLang="en-US" sz="2000" b="1" dirty="0">
+                <a:latin typeface="Courier New" panose="02070309020205020404" pitchFamily="49" charset="0"/>
+                <a:cs typeface="Courier New" panose="02070309020205020404" pitchFamily="49" charset="0"/>
+              </a:rPr>
+              <a:t>print</a:t>
+            </a:r>
+            <a:r>
+              <a:rPr lang="en-GB" altLang="en-US" sz="2000" dirty="0">
+                <a:latin typeface="Courier New" panose="02070309020205020404" pitchFamily="49" charset="0"/>
+                <a:cs typeface="Courier New" panose="02070309020205020404" pitchFamily="49" charset="0"/>
+              </a:rPr>
+              <a:t>(a)</a:t>
+            </a:r>
+          </a:p>
+          <a:p>
+            <a:pPr marL="0" indent="0" eaLnBrk="1" hangingPunct="1">
+              <a:buFont typeface="Arial" panose="020B0604020202020204" pitchFamily="34" charset="0"/>
+              <a:buNone/>
+            </a:pPr>
+            <a:r>
+              <a:rPr lang="en-GB" altLang="en-US" sz="2000" i="1" dirty="0">
+                <a:solidFill>
+                  <a:srgbClr val="008000"/>
+                </a:solidFill>
+                <a:latin typeface="Courier New" panose="02070309020205020404" pitchFamily="49" charset="0"/>
+                <a:cs typeface="Courier New" panose="02070309020205020404" pitchFamily="49" charset="0"/>
+              </a:rPr>
+              <a:t>[[0, 1, 2], [0, 1, 2]]</a:t>
+            </a:r>
+          </a:p>
+        </p:txBody>
+      </p:sp>
+    </p:spTree>
+    <p:extLst>
+      <p:ext uri="{BB962C8B-B14F-4D97-AF65-F5344CB8AC3E}">
+        <p14:creationId xmlns:p14="http://schemas.microsoft.com/office/powerpoint/2010/main" val="3310402862"/>
+      </p:ext>
+    </p:extLst>
+  </p:cSld>
+  <p:clrMapOvr>
+    <a:masterClrMapping/>
+  </p:clrMapOvr>
+</p:sld>
+</file>
+
+<file path=ppt/slides/slide4.xml><?xml version="1.0" encoding="utf-8"?>
+<p:sld xmlns:a="http://schemas.openxmlformats.org/drawingml/2006/main" xmlns:r="http://schemas.openxmlformats.org/officeDocument/2006/relationships" xmlns:p="http://schemas.openxmlformats.org/presentationml/2006/main">
+  <p:cSld>
+    <p:spTree>
+      <p:nvGrpSpPr>
+        <p:cNvPr id="1" name=""/>
+        <p:cNvGrpSpPr/>
+        <p:nvPr/>
+      </p:nvGrpSpPr>
+      <p:grpSpPr>
+        <a:xfrm>
+          <a:off x="0" y="0"/>
+          <a:ext cx="0" cy="0"/>
+          <a:chOff x="0" y="0"/>
+          <a:chExt cx="0" cy="0"/>
+        </a:xfrm>
+      </p:grpSpPr>
+      <p:sp>
+        <p:nvSpPr>
+          <p:cNvPr id="12290" name="Title 1"/>
+          <p:cNvSpPr>
+            <a:spLocks noGrp="1"/>
+          </p:cNvSpPr>
+          <p:nvPr>
+            <p:ph type="title"/>
+          </p:nvPr>
+        </p:nvSpPr>
+        <p:spPr>
+          <a:xfrm>
+            <a:off x="395288" y="-171450"/>
+            <a:ext cx="8451850" cy="1431925"/>
+          </a:xfrm>
+        </p:spPr>
+        <p:txBody>
+          <a:bodyPr/>
+          <a:lstStyle/>
+          <a:p>
+            <a:pPr eaLnBrk="1" hangingPunct="1"/>
+            <a:r>
+              <a:rPr lang="en-US" altLang="en-US"/>
+              <a:t>Mutable objects and aliasing</a:t>
+            </a:r>
+            <a:endParaRPr lang="en-GB" altLang="en-US"/>
+          </a:p>
+        </p:txBody>
+      </p:sp>
+      <p:sp>
+        <p:nvSpPr>
+          <p:cNvPr id="12291" name="Content Placeholder 2"/>
+          <p:cNvSpPr>
+            <a:spLocks noGrp="1"/>
+          </p:cNvSpPr>
+          <p:nvPr>
+            <p:ph idx="1"/>
+          </p:nvPr>
+        </p:nvSpPr>
+        <p:spPr>
+          <a:xfrm>
+            <a:off x="539750" y="981075"/>
+            <a:ext cx="8064500" cy="5543550"/>
+          </a:xfrm>
+        </p:spPr>
+        <p:txBody>
+          <a:bodyPr/>
+          <a:lstStyle/>
+          <a:p>
+            <a:pPr marL="0" indent="0" eaLnBrk="1" hangingPunct="1">
+              <a:buFont typeface="Arial" panose="020B0604020202020204" pitchFamily="34" charset="0"/>
+              <a:buNone/>
+            </a:pPr>
+            <a:r>
+              <a:rPr lang="en-GB" altLang="en-US" sz="2000" dirty="0"/>
+              <a:t>Mutable objects in Python can be subject to </a:t>
+            </a:r>
+            <a:r>
+              <a:rPr lang="en-GB" altLang="en-US" sz="2000" i="1" dirty="0"/>
+              <a:t>aliasing.</a:t>
+            </a:r>
+          </a:p>
+          <a:p>
+            <a:pPr marL="0" indent="0" eaLnBrk="1" hangingPunct="1">
+              <a:buFont typeface="Arial" panose="020B0604020202020204" pitchFamily="34" charset="0"/>
+              <a:buNone/>
+            </a:pPr>
+            <a:r>
+              <a:rPr lang="en-GB" altLang="en-US" sz="2000" b="1" dirty="0">
+                <a:latin typeface="Courier New" panose="02070309020205020404" pitchFamily="49" charset="0"/>
+                <a:cs typeface="Courier New" panose="02070309020205020404" pitchFamily="49" charset="0"/>
+              </a:rPr>
+              <a:t>&gt;&gt;&gt;</a:t>
+            </a:r>
+            <a:r>
+              <a:rPr lang="en-GB" altLang="en-US" sz="2000" dirty="0">
+                <a:latin typeface="Courier New" panose="02070309020205020404" pitchFamily="49" charset="0"/>
+                <a:cs typeface="Courier New" panose="02070309020205020404" pitchFamily="49" charset="0"/>
+              </a:rPr>
+              <a:t> a = [[0, 1, 2], [0, 1, 2]]</a:t>
+            </a:r>
+          </a:p>
+          <a:p>
+            <a:pPr marL="0" indent="0" eaLnBrk="1" hangingPunct="1">
+              <a:buFont typeface="Arial" panose="020B0604020202020204" pitchFamily="34" charset="0"/>
+              <a:buNone/>
+            </a:pPr>
+            <a:r>
+              <a:rPr lang="en-GB" altLang="en-US" sz="2000" b="1" dirty="0">
+                <a:latin typeface="Courier New" panose="02070309020205020404" pitchFamily="49" charset="0"/>
+                <a:cs typeface="Courier New" panose="02070309020205020404" pitchFamily="49" charset="0"/>
+              </a:rPr>
+              <a:t>&gt;&gt;&gt;</a:t>
+            </a:r>
+            <a:r>
+              <a:rPr lang="en-GB" altLang="en-US" sz="2000" dirty="0">
+                <a:latin typeface="Courier New" panose="02070309020205020404" pitchFamily="49" charset="0"/>
+                <a:cs typeface="Courier New" panose="02070309020205020404" pitchFamily="49" charset="0"/>
+              </a:rPr>
+              <a:t> </a:t>
+            </a:r>
+            <a:r>
+              <a:rPr lang="en-GB" altLang="en-US" sz="2000" b="1" dirty="0">
+                <a:latin typeface="Courier New" panose="02070309020205020404" pitchFamily="49" charset="0"/>
+                <a:cs typeface="Courier New" panose="02070309020205020404" pitchFamily="49" charset="0"/>
+              </a:rPr>
+              <a:t>print</a:t>
+            </a:r>
+            <a:r>
+              <a:rPr lang="en-GB" altLang="en-US" sz="2000" dirty="0">
+                <a:latin typeface="Courier New" panose="02070309020205020404" pitchFamily="49" charset="0"/>
+                <a:cs typeface="Courier New" panose="02070309020205020404" pitchFamily="49" charset="0"/>
+              </a:rPr>
+              <a:t>(a)</a:t>
+            </a:r>
+          </a:p>
+          <a:p>
+            <a:pPr marL="0" indent="0" eaLnBrk="1" hangingPunct="1">
+              <a:buFont typeface="Arial" panose="020B0604020202020204" pitchFamily="34" charset="0"/>
+              <a:buNone/>
+            </a:pPr>
+            <a:r>
+              <a:rPr lang="en-GB" altLang="en-US" sz="2000" i="1" dirty="0">
+                <a:solidFill>
+                  <a:srgbClr val="008000"/>
+                </a:solidFill>
+                <a:latin typeface="Courier New" panose="02070309020205020404" pitchFamily="49" charset="0"/>
+                <a:cs typeface="Courier New" panose="02070309020205020404" pitchFamily="49" charset="0"/>
+              </a:rPr>
+              <a:t>[[0, 1, 2], [0, 1, 2]]</a:t>
+            </a:r>
+          </a:p>
+          <a:p>
+            <a:pPr marL="0" indent="0" eaLnBrk="1" hangingPunct="1">
+              <a:buFont typeface="Arial" panose="020B0604020202020204" pitchFamily="34" charset="0"/>
+              <a:buNone/>
+            </a:pPr>
+            <a:r>
+              <a:rPr lang="en-GB" altLang="en-US" sz="2000" b="1" dirty="0">
+                <a:latin typeface="Courier New" panose="02070309020205020404" pitchFamily="49" charset="0"/>
+                <a:cs typeface="Courier New" panose="02070309020205020404" pitchFamily="49" charset="0"/>
+              </a:rPr>
+              <a:t>&gt;&gt;&gt;</a:t>
+            </a:r>
+            <a:r>
+              <a:rPr lang="en-GB" altLang="en-US" sz="2000" dirty="0">
+                <a:latin typeface="Courier New" panose="02070309020205020404" pitchFamily="49" charset="0"/>
+                <a:cs typeface="Courier New" panose="02070309020205020404" pitchFamily="49" charset="0"/>
+              </a:rPr>
+              <a:t> b = a[1]</a:t>
+            </a:r>
+          </a:p>
+          <a:p>
+            <a:pPr marL="0" indent="0" eaLnBrk="1" hangingPunct="1">
+              <a:buFont typeface="Arial" panose="020B0604020202020204" pitchFamily="34" charset="0"/>
+              <a:buNone/>
+            </a:pPr>
+            <a:r>
+              <a:rPr lang="en-GB" altLang="en-US" sz="2000" b="1" dirty="0">
+                <a:latin typeface="Courier New" panose="02070309020205020404" pitchFamily="49" charset="0"/>
+                <a:cs typeface="Courier New" panose="02070309020205020404" pitchFamily="49" charset="0"/>
+              </a:rPr>
+              <a:t>&gt;&gt;&gt;</a:t>
+            </a:r>
+            <a:r>
+              <a:rPr lang="en-GB" altLang="en-US" sz="2000" dirty="0">
+                <a:latin typeface="Courier New" panose="02070309020205020404" pitchFamily="49" charset="0"/>
+                <a:cs typeface="Courier New" panose="02070309020205020404" pitchFamily="49" charset="0"/>
+              </a:rPr>
+              <a:t> </a:t>
+            </a:r>
+            <a:r>
+              <a:rPr lang="en-GB" altLang="en-US" sz="2000" b="1" dirty="0">
+                <a:latin typeface="Courier New" panose="02070309020205020404" pitchFamily="49" charset="0"/>
+                <a:cs typeface="Courier New" panose="02070309020205020404" pitchFamily="49" charset="0"/>
+              </a:rPr>
+              <a:t>print</a:t>
+            </a:r>
+            <a:r>
+              <a:rPr lang="en-GB" altLang="en-US" sz="2000" dirty="0">
+                <a:latin typeface="Courier New" panose="02070309020205020404" pitchFamily="49" charset="0"/>
+                <a:cs typeface="Courier New" panose="02070309020205020404" pitchFamily="49" charset="0"/>
+              </a:rPr>
+              <a:t>(b)</a:t>
+            </a:r>
+          </a:p>
+          <a:p>
+            <a:pPr marL="0" indent="0" eaLnBrk="1" hangingPunct="1">
+              <a:buFont typeface="Arial" panose="020B0604020202020204" pitchFamily="34" charset="0"/>
+              <a:buNone/>
+            </a:pPr>
+            <a:r>
+              <a:rPr lang="en-GB" altLang="en-US" sz="2000" i="1" dirty="0">
+                <a:solidFill>
+                  <a:srgbClr val="008000"/>
+                </a:solidFill>
+                <a:latin typeface="Courier New" panose="02070309020205020404" pitchFamily="49" charset="0"/>
+                <a:cs typeface="Courier New" panose="02070309020205020404" pitchFamily="49" charset="0"/>
+              </a:rPr>
+              <a:t>[0, 1, 2]</a:t>
+            </a:r>
+          </a:p>
+        </p:txBody>
+      </p:sp>
+    </p:spTree>
+    <p:extLst>
+      <p:ext uri="{BB962C8B-B14F-4D97-AF65-F5344CB8AC3E}">
+        <p14:creationId xmlns:p14="http://schemas.microsoft.com/office/powerpoint/2010/main" val="3520352966"/>
+      </p:ext>
+    </p:extLst>
+  </p:cSld>
+  <p:clrMapOvr>
+    <a:masterClrMapping/>
+  </p:clrMapOvr>
+</p:sld>
+</file>
+
+<file path=ppt/slides/slide5.xml><?xml version="1.0" encoding="utf-8"?>
+<p:sld xmlns:a="http://schemas.openxmlformats.org/drawingml/2006/main" xmlns:r="http://schemas.openxmlformats.org/officeDocument/2006/relationships" xmlns:p="http://schemas.openxmlformats.org/presentationml/2006/main">
+  <p:cSld>
+    <p:spTree>
+      <p:nvGrpSpPr>
+        <p:cNvPr id="1" name=""/>
+        <p:cNvGrpSpPr/>
+        <p:nvPr/>
+      </p:nvGrpSpPr>
+      <p:grpSpPr>
+        <a:xfrm>
+          <a:off x="0" y="0"/>
+          <a:ext cx="0" cy="0"/>
+          <a:chOff x="0" y="0"/>
+          <a:chExt cx="0" cy="0"/>
+        </a:xfrm>
+      </p:grpSpPr>
+      <p:sp>
+        <p:nvSpPr>
+          <p:cNvPr id="12290" name="Title 1"/>
+          <p:cNvSpPr>
+            <a:spLocks noGrp="1"/>
+          </p:cNvSpPr>
+          <p:nvPr>
+            <p:ph type="title"/>
+          </p:nvPr>
+        </p:nvSpPr>
+        <p:spPr>
+          <a:xfrm>
+            <a:off x="395288" y="-171450"/>
+            <a:ext cx="8451850" cy="1431925"/>
+          </a:xfrm>
+        </p:spPr>
+        <p:txBody>
+          <a:bodyPr/>
+          <a:lstStyle/>
+          <a:p>
+            <a:pPr eaLnBrk="1" hangingPunct="1"/>
+            <a:r>
+              <a:rPr lang="en-US" altLang="en-US"/>
+              <a:t>Mutable objects and aliasing</a:t>
+            </a:r>
+            <a:endParaRPr lang="en-GB" altLang="en-US"/>
+          </a:p>
+        </p:txBody>
+      </p:sp>
+      <p:sp>
+        <p:nvSpPr>
+          <p:cNvPr id="12291" name="Content Placeholder 2"/>
+          <p:cNvSpPr>
+            <a:spLocks noGrp="1"/>
+          </p:cNvSpPr>
+          <p:nvPr>
+            <p:ph idx="1"/>
+          </p:nvPr>
+        </p:nvSpPr>
+        <p:spPr>
+          <a:xfrm>
+            <a:off x="539750" y="981075"/>
+            <a:ext cx="8064500" cy="5543550"/>
+          </a:xfrm>
+        </p:spPr>
+        <p:txBody>
+          <a:bodyPr/>
+          <a:lstStyle/>
+          <a:p>
+            <a:pPr marL="0" indent="0" eaLnBrk="1" hangingPunct="1">
+              <a:buFont typeface="Arial" panose="020B0604020202020204" pitchFamily="34" charset="0"/>
+              <a:buNone/>
+            </a:pPr>
+            <a:r>
+              <a:rPr lang="en-GB" altLang="en-US" sz="2000" dirty="0"/>
+              <a:t>Mutable objects in Python can be subject to </a:t>
+            </a:r>
+            <a:r>
+              <a:rPr lang="en-GB" altLang="en-US" sz="2000" i="1" dirty="0"/>
+              <a:t>aliasing.</a:t>
+            </a:r>
+          </a:p>
+          <a:p>
+            <a:pPr marL="0" indent="0" eaLnBrk="1" hangingPunct="1">
+              <a:buFont typeface="Arial" panose="020B0604020202020204" pitchFamily="34" charset="0"/>
+              <a:buNone/>
+            </a:pPr>
+            <a:r>
+              <a:rPr lang="en-GB" altLang="en-US" sz="2000" b="1" dirty="0">
+                <a:latin typeface="Courier New" panose="02070309020205020404" pitchFamily="49" charset="0"/>
+                <a:cs typeface="Courier New" panose="02070309020205020404" pitchFamily="49" charset="0"/>
+              </a:rPr>
+              <a:t>&gt;&gt;&gt;</a:t>
+            </a:r>
+            <a:r>
+              <a:rPr lang="en-GB" altLang="en-US" sz="2000" dirty="0">
+                <a:latin typeface="Courier New" panose="02070309020205020404" pitchFamily="49" charset="0"/>
+                <a:cs typeface="Courier New" panose="02070309020205020404" pitchFamily="49" charset="0"/>
+              </a:rPr>
+              <a:t> a = [[0, 1, 2], [0, 1, 2]]</a:t>
+            </a:r>
+          </a:p>
+          <a:p>
+            <a:pPr marL="0" indent="0" eaLnBrk="1" hangingPunct="1">
+              <a:buFont typeface="Arial" panose="020B0604020202020204" pitchFamily="34" charset="0"/>
+              <a:buNone/>
+            </a:pPr>
+            <a:r>
+              <a:rPr lang="en-GB" altLang="en-US" sz="2000" b="1" dirty="0">
+                <a:latin typeface="Courier New" panose="02070309020205020404" pitchFamily="49" charset="0"/>
+                <a:cs typeface="Courier New" panose="02070309020205020404" pitchFamily="49" charset="0"/>
+              </a:rPr>
+              <a:t>&gt;&gt;&gt;</a:t>
+            </a:r>
+            <a:r>
+              <a:rPr lang="en-GB" altLang="en-US" sz="2000" dirty="0">
+                <a:latin typeface="Courier New" panose="02070309020205020404" pitchFamily="49" charset="0"/>
+                <a:cs typeface="Courier New" panose="02070309020205020404" pitchFamily="49" charset="0"/>
+              </a:rPr>
+              <a:t> </a:t>
+            </a:r>
+            <a:r>
+              <a:rPr lang="en-GB" altLang="en-US" sz="2000" b="1" dirty="0">
+                <a:latin typeface="Courier New" panose="02070309020205020404" pitchFamily="49" charset="0"/>
+                <a:cs typeface="Courier New" panose="02070309020205020404" pitchFamily="49" charset="0"/>
+              </a:rPr>
+              <a:t>print</a:t>
+            </a:r>
+            <a:r>
+              <a:rPr lang="en-GB" altLang="en-US" sz="2000" dirty="0">
+                <a:latin typeface="Courier New" panose="02070309020205020404" pitchFamily="49" charset="0"/>
+                <a:cs typeface="Courier New" panose="02070309020205020404" pitchFamily="49" charset="0"/>
+              </a:rPr>
+              <a:t>(a)</a:t>
+            </a:r>
+          </a:p>
+          <a:p>
+            <a:pPr marL="0" indent="0" eaLnBrk="1" hangingPunct="1">
+              <a:buFont typeface="Arial" panose="020B0604020202020204" pitchFamily="34" charset="0"/>
+              <a:buNone/>
+            </a:pPr>
+            <a:r>
+              <a:rPr lang="en-GB" altLang="en-US" sz="2000" i="1" dirty="0">
+                <a:solidFill>
+                  <a:srgbClr val="008000"/>
+                </a:solidFill>
+                <a:latin typeface="Courier New" panose="02070309020205020404" pitchFamily="49" charset="0"/>
+                <a:cs typeface="Courier New" panose="02070309020205020404" pitchFamily="49" charset="0"/>
+              </a:rPr>
+              <a:t>[[0, 1, 2], [0, 1, 2]]</a:t>
+            </a:r>
+          </a:p>
+          <a:p>
+            <a:pPr marL="0" indent="0" eaLnBrk="1" hangingPunct="1">
+              <a:buFont typeface="Arial" panose="020B0604020202020204" pitchFamily="34" charset="0"/>
+              <a:buNone/>
+            </a:pPr>
+            <a:r>
+              <a:rPr lang="en-GB" altLang="en-US" sz="2000" b="1" dirty="0">
+                <a:latin typeface="Courier New" panose="02070309020205020404" pitchFamily="49" charset="0"/>
+                <a:cs typeface="Courier New" panose="02070309020205020404" pitchFamily="49" charset="0"/>
+              </a:rPr>
+              <a:t>&gt;&gt;&gt;</a:t>
+            </a:r>
+            <a:r>
+              <a:rPr lang="en-GB" altLang="en-US" sz="2000" dirty="0">
+                <a:latin typeface="Courier New" panose="02070309020205020404" pitchFamily="49" charset="0"/>
+                <a:cs typeface="Courier New" panose="02070309020205020404" pitchFamily="49" charset="0"/>
+              </a:rPr>
+              <a:t> b = a[1]</a:t>
+            </a:r>
+          </a:p>
+          <a:p>
+            <a:pPr marL="0" indent="0" eaLnBrk="1" hangingPunct="1">
+              <a:buFont typeface="Arial" panose="020B0604020202020204" pitchFamily="34" charset="0"/>
+              <a:buNone/>
+            </a:pPr>
+            <a:r>
+              <a:rPr lang="en-GB" altLang="en-US" sz="2000" b="1" dirty="0">
+                <a:latin typeface="Courier New" panose="02070309020205020404" pitchFamily="49" charset="0"/>
+                <a:cs typeface="Courier New" panose="02070309020205020404" pitchFamily="49" charset="0"/>
+              </a:rPr>
+              <a:t>&gt;&gt;&gt;</a:t>
+            </a:r>
+            <a:r>
+              <a:rPr lang="en-GB" altLang="en-US" sz="2000" dirty="0">
+                <a:latin typeface="Courier New" panose="02070309020205020404" pitchFamily="49" charset="0"/>
+                <a:cs typeface="Courier New" panose="02070309020205020404" pitchFamily="49" charset="0"/>
+              </a:rPr>
+              <a:t> </a:t>
+            </a:r>
+            <a:r>
+              <a:rPr lang="en-GB" altLang="en-US" sz="2000" b="1" dirty="0">
+                <a:latin typeface="Courier New" panose="02070309020205020404" pitchFamily="49" charset="0"/>
+                <a:cs typeface="Courier New" panose="02070309020205020404" pitchFamily="49" charset="0"/>
+              </a:rPr>
+              <a:t>print</a:t>
+            </a:r>
+            <a:r>
+              <a:rPr lang="en-GB" altLang="en-US" sz="2000" dirty="0">
+                <a:latin typeface="Courier New" panose="02070309020205020404" pitchFamily="49" charset="0"/>
+                <a:cs typeface="Courier New" panose="02070309020205020404" pitchFamily="49" charset="0"/>
+              </a:rPr>
+              <a:t>(b)</a:t>
+            </a:r>
+          </a:p>
+          <a:p>
+            <a:pPr marL="0" indent="0" eaLnBrk="1" hangingPunct="1">
+              <a:buFont typeface="Arial" panose="020B0604020202020204" pitchFamily="34" charset="0"/>
+              <a:buNone/>
+            </a:pPr>
+            <a:r>
+              <a:rPr lang="en-GB" altLang="en-US" sz="2000" i="1" dirty="0">
+                <a:solidFill>
+                  <a:srgbClr val="008000"/>
+                </a:solidFill>
+                <a:latin typeface="Courier New" panose="02070309020205020404" pitchFamily="49" charset="0"/>
+                <a:cs typeface="Courier New" panose="02070309020205020404" pitchFamily="49" charset="0"/>
+              </a:rPr>
+              <a:t>[0, 1, 2]</a:t>
+            </a:r>
+          </a:p>
+          <a:p>
+            <a:pPr marL="0" indent="0" eaLnBrk="1" hangingPunct="1">
+              <a:buFont typeface="Arial" panose="020B0604020202020204" pitchFamily="34" charset="0"/>
+              <a:buNone/>
+            </a:pPr>
+            <a:r>
+              <a:rPr lang="en-GB" altLang="en-US" sz="2000" b="1" dirty="0">
+                <a:latin typeface="Courier New" panose="02070309020205020404" pitchFamily="49" charset="0"/>
+                <a:cs typeface="Courier New" panose="02070309020205020404" pitchFamily="49" charset="0"/>
+              </a:rPr>
+              <a:t>&gt;&gt;&gt;</a:t>
+            </a:r>
+            <a:r>
+              <a:rPr lang="en-GB" altLang="en-US" sz="2000" dirty="0">
+                <a:latin typeface="Courier New" panose="02070309020205020404" pitchFamily="49" charset="0"/>
+                <a:cs typeface="Courier New" panose="02070309020205020404" pitchFamily="49" charset="0"/>
+              </a:rPr>
+              <a:t> b[1] = 'hello'</a:t>
+            </a:r>
+          </a:p>
+        </p:txBody>
+      </p:sp>
+    </p:spTree>
+    <p:extLst>
+      <p:ext uri="{BB962C8B-B14F-4D97-AF65-F5344CB8AC3E}">
+        <p14:creationId xmlns:p14="http://schemas.microsoft.com/office/powerpoint/2010/main" val="3925302060"/>
+      </p:ext>
+    </p:extLst>
+  </p:cSld>
+  <p:clrMapOvr>
+    <a:masterClrMapping/>
+  </p:clrMapOvr>
+</p:sld>
+</file>
+
+<file path=ppt/slides/slide6.xml><?xml version="1.0" encoding="utf-8"?>
+<p:sld xmlns:a="http://schemas.openxmlformats.org/drawingml/2006/main" xmlns:r="http://schemas.openxmlformats.org/officeDocument/2006/relationships" xmlns:p="http://schemas.openxmlformats.org/presentationml/2006/main">
+  <p:cSld>
+    <p:spTree>
+      <p:nvGrpSpPr>
+        <p:cNvPr id="1" name=""/>
+        <p:cNvGrpSpPr/>
+        <p:nvPr/>
+      </p:nvGrpSpPr>
+      <p:grpSpPr>
+        <a:xfrm>
+          <a:off x="0" y="0"/>
+          <a:ext cx="0" cy="0"/>
+          <a:chOff x="0" y="0"/>
+          <a:chExt cx="0" cy="0"/>
+        </a:xfrm>
+      </p:grpSpPr>
+      <p:sp>
+        <p:nvSpPr>
+          <p:cNvPr id="12290" name="Title 1"/>
+          <p:cNvSpPr>
+            <a:spLocks noGrp="1"/>
+          </p:cNvSpPr>
+          <p:nvPr>
+            <p:ph type="title"/>
+          </p:nvPr>
+        </p:nvSpPr>
+        <p:spPr>
+          <a:xfrm>
+            <a:off x="395288" y="-171450"/>
+            <a:ext cx="8451850" cy="1431925"/>
+          </a:xfrm>
+        </p:spPr>
+        <p:txBody>
+          <a:bodyPr/>
+          <a:lstStyle/>
+          <a:p>
+            <a:pPr eaLnBrk="1" hangingPunct="1"/>
+            <a:r>
+              <a:rPr lang="en-US" altLang="en-US"/>
+              <a:t>Mutable objects and aliasing</a:t>
+            </a:r>
+            <a:endParaRPr lang="en-GB" altLang="en-US"/>
+          </a:p>
+        </p:txBody>
+      </p:sp>
+      <p:sp>
+        <p:nvSpPr>
+          <p:cNvPr id="12291" name="Content Placeholder 2"/>
+          <p:cNvSpPr>
+            <a:spLocks noGrp="1"/>
+          </p:cNvSpPr>
+          <p:nvPr>
+            <p:ph idx="1"/>
+          </p:nvPr>
+        </p:nvSpPr>
+        <p:spPr>
+          <a:xfrm>
+            <a:off x="539750" y="981075"/>
+            <a:ext cx="8064500" cy="5543550"/>
+          </a:xfrm>
+        </p:spPr>
+        <p:txBody>
+          <a:bodyPr/>
+          <a:lstStyle/>
+          <a:p>
+            <a:pPr marL="0" indent="0" eaLnBrk="1" hangingPunct="1">
+              <a:buFont typeface="Arial" panose="020B0604020202020204" pitchFamily="34" charset="0"/>
+              <a:buNone/>
+            </a:pPr>
+            <a:r>
+              <a:rPr lang="en-GB" altLang="en-US" sz="2000" dirty="0"/>
+              <a:t>Mutable objects in Python can be subject to </a:t>
+            </a:r>
+            <a:r>
+              <a:rPr lang="en-GB" altLang="en-US" sz="2000" i="1" dirty="0"/>
+              <a:t>aliasing.</a:t>
+            </a:r>
+          </a:p>
+          <a:p>
+            <a:pPr marL="0" indent="0" eaLnBrk="1" hangingPunct="1">
+              <a:buFont typeface="Arial" panose="020B0604020202020204" pitchFamily="34" charset="0"/>
+              <a:buNone/>
+            </a:pPr>
+            <a:r>
+              <a:rPr lang="en-GB" altLang="en-US" sz="2000" b="1" dirty="0">
+                <a:latin typeface="Courier New" panose="02070309020205020404" pitchFamily="49" charset="0"/>
+                <a:cs typeface="Courier New" panose="02070309020205020404" pitchFamily="49" charset="0"/>
+              </a:rPr>
+              <a:t>&gt;&gt;&gt;</a:t>
+            </a:r>
+            <a:r>
+              <a:rPr lang="en-GB" altLang="en-US" sz="2000" dirty="0">
+                <a:latin typeface="Courier New" panose="02070309020205020404" pitchFamily="49" charset="0"/>
+                <a:cs typeface="Courier New" panose="02070309020205020404" pitchFamily="49" charset="0"/>
+              </a:rPr>
+              <a:t> a = [[0, 1, 2], [0, 1, 2]]</a:t>
+            </a:r>
+          </a:p>
+          <a:p>
+            <a:pPr marL="0" indent="0" eaLnBrk="1" hangingPunct="1">
+              <a:buFont typeface="Arial" panose="020B0604020202020204" pitchFamily="34" charset="0"/>
+              <a:buNone/>
+            </a:pPr>
+            <a:r>
+              <a:rPr lang="en-GB" altLang="en-US" sz="2000" b="1" dirty="0">
+                <a:latin typeface="Courier New" panose="02070309020205020404" pitchFamily="49" charset="0"/>
+                <a:cs typeface="Courier New" panose="02070309020205020404" pitchFamily="49" charset="0"/>
+              </a:rPr>
+              <a:t>&gt;&gt;&gt;</a:t>
+            </a:r>
+            <a:r>
+              <a:rPr lang="en-GB" altLang="en-US" sz="2000" dirty="0">
+                <a:latin typeface="Courier New" panose="02070309020205020404" pitchFamily="49" charset="0"/>
+                <a:cs typeface="Courier New" panose="02070309020205020404" pitchFamily="49" charset="0"/>
+              </a:rPr>
+              <a:t> </a:t>
+            </a:r>
+            <a:r>
+              <a:rPr lang="en-GB" altLang="en-US" sz="2000" b="1" dirty="0">
+                <a:latin typeface="Courier New" panose="02070309020205020404" pitchFamily="49" charset="0"/>
+                <a:cs typeface="Courier New" panose="02070309020205020404" pitchFamily="49" charset="0"/>
+              </a:rPr>
+              <a:t>print</a:t>
+            </a:r>
+            <a:r>
+              <a:rPr lang="en-GB" altLang="en-US" sz="2000" dirty="0">
+                <a:latin typeface="Courier New" panose="02070309020205020404" pitchFamily="49" charset="0"/>
+                <a:cs typeface="Courier New" panose="02070309020205020404" pitchFamily="49" charset="0"/>
+              </a:rPr>
+              <a:t>(a)</a:t>
+            </a:r>
+          </a:p>
+          <a:p>
+            <a:pPr marL="0" indent="0" eaLnBrk="1" hangingPunct="1">
+              <a:buFont typeface="Arial" panose="020B0604020202020204" pitchFamily="34" charset="0"/>
+              <a:buNone/>
+            </a:pPr>
+            <a:r>
+              <a:rPr lang="en-GB" altLang="en-US" sz="2000" i="1" dirty="0">
+                <a:solidFill>
+                  <a:srgbClr val="008000"/>
+                </a:solidFill>
+                <a:latin typeface="Courier New" panose="02070309020205020404" pitchFamily="49" charset="0"/>
+                <a:cs typeface="Courier New" panose="02070309020205020404" pitchFamily="49" charset="0"/>
+              </a:rPr>
+              <a:t>[[0, 1, 2], [0, 1, 2]]</a:t>
+            </a:r>
+          </a:p>
+          <a:p>
+            <a:pPr marL="0" indent="0" eaLnBrk="1" hangingPunct="1">
+              <a:buFont typeface="Arial" panose="020B0604020202020204" pitchFamily="34" charset="0"/>
+              <a:buNone/>
+            </a:pPr>
+            <a:r>
+              <a:rPr lang="en-GB" altLang="en-US" sz="2000" b="1" dirty="0">
+                <a:latin typeface="Courier New" panose="02070309020205020404" pitchFamily="49" charset="0"/>
+                <a:cs typeface="Courier New" panose="02070309020205020404" pitchFamily="49" charset="0"/>
+              </a:rPr>
+              <a:t>&gt;&gt;&gt;</a:t>
+            </a:r>
+            <a:r>
+              <a:rPr lang="en-GB" altLang="en-US" sz="2000" dirty="0">
+                <a:latin typeface="Courier New" panose="02070309020205020404" pitchFamily="49" charset="0"/>
+                <a:cs typeface="Courier New" panose="02070309020205020404" pitchFamily="49" charset="0"/>
+              </a:rPr>
+              <a:t> b = a[1]</a:t>
+            </a:r>
+          </a:p>
+          <a:p>
+            <a:pPr marL="0" indent="0" eaLnBrk="1" hangingPunct="1">
+              <a:buFont typeface="Arial" panose="020B0604020202020204" pitchFamily="34" charset="0"/>
+              <a:buNone/>
+            </a:pPr>
+            <a:r>
+              <a:rPr lang="en-GB" altLang="en-US" sz="2000" b="1" dirty="0">
+                <a:latin typeface="Courier New" panose="02070309020205020404" pitchFamily="49" charset="0"/>
+                <a:cs typeface="Courier New" panose="02070309020205020404" pitchFamily="49" charset="0"/>
+              </a:rPr>
+              <a:t>&gt;&gt;&gt;</a:t>
+            </a:r>
+            <a:r>
+              <a:rPr lang="en-GB" altLang="en-US" sz="2000" dirty="0">
+                <a:latin typeface="Courier New" panose="02070309020205020404" pitchFamily="49" charset="0"/>
+                <a:cs typeface="Courier New" panose="02070309020205020404" pitchFamily="49" charset="0"/>
+              </a:rPr>
+              <a:t> </a:t>
+            </a:r>
+            <a:r>
+              <a:rPr lang="en-GB" altLang="en-US" sz="2000" b="1" dirty="0">
+                <a:latin typeface="Courier New" panose="02070309020205020404" pitchFamily="49" charset="0"/>
+                <a:cs typeface="Courier New" panose="02070309020205020404" pitchFamily="49" charset="0"/>
+              </a:rPr>
+              <a:t>print</a:t>
+            </a:r>
+            <a:r>
+              <a:rPr lang="en-GB" altLang="en-US" sz="2000" dirty="0">
+                <a:latin typeface="Courier New" panose="02070309020205020404" pitchFamily="49" charset="0"/>
+                <a:cs typeface="Courier New" panose="02070309020205020404" pitchFamily="49" charset="0"/>
+              </a:rPr>
+              <a:t>(b)</a:t>
+            </a:r>
+          </a:p>
+          <a:p>
+            <a:pPr marL="0" indent="0" eaLnBrk="1" hangingPunct="1">
+              <a:buFont typeface="Arial" panose="020B0604020202020204" pitchFamily="34" charset="0"/>
+              <a:buNone/>
+            </a:pPr>
+            <a:r>
+              <a:rPr lang="en-GB" altLang="en-US" sz="2000" i="1" dirty="0">
+                <a:solidFill>
+                  <a:srgbClr val="008000"/>
+                </a:solidFill>
+                <a:latin typeface="Courier New" panose="02070309020205020404" pitchFamily="49" charset="0"/>
+                <a:cs typeface="Courier New" panose="02070309020205020404" pitchFamily="49" charset="0"/>
+              </a:rPr>
+              <a:t>[0, 1, 2]</a:t>
+            </a:r>
+          </a:p>
+          <a:p>
+            <a:pPr marL="0" indent="0" eaLnBrk="1" hangingPunct="1">
+              <a:buFont typeface="Arial" panose="020B0604020202020204" pitchFamily="34" charset="0"/>
+              <a:buNone/>
+            </a:pPr>
+            <a:r>
+              <a:rPr lang="en-GB" altLang="en-US" sz="2000" b="1" dirty="0">
+                <a:latin typeface="Courier New" panose="02070309020205020404" pitchFamily="49" charset="0"/>
+                <a:cs typeface="Courier New" panose="02070309020205020404" pitchFamily="49" charset="0"/>
+              </a:rPr>
+              <a:t>&gt;&gt;&gt;</a:t>
+            </a:r>
+            <a:r>
+              <a:rPr lang="en-GB" altLang="en-US" sz="2000" dirty="0">
+                <a:latin typeface="Courier New" panose="02070309020205020404" pitchFamily="49" charset="0"/>
+                <a:cs typeface="Courier New" panose="02070309020205020404" pitchFamily="49" charset="0"/>
+              </a:rPr>
+              <a:t> b[1] = 'hello'</a:t>
+            </a:r>
+          </a:p>
+          <a:p>
+            <a:pPr marL="0" indent="0" eaLnBrk="1" hangingPunct="1">
+              <a:buFont typeface="Arial" panose="020B0604020202020204" pitchFamily="34" charset="0"/>
+              <a:buNone/>
+            </a:pPr>
+            <a:r>
+              <a:rPr lang="en-GB" altLang="en-US" sz="2000" b="1" dirty="0">
+                <a:latin typeface="Courier New" panose="02070309020205020404" pitchFamily="49" charset="0"/>
+                <a:cs typeface="Courier New" panose="02070309020205020404" pitchFamily="49" charset="0"/>
+              </a:rPr>
+              <a:t>&gt;&gt;&gt;</a:t>
+            </a:r>
+            <a:r>
+              <a:rPr lang="en-GB" altLang="en-US" sz="2000" dirty="0">
+                <a:latin typeface="Courier New" panose="02070309020205020404" pitchFamily="49" charset="0"/>
+                <a:cs typeface="Courier New" panose="02070309020205020404" pitchFamily="49" charset="0"/>
+              </a:rPr>
+              <a:t> </a:t>
+            </a:r>
+            <a:r>
+              <a:rPr lang="en-GB" altLang="en-US" sz="2000" b="1" dirty="0">
+                <a:latin typeface="Courier New" panose="02070309020205020404" pitchFamily="49" charset="0"/>
+                <a:cs typeface="Courier New" panose="02070309020205020404" pitchFamily="49" charset="0"/>
+              </a:rPr>
+              <a:t>print</a:t>
+            </a:r>
+            <a:r>
+              <a:rPr lang="en-GB" altLang="en-US" sz="2000" dirty="0">
+                <a:latin typeface="Courier New" panose="02070309020205020404" pitchFamily="49" charset="0"/>
+                <a:cs typeface="Courier New" panose="02070309020205020404" pitchFamily="49" charset="0"/>
+              </a:rPr>
+              <a:t>(b)</a:t>
+            </a:r>
+          </a:p>
+          <a:p>
+            <a:pPr marL="0" indent="0" eaLnBrk="1" hangingPunct="1">
+              <a:buFont typeface="Arial" panose="020B0604020202020204" pitchFamily="34" charset="0"/>
+              <a:buNone/>
+            </a:pPr>
+            <a:r>
+              <a:rPr lang="en-GB" altLang="en-US" sz="2000" i="1" dirty="0">
+                <a:solidFill>
+                  <a:srgbClr val="008000"/>
+                </a:solidFill>
+                <a:latin typeface="Courier New" panose="02070309020205020404" pitchFamily="49" charset="0"/>
+                <a:cs typeface="Courier New" panose="02070309020205020404" pitchFamily="49" charset="0"/>
+              </a:rPr>
+              <a:t>[0, 'hello', 2]</a:t>
+            </a:r>
+          </a:p>
+        </p:txBody>
+      </p:sp>
+    </p:spTree>
+    <p:extLst>
+      <p:ext uri="{BB962C8B-B14F-4D97-AF65-F5344CB8AC3E}">
+        <p14:creationId xmlns:p14="http://schemas.microsoft.com/office/powerpoint/2010/main" val="2223885070"/>
+      </p:ext>
+    </p:extLst>
+  </p:cSld>
+  <p:clrMapOvr>
+    <a:masterClrMapping/>
+  </p:clrMapOvr>
+</p:sld>
+</file>
+
+<file path=ppt/slides/slide7.xml><?xml version="1.0" encoding="utf-8"?>
+<p:sld xmlns:a="http://schemas.openxmlformats.org/drawingml/2006/main" xmlns:r="http://schemas.openxmlformats.org/officeDocument/2006/relationships" xmlns:p="http://schemas.openxmlformats.org/presentationml/2006/main">
+  <p:cSld>
+    <p:spTree>
+      <p:nvGrpSpPr>
+        <p:cNvPr id="1" name=""/>
+        <p:cNvGrpSpPr/>
+        <p:nvPr/>
+      </p:nvGrpSpPr>
+      <p:grpSpPr>
+        <a:xfrm>
+          <a:off x="0" y="0"/>
+          <a:ext cx="0" cy="0"/>
+          <a:chOff x="0" y="0"/>
+          <a:chExt cx="0" cy="0"/>
+        </a:xfrm>
+      </p:grpSpPr>
+      <p:sp>
+        <p:nvSpPr>
+          <p:cNvPr id="12290" name="Title 1"/>
+          <p:cNvSpPr>
+            <a:spLocks noGrp="1"/>
+          </p:cNvSpPr>
+          <p:nvPr>
+            <p:ph type="title"/>
+          </p:nvPr>
+        </p:nvSpPr>
+        <p:spPr>
+          <a:xfrm>
+            <a:off x="395288" y="-171450"/>
+            <a:ext cx="8451850" cy="1431925"/>
+          </a:xfrm>
+        </p:spPr>
+        <p:txBody>
+          <a:bodyPr/>
+          <a:lstStyle/>
+          <a:p>
+            <a:pPr eaLnBrk="1" hangingPunct="1"/>
+            <a:r>
+              <a:rPr lang="en-US" altLang="en-US"/>
+              <a:t>Mutable objects and aliasing</a:t>
+            </a:r>
+            <a:endParaRPr lang="en-GB" altLang="en-US"/>
+          </a:p>
+        </p:txBody>
+      </p:sp>
+      <p:sp>
+        <p:nvSpPr>
+          <p:cNvPr id="12291" name="Content Placeholder 2"/>
+          <p:cNvSpPr>
+            <a:spLocks noGrp="1"/>
+          </p:cNvSpPr>
+          <p:nvPr>
+            <p:ph idx="1"/>
+          </p:nvPr>
+        </p:nvSpPr>
+        <p:spPr>
+          <a:xfrm>
+            <a:off x="539750" y="981075"/>
+            <a:ext cx="8064500" cy="5543550"/>
+          </a:xfrm>
+        </p:spPr>
+        <p:txBody>
+          <a:bodyPr/>
+          <a:lstStyle/>
+          <a:p>
+            <a:pPr marL="0" indent="0" eaLnBrk="1" hangingPunct="1">
+              <a:buFont typeface="Arial" panose="020B0604020202020204" pitchFamily="34" charset="0"/>
+              <a:buNone/>
+            </a:pPr>
+            <a:r>
+              <a:rPr lang="en-GB" altLang="en-US" sz="2000" dirty="0"/>
+              <a:t>Mutable objects in Python can be subject to </a:t>
+            </a:r>
+            <a:r>
+              <a:rPr lang="en-GB" altLang="en-US" sz="2000" i="1" dirty="0"/>
+              <a:t>aliasing.</a:t>
+            </a:r>
+          </a:p>
+          <a:p>
+            <a:pPr marL="0" indent="0" eaLnBrk="1" hangingPunct="1">
+              <a:buFont typeface="Arial" panose="020B0604020202020204" pitchFamily="34" charset="0"/>
+              <a:buNone/>
+            </a:pPr>
+            <a:r>
+              <a:rPr lang="en-GB" altLang="en-US" sz="2000" b="1" dirty="0">
+                <a:latin typeface="Courier New" panose="02070309020205020404" pitchFamily="49" charset="0"/>
+                <a:cs typeface="Courier New" panose="02070309020205020404" pitchFamily="49" charset="0"/>
+              </a:rPr>
+              <a:t>&gt;&gt;&gt;</a:t>
+            </a:r>
+            <a:r>
+              <a:rPr lang="en-GB" altLang="en-US" sz="2000" dirty="0">
+                <a:latin typeface="Courier New" panose="02070309020205020404" pitchFamily="49" charset="0"/>
+                <a:cs typeface="Courier New" panose="02070309020205020404" pitchFamily="49" charset="0"/>
+              </a:rPr>
+              <a:t> a = [[0, 1, 2], [0, 1, 2]]</a:t>
+            </a:r>
+          </a:p>
+          <a:p>
+            <a:pPr marL="0" indent="0" eaLnBrk="1" hangingPunct="1">
+              <a:buFont typeface="Arial" panose="020B0604020202020204" pitchFamily="34" charset="0"/>
+              <a:buNone/>
+            </a:pPr>
+            <a:r>
+              <a:rPr lang="en-GB" altLang="en-US" sz="2000" b="1" dirty="0">
+                <a:latin typeface="Courier New" panose="02070309020205020404" pitchFamily="49" charset="0"/>
+                <a:cs typeface="Courier New" panose="02070309020205020404" pitchFamily="49" charset="0"/>
+              </a:rPr>
+              <a:t>&gt;&gt;&gt;</a:t>
+            </a:r>
+            <a:r>
+              <a:rPr lang="en-GB" altLang="en-US" sz="2000" dirty="0">
+                <a:latin typeface="Courier New" panose="02070309020205020404" pitchFamily="49" charset="0"/>
+                <a:cs typeface="Courier New" panose="02070309020205020404" pitchFamily="49" charset="0"/>
+              </a:rPr>
+              <a:t> </a:t>
+            </a:r>
+            <a:r>
+              <a:rPr lang="en-GB" altLang="en-US" sz="2000" b="1" dirty="0">
+                <a:latin typeface="Courier New" panose="02070309020205020404" pitchFamily="49" charset="0"/>
+                <a:cs typeface="Courier New" panose="02070309020205020404" pitchFamily="49" charset="0"/>
+              </a:rPr>
+              <a:t>print</a:t>
+            </a:r>
+            <a:r>
+              <a:rPr lang="en-GB" altLang="en-US" sz="2000" dirty="0">
+                <a:latin typeface="Courier New" panose="02070309020205020404" pitchFamily="49" charset="0"/>
+                <a:cs typeface="Courier New" panose="02070309020205020404" pitchFamily="49" charset="0"/>
+              </a:rPr>
+              <a:t>(a)</a:t>
+            </a:r>
+          </a:p>
+          <a:p>
+            <a:pPr marL="0" indent="0" eaLnBrk="1" hangingPunct="1">
+              <a:buFont typeface="Arial" panose="020B0604020202020204" pitchFamily="34" charset="0"/>
+              <a:buNone/>
+            </a:pPr>
+            <a:r>
+              <a:rPr lang="en-GB" altLang="en-US" sz="2000" i="1" dirty="0">
+                <a:solidFill>
+                  <a:srgbClr val="008000"/>
+                </a:solidFill>
+                <a:latin typeface="Courier New" panose="02070309020205020404" pitchFamily="49" charset="0"/>
+                <a:cs typeface="Courier New" panose="02070309020205020404" pitchFamily="49" charset="0"/>
+              </a:rPr>
+              <a:t>[[0, 1, 2], [0, 1, 2]]</a:t>
+            </a:r>
+          </a:p>
+          <a:p>
+            <a:pPr marL="0" indent="0" eaLnBrk="1" hangingPunct="1">
+              <a:buFont typeface="Arial" panose="020B0604020202020204" pitchFamily="34" charset="0"/>
+              <a:buNone/>
+            </a:pPr>
+            <a:r>
+              <a:rPr lang="en-GB" altLang="en-US" sz="2000" b="1" dirty="0">
+                <a:latin typeface="Courier New" panose="02070309020205020404" pitchFamily="49" charset="0"/>
+                <a:cs typeface="Courier New" panose="02070309020205020404" pitchFamily="49" charset="0"/>
+              </a:rPr>
+              <a:t>&gt;&gt;&gt;</a:t>
+            </a:r>
+            <a:r>
+              <a:rPr lang="en-GB" altLang="en-US" sz="2000" dirty="0">
+                <a:latin typeface="Courier New" panose="02070309020205020404" pitchFamily="49" charset="0"/>
+                <a:cs typeface="Courier New" panose="02070309020205020404" pitchFamily="49" charset="0"/>
+              </a:rPr>
+              <a:t> b = a[1]</a:t>
+            </a:r>
+          </a:p>
+          <a:p>
+            <a:pPr marL="0" indent="0" eaLnBrk="1" hangingPunct="1">
+              <a:buFont typeface="Arial" panose="020B0604020202020204" pitchFamily="34" charset="0"/>
+              <a:buNone/>
+            </a:pPr>
+            <a:r>
+              <a:rPr lang="en-GB" altLang="en-US" sz="2000" b="1" dirty="0">
+                <a:latin typeface="Courier New" panose="02070309020205020404" pitchFamily="49" charset="0"/>
+                <a:cs typeface="Courier New" panose="02070309020205020404" pitchFamily="49" charset="0"/>
+              </a:rPr>
+              <a:t>&gt;&gt;&gt;</a:t>
+            </a:r>
+            <a:r>
+              <a:rPr lang="en-GB" altLang="en-US" sz="2000" dirty="0">
+                <a:latin typeface="Courier New" panose="02070309020205020404" pitchFamily="49" charset="0"/>
+                <a:cs typeface="Courier New" panose="02070309020205020404" pitchFamily="49" charset="0"/>
+              </a:rPr>
+              <a:t> </a:t>
+            </a:r>
+            <a:r>
+              <a:rPr lang="en-GB" altLang="en-US" sz="2000" b="1" dirty="0">
+                <a:latin typeface="Courier New" panose="02070309020205020404" pitchFamily="49" charset="0"/>
+                <a:cs typeface="Courier New" panose="02070309020205020404" pitchFamily="49" charset="0"/>
+              </a:rPr>
+              <a:t>print</a:t>
+            </a:r>
+            <a:r>
+              <a:rPr lang="en-GB" altLang="en-US" sz="2000" dirty="0">
+                <a:latin typeface="Courier New" panose="02070309020205020404" pitchFamily="49" charset="0"/>
+                <a:cs typeface="Courier New" panose="02070309020205020404" pitchFamily="49" charset="0"/>
+              </a:rPr>
+              <a:t>(b)</a:t>
+            </a:r>
+          </a:p>
+          <a:p>
+            <a:pPr marL="0" indent="0" eaLnBrk="1" hangingPunct="1">
+              <a:buFont typeface="Arial" panose="020B0604020202020204" pitchFamily="34" charset="0"/>
+              <a:buNone/>
+            </a:pPr>
+            <a:r>
+              <a:rPr lang="en-GB" altLang="en-US" sz="2000" i="1" dirty="0">
+                <a:solidFill>
+                  <a:srgbClr val="008000"/>
+                </a:solidFill>
+                <a:latin typeface="Courier New" panose="02070309020205020404" pitchFamily="49" charset="0"/>
+                <a:cs typeface="Courier New" panose="02070309020205020404" pitchFamily="49" charset="0"/>
+              </a:rPr>
+              <a:t>[0, 1, 2]</a:t>
+            </a:r>
+          </a:p>
+          <a:p>
+            <a:pPr marL="0" indent="0" eaLnBrk="1" hangingPunct="1">
+              <a:buFont typeface="Arial" panose="020B0604020202020204" pitchFamily="34" charset="0"/>
+              <a:buNone/>
+            </a:pPr>
+            <a:r>
+              <a:rPr lang="en-GB" altLang="en-US" sz="2000" b="1" dirty="0">
+                <a:latin typeface="Courier New" panose="02070309020205020404" pitchFamily="49" charset="0"/>
+                <a:cs typeface="Courier New" panose="02070309020205020404" pitchFamily="49" charset="0"/>
+              </a:rPr>
+              <a:t>&gt;&gt;&gt;</a:t>
+            </a:r>
+            <a:r>
+              <a:rPr lang="en-GB" altLang="en-US" sz="2000" dirty="0">
+                <a:latin typeface="Courier New" panose="02070309020205020404" pitchFamily="49" charset="0"/>
+                <a:cs typeface="Courier New" panose="02070309020205020404" pitchFamily="49" charset="0"/>
+              </a:rPr>
+              <a:t> b[1] = 'hello'</a:t>
+            </a:r>
+          </a:p>
+          <a:p>
+            <a:pPr marL="0" indent="0" eaLnBrk="1" hangingPunct="1">
+              <a:buFont typeface="Arial" panose="020B0604020202020204" pitchFamily="34" charset="0"/>
+              <a:buNone/>
+            </a:pPr>
+            <a:r>
+              <a:rPr lang="en-GB" altLang="en-US" sz="2000" b="1" dirty="0">
+                <a:latin typeface="Courier New" panose="02070309020205020404" pitchFamily="49" charset="0"/>
+                <a:cs typeface="Courier New" panose="02070309020205020404" pitchFamily="49" charset="0"/>
+              </a:rPr>
+              <a:t>&gt;&gt;&gt;</a:t>
+            </a:r>
+            <a:r>
+              <a:rPr lang="en-GB" altLang="en-US" sz="2000" dirty="0">
+                <a:latin typeface="Courier New" panose="02070309020205020404" pitchFamily="49" charset="0"/>
+                <a:cs typeface="Courier New" panose="02070309020205020404" pitchFamily="49" charset="0"/>
+              </a:rPr>
+              <a:t> </a:t>
+            </a:r>
+            <a:r>
+              <a:rPr lang="en-GB" altLang="en-US" sz="2000" b="1" dirty="0">
+                <a:latin typeface="Courier New" panose="02070309020205020404" pitchFamily="49" charset="0"/>
+                <a:cs typeface="Courier New" panose="02070309020205020404" pitchFamily="49" charset="0"/>
+              </a:rPr>
+              <a:t>print</a:t>
+            </a:r>
+            <a:r>
+              <a:rPr lang="en-GB" altLang="en-US" sz="2000" dirty="0">
+                <a:latin typeface="Courier New" panose="02070309020205020404" pitchFamily="49" charset="0"/>
+                <a:cs typeface="Courier New" panose="02070309020205020404" pitchFamily="49" charset="0"/>
+              </a:rPr>
+              <a:t>(b)</a:t>
+            </a:r>
+          </a:p>
+          <a:p>
+            <a:pPr marL="0" indent="0" eaLnBrk="1" hangingPunct="1">
+              <a:buFont typeface="Arial" panose="020B0604020202020204" pitchFamily="34" charset="0"/>
+              <a:buNone/>
+            </a:pPr>
+            <a:r>
+              <a:rPr lang="en-GB" altLang="en-US" sz="2000" i="1" dirty="0">
+                <a:solidFill>
+                  <a:srgbClr val="008000"/>
+                </a:solidFill>
+                <a:latin typeface="Courier New" panose="02070309020205020404" pitchFamily="49" charset="0"/>
+                <a:cs typeface="Courier New" panose="02070309020205020404" pitchFamily="49" charset="0"/>
+              </a:rPr>
+              <a:t>[0, 'hello', 2]</a:t>
+            </a:r>
+          </a:p>
+          <a:p>
+            <a:pPr marL="0" indent="0" eaLnBrk="1" hangingPunct="1">
+              <a:buFont typeface="Arial" panose="020B0604020202020204" pitchFamily="34" charset="0"/>
+              <a:buNone/>
+            </a:pPr>
+            <a:r>
+              <a:rPr lang="en-GB" altLang="en-US" sz="2000" b="1" dirty="0">
+                <a:latin typeface="Courier New" panose="02070309020205020404" pitchFamily="49" charset="0"/>
+                <a:cs typeface="Courier New" panose="02070309020205020404" pitchFamily="49" charset="0"/>
+              </a:rPr>
+              <a:t>&gt;&gt;&gt;</a:t>
+            </a:r>
+            <a:r>
+              <a:rPr lang="en-GB" altLang="en-US" sz="2000" dirty="0">
+                <a:latin typeface="Courier New" panose="02070309020205020404" pitchFamily="49" charset="0"/>
+                <a:cs typeface="Courier New" panose="02070309020205020404" pitchFamily="49" charset="0"/>
+              </a:rPr>
+              <a:t> </a:t>
+            </a:r>
+            <a:r>
+              <a:rPr lang="en-GB" altLang="en-US" sz="2000" b="1" dirty="0">
+                <a:latin typeface="Courier New" panose="02070309020205020404" pitchFamily="49" charset="0"/>
+                <a:cs typeface="Courier New" panose="02070309020205020404" pitchFamily="49" charset="0"/>
+              </a:rPr>
+              <a:t>print</a:t>
+            </a:r>
+            <a:r>
+              <a:rPr lang="en-GB" altLang="en-US" sz="2000" dirty="0">
+                <a:latin typeface="Courier New" panose="02070309020205020404" pitchFamily="49" charset="0"/>
+                <a:cs typeface="Courier New" panose="02070309020205020404" pitchFamily="49" charset="0"/>
+              </a:rPr>
+              <a:t>(a)</a:t>
+            </a:r>
+          </a:p>
+        </p:txBody>
+      </p:sp>
+    </p:spTree>
+    <p:extLst>
+      <p:ext uri="{BB962C8B-B14F-4D97-AF65-F5344CB8AC3E}">
+        <p14:creationId xmlns:p14="http://schemas.microsoft.com/office/powerpoint/2010/main" val="3150336306"/>
+      </p:ext>
+    </p:extLst>
+  </p:cSld>
+  <p:clrMapOvr>
+    <a:masterClrMapping/>
+  </p:clrMapOvr>
+</p:sld>
+</file>
+
+<file path=ppt/slides/slide8.xml><?xml version="1.0" encoding="utf-8"?>
+<p:sld xmlns:a="http://schemas.openxmlformats.org/drawingml/2006/main" xmlns:r="http://schemas.openxmlformats.org/officeDocument/2006/relationships" xmlns:p="http://schemas.openxmlformats.org/presentationml/2006/main">
+  <p:cSld>
+    <p:spTree>
+      <p:nvGrpSpPr>
+        <p:cNvPr id="1" name=""/>
+        <p:cNvGrpSpPr/>
+        <p:nvPr/>
+      </p:nvGrpSpPr>
+      <p:grpSpPr>
+        <a:xfrm>
+          <a:off x="0" y="0"/>
+          <a:ext cx="0" cy="0"/>
+          <a:chOff x="0" y="0"/>
+          <a:chExt cx="0" cy="0"/>
+        </a:xfrm>
+      </p:grpSpPr>
+      <p:sp>
+        <p:nvSpPr>
+          <p:cNvPr id="12290" name="Title 1"/>
+          <p:cNvSpPr>
+            <a:spLocks noGrp="1"/>
+          </p:cNvSpPr>
+          <p:nvPr>
+            <p:ph type="title"/>
+          </p:nvPr>
+        </p:nvSpPr>
+        <p:spPr>
+          <a:xfrm>
+            <a:off x="395288" y="-171450"/>
+            <a:ext cx="8451850" cy="1431925"/>
+          </a:xfrm>
+        </p:spPr>
+        <p:txBody>
+          <a:bodyPr/>
+          <a:lstStyle/>
+          <a:p>
+            <a:pPr eaLnBrk="1" hangingPunct="1"/>
+            <a:r>
+              <a:rPr lang="en-US" altLang="en-US"/>
+              <a:t>Mutable objects and aliasing</a:t>
+            </a:r>
+            <a:endParaRPr lang="en-GB" altLang="en-US"/>
+          </a:p>
+        </p:txBody>
+      </p:sp>
+      <p:sp>
+        <p:nvSpPr>
+          <p:cNvPr id="12291" name="Content Placeholder 2"/>
+          <p:cNvSpPr>
+            <a:spLocks noGrp="1"/>
+          </p:cNvSpPr>
+          <p:nvPr>
+            <p:ph idx="1"/>
+          </p:nvPr>
+        </p:nvSpPr>
+        <p:spPr>
+          <a:xfrm>
+            <a:off x="539750" y="981075"/>
+            <a:ext cx="8064500" cy="5543550"/>
+          </a:xfrm>
+        </p:spPr>
+        <p:txBody>
+          <a:bodyPr/>
+          <a:lstStyle/>
+          <a:p>
+            <a:pPr marL="0" indent="0" eaLnBrk="1" hangingPunct="1">
+              <a:buFont typeface="Arial" panose="020B0604020202020204" pitchFamily="34" charset="0"/>
+              <a:buNone/>
+            </a:pPr>
+            <a:r>
+              <a:rPr lang="en-GB" altLang="en-US" sz="2000" dirty="0"/>
+              <a:t>Mutable objects in Python can be subject to </a:t>
+            </a:r>
+            <a:r>
+              <a:rPr lang="en-GB" altLang="en-US" sz="2000" i="1" dirty="0"/>
+              <a:t>aliasing.</a:t>
+            </a:r>
+          </a:p>
+          <a:p>
+            <a:pPr marL="0" indent="0" eaLnBrk="1" hangingPunct="1">
+              <a:buFont typeface="Arial" panose="020B0604020202020204" pitchFamily="34" charset="0"/>
+              <a:buNone/>
+            </a:pPr>
+            <a:r>
+              <a:rPr lang="en-GB" altLang="en-US" sz="2000" b="1" dirty="0">
+                <a:latin typeface="Courier New" panose="02070309020205020404" pitchFamily="49" charset="0"/>
+                <a:cs typeface="Courier New" panose="02070309020205020404" pitchFamily="49" charset="0"/>
+              </a:rPr>
+              <a:t>&gt;&gt;&gt;</a:t>
+            </a:r>
+            <a:r>
+              <a:rPr lang="en-GB" altLang="en-US" sz="2000" dirty="0">
+                <a:latin typeface="Courier New" panose="02070309020205020404" pitchFamily="49" charset="0"/>
+                <a:cs typeface="Courier New" panose="02070309020205020404" pitchFamily="49" charset="0"/>
+              </a:rPr>
+              <a:t> a = [[0, 1, 2], [0, 1, 2]]</a:t>
+            </a:r>
+          </a:p>
+          <a:p>
+            <a:pPr marL="0" indent="0" eaLnBrk="1" hangingPunct="1">
+              <a:buFont typeface="Arial" panose="020B0604020202020204" pitchFamily="34" charset="0"/>
+              <a:buNone/>
+            </a:pPr>
+            <a:r>
+              <a:rPr lang="en-GB" altLang="en-US" sz="2000" b="1" dirty="0">
+                <a:latin typeface="Courier New" panose="02070309020205020404" pitchFamily="49" charset="0"/>
+                <a:cs typeface="Courier New" panose="02070309020205020404" pitchFamily="49" charset="0"/>
+              </a:rPr>
+              <a:t>&gt;&gt;&gt;</a:t>
+            </a:r>
+            <a:r>
+              <a:rPr lang="en-GB" altLang="en-US" sz="2000" dirty="0">
+                <a:latin typeface="Courier New" panose="02070309020205020404" pitchFamily="49" charset="0"/>
+                <a:cs typeface="Courier New" panose="02070309020205020404" pitchFamily="49" charset="0"/>
+              </a:rPr>
+              <a:t> </a:t>
+            </a:r>
+            <a:r>
+              <a:rPr lang="en-GB" altLang="en-US" sz="2000" b="1" dirty="0">
+                <a:latin typeface="Courier New" panose="02070309020205020404" pitchFamily="49" charset="0"/>
+                <a:cs typeface="Courier New" panose="02070309020205020404" pitchFamily="49" charset="0"/>
+              </a:rPr>
+              <a:t>print</a:t>
+            </a:r>
+            <a:r>
+              <a:rPr lang="en-GB" altLang="en-US" sz="2000" dirty="0">
+                <a:latin typeface="Courier New" panose="02070309020205020404" pitchFamily="49" charset="0"/>
+                <a:cs typeface="Courier New" panose="02070309020205020404" pitchFamily="49" charset="0"/>
+              </a:rPr>
+              <a:t>(a)</a:t>
+            </a:r>
+          </a:p>
+          <a:p>
+            <a:pPr marL="0" indent="0" eaLnBrk="1" hangingPunct="1">
+              <a:buFont typeface="Arial" panose="020B0604020202020204" pitchFamily="34" charset="0"/>
+              <a:buNone/>
+            </a:pPr>
+            <a:r>
+              <a:rPr lang="en-GB" altLang="en-US" sz="2000" i="1" dirty="0">
+                <a:solidFill>
+                  <a:srgbClr val="008000"/>
+                </a:solidFill>
+                <a:latin typeface="Courier New" panose="02070309020205020404" pitchFamily="49" charset="0"/>
+                <a:cs typeface="Courier New" panose="02070309020205020404" pitchFamily="49" charset="0"/>
+              </a:rPr>
+              <a:t>[[0, 1, 2], [0, 1, 2]]</a:t>
+            </a:r>
+          </a:p>
+          <a:p>
+            <a:pPr marL="0" indent="0" eaLnBrk="1" hangingPunct="1">
+              <a:buFont typeface="Arial" panose="020B0604020202020204" pitchFamily="34" charset="0"/>
+              <a:buNone/>
+            </a:pPr>
+            <a:r>
+              <a:rPr lang="en-GB" altLang="en-US" sz="2000" b="1" dirty="0">
+                <a:latin typeface="Courier New" panose="02070309020205020404" pitchFamily="49" charset="0"/>
+                <a:cs typeface="Courier New" panose="02070309020205020404" pitchFamily="49" charset="0"/>
+              </a:rPr>
+              <a:t>&gt;&gt;&gt;</a:t>
+            </a:r>
+            <a:r>
+              <a:rPr lang="en-GB" altLang="en-US" sz="2000" dirty="0">
+                <a:latin typeface="Courier New" panose="02070309020205020404" pitchFamily="49" charset="0"/>
+                <a:cs typeface="Courier New" panose="02070309020205020404" pitchFamily="49" charset="0"/>
+              </a:rPr>
+              <a:t> b = a[1]</a:t>
+            </a:r>
+          </a:p>
+          <a:p>
+            <a:pPr marL="0" indent="0" eaLnBrk="1" hangingPunct="1">
+              <a:buFont typeface="Arial" panose="020B0604020202020204" pitchFamily="34" charset="0"/>
+              <a:buNone/>
+            </a:pPr>
+            <a:r>
+              <a:rPr lang="en-GB" altLang="en-US" sz="2000" b="1" dirty="0">
+                <a:latin typeface="Courier New" panose="02070309020205020404" pitchFamily="49" charset="0"/>
+                <a:cs typeface="Courier New" panose="02070309020205020404" pitchFamily="49" charset="0"/>
+              </a:rPr>
+              <a:t>&gt;&gt;&gt;</a:t>
+            </a:r>
+            <a:r>
+              <a:rPr lang="en-GB" altLang="en-US" sz="2000" dirty="0">
+                <a:latin typeface="Courier New" panose="02070309020205020404" pitchFamily="49" charset="0"/>
+                <a:cs typeface="Courier New" panose="02070309020205020404" pitchFamily="49" charset="0"/>
+              </a:rPr>
+              <a:t> </a:t>
+            </a:r>
+            <a:r>
+              <a:rPr lang="en-GB" altLang="en-US" sz="2000" b="1" dirty="0">
+                <a:latin typeface="Courier New" panose="02070309020205020404" pitchFamily="49" charset="0"/>
+                <a:cs typeface="Courier New" panose="02070309020205020404" pitchFamily="49" charset="0"/>
+              </a:rPr>
+              <a:t>print</a:t>
+            </a:r>
+            <a:r>
+              <a:rPr lang="en-GB" altLang="en-US" sz="2000" dirty="0">
+                <a:latin typeface="Courier New" panose="02070309020205020404" pitchFamily="49" charset="0"/>
+                <a:cs typeface="Courier New" panose="02070309020205020404" pitchFamily="49" charset="0"/>
+              </a:rPr>
+              <a:t>(b)</a:t>
+            </a:r>
+          </a:p>
+          <a:p>
+            <a:pPr marL="0" indent="0" eaLnBrk="1" hangingPunct="1">
+              <a:buFont typeface="Arial" panose="020B0604020202020204" pitchFamily="34" charset="0"/>
+              <a:buNone/>
+            </a:pPr>
+            <a:r>
+              <a:rPr lang="en-GB" altLang="en-US" sz="2000" i="1" dirty="0">
+                <a:solidFill>
+                  <a:srgbClr val="008000"/>
+                </a:solidFill>
+                <a:latin typeface="Courier New" panose="02070309020205020404" pitchFamily="49" charset="0"/>
+                <a:cs typeface="Courier New" panose="02070309020205020404" pitchFamily="49" charset="0"/>
+              </a:rPr>
+              <a:t>[0, 1, 2]</a:t>
+            </a:r>
+          </a:p>
+          <a:p>
+            <a:pPr marL="0" indent="0" eaLnBrk="1" hangingPunct="1">
+              <a:buFont typeface="Arial" panose="020B0604020202020204" pitchFamily="34" charset="0"/>
+              <a:buNone/>
+            </a:pPr>
+            <a:r>
+              <a:rPr lang="en-GB" altLang="en-US" sz="2000" b="1" dirty="0">
+                <a:latin typeface="Courier New" panose="02070309020205020404" pitchFamily="49" charset="0"/>
+                <a:cs typeface="Courier New" panose="02070309020205020404" pitchFamily="49" charset="0"/>
+              </a:rPr>
+              <a:t>&gt;&gt;&gt;</a:t>
+            </a:r>
+            <a:r>
+              <a:rPr lang="en-GB" altLang="en-US" sz="2000" dirty="0">
+                <a:latin typeface="Courier New" panose="02070309020205020404" pitchFamily="49" charset="0"/>
+                <a:cs typeface="Courier New" panose="02070309020205020404" pitchFamily="49" charset="0"/>
+              </a:rPr>
+              <a:t> b[1] = 'hello'</a:t>
+            </a:r>
+          </a:p>
+          <a:p>
+            <a:pPr marL="0" indent="0" eaLnBrk="1" hangingPunct="1">
+              <a:buFont typeface="Arial" panose="020B0604020202020204" pitchFamily="34" charset="0"/>
+              <a:buNone/>
+            </a:pPr>
+            <a:r>
+              <a:rPr lang="en-GB" altLang="en-US" sz="2000" b="1" dirty="0">
+                <a:latin typeface="Courier New" panose="02070309020205020404" pitchFamily="49" charset="0"/>
+                <a:cs typeface="Courier New" panose="02070309020205020404" pitchFamily="49" charset="0"/>
+              </a:rPr>
+              <a:t>&gt;&gt;&gt;</a:t>
+            </a:r>
+            <a:r>
+              <a:rPr lang="en-GB" altLang="en-US" sz="2000" dirty="0">
+                <a:latin typeface="Courier New" panose="02070309020205020404" pitchFamily="49" charset="0"/>
+                <a:cs typeface="Courier New" panose="02070309020205020404" pitchFamily="49" charset="0"/>
+              </a:rPr>
+              <a:t> </a:t>
+            </a:r>
+            <a:r>
+              <a:rPr lang="en-GB" altLang="en-US" sz="2000" b="1" dirty="0">
+                <a:latin typeface="Courier New" panose="02070309020205020404" pitchFamily="49" charset="0"/>
+                <a:cs typeface="Courier New" panose="02070309020205020404" pitchFamily="49" charset="0"/>
+              </a:rPr>
+              <a:t>print</a:t>
+            </a:r>
+            <a:r>
+              <a:rPr lang="en-GB" altLang="en-US" sz="2000" dirty="0">
+                <a:latin typeface="Courier New" panose="02070309020205020404" pitchFamily="49" charset="0"/>
+                <a:cs typeface="Courier New" panose="02070309020205020404" pitchFamily="49" charset="0"/>
+              </a:rPr>
+              <a:t>(b)</a:t>
+            </a:r>
+          </a:p>
+          <a:p>
+            <a:pPr marL="0" indent="0" eaLnBrk="1" hangingPunct="1">
+              <a:buFont typeface="Arial" panose="020B0604020202020204" pitchFamily="34" charset="0"/>
+              <a:buNone/>
+            </a:pPr>
+            <a:r>
+              <a:rPr lang="en-GB" altLang="en-US" sz="2000" i="1" dirty="0">
+                <a:solidFill>
+                  <a:srgbClr val="008000"/>
+                </a:solidFill>
+                <a:latin typeface="Courier New" panose="02070309020205020404" pitchFamily="49" charset="0"/>
+                <a:cs typeface="Courier New" panose="02070309020205020404" pitchFamily="49" charset="0"/>
+              </a:rPr>
+              <a:t>[0, 'hello', 2]</a:t>
+            </a:r>
+          </a:p>
+          <a:p>
+            <a:pPr marL="0" indent="0" eaLnBrk="1" hangingPunct="1">
+              <a:buFont typeface="Arial" panose="020B0604020202020204" pitchFamily="34" charset="0"/>
+              <a:buNone/>
+            </a:pPr>
+            <a:r>
+              <a:rPr lang="en-GB" altLang="en-US" sz="2000" b="1" dirty="0">
+                <a:latin typeface="Courier New" panose="02070309020205020404" pitchFamily="49" charset="0"/>
+                <a:cs typeface="Courier New" panose="02070309020205020404" pitchFamily="49" charset="0"/>
+              </a:rPr>
+              <a:t>&gt;&gt;&gt;</a:t>
+            </a:r>
+            <a:r>
+              <a:rPr lang="en-GB" altLang="en-US" sz="2000" dirty="0">
+                <a:latin typeface="Courier New" panose="02070309020205020404" pitchFamily="49" charset="0"/>
+                <a:cs typeface="Courier New" panose="02070309020205020404" pitchFamily="49" charset="0"/>
+              </a:rPr>
+              <a:t> </a:t>
+            </a:r>
+            <a:r>
+              <a:rPr lang="en-GB" altLang="en-US" sz="2000" b="1" dirty="0">
+                <a:latin typeface="Courier New" panose="02070309020205020404" pitchFamily="49" charset="0"/>
+                <a:cs typeface="Courier New" panose="02070309020205020404" pitchFamily="49" charset="0"/>
+              </a:rPr>
+              <a:t>print</a:t>
+            </a:r>
+            <a:r>
+              <a:rPr lang="en-GB" altLang="en-US" sz="2000" dirty="0">
+                <a:latin typeface="Courier New" panose="02070309020205020404" pitchFamily="49" charset="0"/>
+                <a:cs typeface="Courier New" panose="02070309020205020404" pitchFamily="49" charset="0"/>
+              </a:rPr>
+              <a:t>(a)</a:t>
+            </a:r>
+          </a:p>
+          <a:p>
+            <a:pPr marL="0" indent="0" eaLnBrk="1" hangingPunct="1">
+              <a:buFont typeface="Arial" panose="020B0604020202020204" pitchFamily="34" charset="0"/>
+              <a:buNone/>
+            </a:pPr>
+            <a:r>
+              <a:rPr lang="en-GB" altLang="en-US" sz="2000" i="1" dirty="0">
+                <a:solidFill>
+                  <a:srgbClr val="008000"/>
+                </a:solidFill>
+                <a:latin typeface="Courier New" panose="02070309020205020404" pitchFamily="49" charset="0"/>
+                <a:cs typeface="Courier New" panose="02070309020205020404" pitchFamily="49" charset="0"/>
+              </a:rPr>
+              <a:t>[[0, 1, 2], [0, 'hello', 2]]</a:t>
+            </a:r>
+          </a:p>
+        </p:txBody>
+      </p:sp>
+    </p:spTree>
+    <p:extLst>
+      <p:ext uri="{BB962C8B-B14F-4D97-AF65-F5344CB8AC3E}">
+        <p14:creationId xmlns:p14="http://schemas.microsoft.com/office/powerpoint/2010/main" val="1128863037"/>
+      </p:ext>
+    </p:extLst>
+  </p:cSld>
+  <p:clrMapOvr>
+    <a:masterClrMapping/>
+  </p:clrMapOvr>
+</p:sld>
+</file>
+
+<file path=ppt/slides/slide9.xml><?xml version="1.0" encoding="utf-8"?>
+<p:sld xmlns:a="http://schemas.openxmlformats.org/drawingml/2006/main" xmlns:r="http://schemas.openxmlformats.org/officeDocument/2006/relationships" xmlns:p="http://schemas.openxmlformats.org/presentationml/2006/main">
+  <p:cSld>
+    <p:spTree>
+      <p:nvGrpSpPr>
+        <p:cNvPr id="1" name=""/>
+        <p:cNvGrpSpPr/>
+        <p:nvPr/>
+      </p:nvGrpSpPr>
+      <p:grpSpPr>
+        <a:xfrm>
+          <a:off x="0" y="0"/>
+          <a:ext cx="0" cy="0"/>
+          <a:chOff x="0" y="0"/>
+          <a:chExt cx="0" cy="0"/>
+        </a:xfrm>
+      </p:grpSpPr>
+      <p:sp>
+        <p:nvSpPr>
+          <p:cNvPr id="14338" name="Title 1"/>
+          <p:cNvSpPr>
+            <a:spLocks noGrp="1"/>
+          </p:cNvSpPr>
+          <p:nvPr>
+            <p:ph type="title"/>
+          </p:nvPr>
+        </p:nvSpPr>
+        <p:spPr>
+          <a:xfrm>
+            <a:off x="257175" y="-100013"/>
+            <a:ext cx="8451850" cy="1431926"/>
+          </a:xfrm>
+        </p:spPr>
+        <p:txBody>
+          <a:bodyPr/>
+          <a:lstStyle/>
+          <a:p>
+            <a:pPr eaLnBrk="1" hangingPunct="1"/>
+            <a:r>
+              <a:rPr lang="en-US" altLang="en-US"/>
+              <a:t>Aliasing - why?</a:t>
+            </a:r>
+            <a:endParaRPr lang="en-GB" altLang="en-US"/>
+          </a:p>
+        </p:txBody>
+      </p:sp>
+      <p:sp>
+        <p:nvSpPr>
+          <p:cNvPr id="4099" name="Content Placeholder 2"/>
+          <p:cNvSpPr>
+            <a:spLocks noGrp="1"/>
+          </p:cNvSpPr>
+          <p:nvPr>
+            <p:ph idx="1"/>
+          </p:nvPr>
+        </p:nvSpPr>
+        <p:spPr>
+          <a:xfrm>
+            <a:off x="468313" y="1125538"/>
+            <a:ext cx="8207375" cy="4679950"/>
+          </a:xfrm>
+        </p:spPr>
+        <p:txBody>
+          <a:bodyPr rtlCol="0">
+            <a:normAutofit/>
+          </a:bodyPr>
+          <a:lstStyle/>
+          <a:p>
+            <a:pPr marL="0" indent="0" eaLnBrk="1" fontAlgn="auto" hangingPunct="1">
+              <a:spcAft>
+                <a:spcPts val="0"/>
+              </a:spcAft>
+              <a:buFont typeface="Arial" panose="020B0604020202020204" pitchFamily="34" charset="0"/>
+              <a:buNone/>
+              <a:defRPr/>
+            </a:pPr>
+            <a:r>
+              <a:rPr lang="en-GB" dirty="0"/>
+              <a:t>Why would aliasing be useful in a programming language?</a:t>
+            </a:r>
+          </a:p>
+          <a:p>
+            <a:pPr eaLnBrk="1" fontAlgn="auto" hangingPunct="1">
+              <a:spcAft>
+                <a:spcPts val="0"/>
+              </a:spcAft>
+              <a:defRPr/>
+            </a:pPr>
+            <a:r>
+              <a:rPr lang="en-GB" dirty="0"/>
+              <a:t>Efficiency - especially with "big" arrays</a:t>
+            </a:r>
+          </a:p>
+          <a:p>
+            <a:pPr eaLnBrk="1" fontAlgn="auto" hangingPunct="1">
+              <a:spcAft>
+                <a:spcPts val="0"/>
+              </a:spcAft>
+              <a:defRPr/>
+            </a:pPr>
+            <a:r>
+              <a:rPr lang="en-GB" dirty="0"/>
+              <a:t>Sometimes you want to be able to assign a variable to a sub-component of another variable (such as a list, array, dictionary or more complex object) - and to </a:t>
+            </a:r>
+            <a:r>
+              <a:rPr lang="en-GB" i="1" dirty="0"/>
+              <a:t>change</a:t>
+            </a:r>
+            <a:r>
+              <a:rPr lang="en-GB" dirty="0"/>
+              <a:t> it.</a:t>
+            </a:r>
+          </a:p>
+          <a:p>
+            <a:pPr eaLnBrk="1" fontAlgn="auto" hangingPunct="1">
+              <a:spcAft>
+                <a:spcPts val="0"/>
+              </a:spcAft>
+              <a:defRPr/>
+            </a:pPr>
+            <a:endParaRPr lang="en-GB" dirty="0"/>
+          </a:p>
+        </p:txBody>
+      </p:sp>
+    </p:spTree>
+  </p:cSld>
+  <p:clrMapOvr>
+    <a:masterClrMapping/>
+  </p:clrMapOvr>
 </p:sld>
 </file>
 
